--- a/Layout.pptx
+++ b/Layout.pptx
@@ -6,6 +6,7 @@
   </p:sldMasterIdLst>
   <p:sldIdLst>
     <p:sldId id="256" r:id="rId2"/>
+    <p:sldId id="257" r:id="rId3"/>
   </p:sldIdLst>
   <p:sldSz cx="12192000" cy="6858000"/>
   <p:notesSz cx="6858000" cy="9144000"/>
@@ -104,7 +105,16 @@
       </a:defRPr>
     </a:lvl9pPr>
   </p:defaultTextStyle>
+  <p:extLst>
+    <p:ext uri="{EFAFB233-063F-42B5-8137-9DF3F51BA10A}">
+      <p15:sldGuideLst xmlns:p15="http://schemas.microsoft.com/office/powerpoint/2012/main"/>
+    </p:ext>
+  </p:extLst>
 </p:presentation>
+</file>
+
+<file path=ppt/revisionInfo.xml><?xml version="1.0" encoding="utf-8"?>
+<p1510:revInfo xmlns:a="http://schemas.openxmlformats.org/drawingml/2006/main" xmlns:r="http://schemas.openxmlformats.org/officeDocument/2006/relationships" xmlns:p1510="http://schemas.microsoft.com/office/powerpoint/2015/10/main"/>
 </file>
 
 <file path=ppt/slideLayouts/slideLayout1.xml><?xml version="1.0" encoding="utf-8"?>
@@ -236,7 +246,7 @@
           <a:p>
             <a:fld id="{CA8D0E8E-87DE-4C0E-A828-F83AE184BF1C}" type="datetimeFigureOut">
               <a:rPr lang="de-DE" smtClean="0"/>
-              <a:t>14.05.2017</a:t>
+              <a:t>15.05.2017</a:t>
             </a:fld>
             <a:endParaRPr lang="de-DE"/>
           </a:p>
@@ -404,7 +414,7 @@
           <a:p>
             <a:fld id="{CA8D0E8E-87DE-4C0E-A828-F83AE184BF1C}" type="datetimeFigureOut">
               <a:rPr lang="de-DE" smtClean="0"/>
-              <a:t>14.05.2017</a:t>
+              <a:t>15.05.2017</a:t>
             </a:fld>
             <a:endParaRPr lang="de-DE"/>
           </a:p>
@@ -582,7 +592,7 @@
           <a:p>
             <a:fld id="{CA8D0E8E-87DE-4C0E-A828-F83AE184BF1C}" type="datetimeFigureOut">
               <a:rPr lang="de-DE" smtClean="0"/>
-              <a:t>14.05.2017</a:t>
+              <a:t>15.05.2017</a:t>
             </a:fld>
             <a:endParaRPr lang="de-DE"/>
           </a:p>
@@ -750,7 +760,7 @@
           <a:p>
             <a:fld id="{CA8D0E8E-87DE-4C0E-A828-F83AE184BF1C}" type="datetimeFigureOut">
               <a:rPr lang="de-DE" smtClean="0"/>
-              <a:t>14.05.2017</a:t>
+              <a:t>15.05.2017</a:t>
             </a:fld>
             <a:endParaRPr lang="de-DE"/>
           </a:p>
@@ -995,7 +1005,7 @@
           <a:p>
             <a:fld id="{CA8D0E8E-87DE-4C0E-A828-F83AE184BF1C}" type="datetimeFigureOut">
               <a:rPr lang="de-DE" smtClean="0"/>
-              <a:t>14.05.2017</a:t>
+              <a:t>15.05.2017</a:t>
             </a:fld>
             <a:endParaRPr lang="de-DE"/>
           </a:p>
@@ -1224,7 +1234,7 @@
           <a:p>
             <a:fld id="{CA8D0E8E-87DE-4C0E-A828-F83AE184BF1C}" type="datetimeFigureOut">
               <a:rPr lang="de-DE" smtClean="0"/>
-              <a:t>14.05.2017</a:t>
+              <a:t>15.05.2017</a:t>
             </a:fld>
             <a:endParaRPr lang="de-DE"/>
           </a:p>
@@ -1588,7 +1598,7 @@
           <a:p>
             <a:fld id="{CA8D0E8E-87DE-4C0E-A828-F83AE184BF1C}" type="datetimeFigureOut">
               <a:rPr lang="de-DE" smtClean="0"/>
-              <a:t>14.05.2017</a:t>
+              <a:t>15.05.2017</a:t>
             </a:fld>
             <a:endParaRPr lang="de-DE"/>
           </a:p>
@@ -1705,7 +1715,7 @@
           <a:p>
             <a:fld id="{CA8D0E8E-87DE-4C0E-A828-F83AE184BF1C}" type="datetimeFigureOut">
               <a:rPr lang="de-DE" smtClean="0"/>
-              <a:t>14.05.2017</a:t>
+              <a:t>15.05.2017</a:t>
             </a:fld>
             <a:endParaRPr lang="de-DE"/>
           </a:p>
@@ -1800,7 +1810,7 @@
           <a:p>
             <a:fld id="{CA8D0E8E-87DE-4C0E-A828-F83AE184BF1C}" type="datetimeFigureOut">
               <a:rPr lang="de-DE" smtClean="0"/>
-              <a:t>14.05.2017</a:t>
+              <a:t>15.05.2017</a:t>
             </a:fld>
             <a:endParaRPr lang="de-DE"/>
           </a:p>
@@ -2075,7 +2085,7 @@
           <a:p>
             <a:fld id="{CA8D0E8E-87DE-4C0E-A828-F83AE184BF1C}" type="datetimeFigureOut">
               <a:rPr lang="de-DE" smtClean="0"/>
-              <a:t>14.05.2017</a:t>
+              <a:t>15.05.2017</a:t>
             </a:fld>
             <a:endParaRPr lang="de-DE"/>
           </a:p>
@@ -2327,7 +2337,7 @@
           <a:p>
             <a:fld id="{CA8D0E8E-87DE-4C0E-A828-F83AE184BF1C}" type="datetimeFigureOut">
               <a:rPr lang="de-DE" smtClean="0"/>
-              <a:t>14.05.2017</a:t>
+              <a:t>15.05.2017</a:t>
             </a:fld>
             <a:endParaRPr lang="de-DE"/>
           </a:p>
@@ -2538,7 +2548,7 @@
           <a:p>
             <a:fld id="{CA8D0E8E-87DE-4C0E-A828-F83AE184BF1C}" type="datetimeFigureOut">
               <a:rPr lang="de-DE" smtClean="0"/>
-              <a:t>14.05.2017</a:t>
+              <a:t>15.05.2017</a:t>
             </a:fld>
             <a:endParaRPr lang="de-DE"/>
           </a:p>
@@ -2951,12 +2961,66 @@
         </p:nvSpPr>
         <p:spPr>
           <a:xfrm>
-            <a:off x="0" y="0"/>
-            <a:ext cx="12192000" cy="620785"/>
+            <a:off x="1484244" y="0"/>
+            <a:ext cx="10707756" cy="620785"/>
           </a:xfrm>
           <a:prstGeom prst="rect">
             <a:avLst/>
           </a:prstGeom>
+          <a:solidFill>
+            <a:srgbClr val="9ABEDF"/>
+          </a:solidFill>
+          <a:ln>
+            <a:solidFill>
+              <a:srgbClr val="9ABEDF"/>
+            </a:solidFill>
+          </a:ln>
+        </p:spPr>
+        <p:style>
+          <a:lnRef idx="2">
+            <a:schemeClr val="accent3"/>
+          </a:lnRef>
+          <a:fillRef idx="1">
+            <a:schemeClr val="lt1"/>
+          </a:fillRef>
+          <a:effectRef idx="0">
+            <a:schemeClr val="accent3"/>
+          </a:effectRef>
+          <a:fontRef idx="minor">
+            <a:schemeClr val="dk1"/>
+          </a:fontRef>
+        </p:style>
+        <p:txBody>
+          <a:bodyPr rtlCol="0" anchor="ctr"/>
+          <a:lstStyle/>
+          <a:p>
+            <a:pPr algn="ctr"/>
+            <a:endParaRPr lang="de-DE"/>
+          </a:p>
+        </p:txBody>
+      </p:sp>
+      <p:sp>
+        <p:nvSpPr>
+          <p:cNvPr id="5" name="Rechteck 4"/>
+          <p:cNvSpPr/>
+          <p:nvPr/>
+        </p:nvSpPr>
+        <p:spPr>
+          <a:xfrm>
+            <a:off x="0" y="6593747"/>
+            <a:ext cx="12192000" cy="264253"/>
+          </a:xfrm>
+          <a:prstGeom prst="rect">
+            <a:avLst/>
+          </a:prstGeom>
+          <a:solidFill>
+            <a:srgbClr val="9ABEDF"/>
+          </a:solidFill>
+          <a:ln>
+            <a:solidFill>
+              <a:srgbClr val="9ABEDF"/>
+            </a:solidFill>
+          </a:ln>
         </p:spPr>
         <p:style>
           <a:lnRef idx="2">
@@ -2985,18 +3049,362 @@
       </p:sp>
       <p:sp>
         <p:nvSpPr>
-          <p:cNvPr id="5" name="Rechteck 4"/>
+          <p:cNvPr id="7" name="Rechteck 6"/>
           <p:cNvSpPr/>
           <p:nvPr/>
         </p:nvSpPr>
         <p:spPr>
           <a:xfrm>
-            <a:off x="0" y="6593747"/>
-            <a:ext cx="12192000" cy="264253"/>
+            <a:off x="2295203" y="142612"/>
+            <a:ext cx="8249570" cy="335559"/>
           </a:xfrm>
           <a:prstGeom prst="rect">
             <a:avLst/>
           </a:prstGeom>
+          <a:ln>
+            <a:solidFill>
+              <a:schemeClr val="tx1"/>
+            </a:solidFill>
+          </a:ln>
+        </p:spPr>
+        <p:style>
+          <a:lnRef idx="2">
+            <a:schemeClr val="accent3"/>
+          </a:lnRef>
+          <a:fillRef idx="1">
+            <a:schemeClr val="lt1"/>
+          </a:fillRef>
+          <a:effectRef idx="0">
+            <a:schemeClr val="accent3"/>
+          </a:effectRef>
+          <a:fontRef idx="minor">
+            <a:schemeClr val="dk1"/>
+          </a:fontRef>
+        </p:style>
+        <p:txBody>
+          <a:bodyPr rtlCol="0" anchor="ctr"/>
+          <a:lstStyle/>
+          <a:p>
+            <a:pPr algn="ctr"/>
+            <a:r>
+              <a:rPr lang="de-DE" dirty="0"/>
+              <a:t>Menü</a:t>
+            </a:r>
+          </a:p>
+        </p:txBody>
+      </p:sp>
+      <p:sp>
+        <p:nvSpPr>
+          <p:cNvPr id="8" name="Rechteck 7"/>
+          <p:cNvSpPr/>
+          <p:nvPr/>
+        </p:nvSpPr>
+        <p:spPr>
+          <a:xfrm>
+            <a:off x="11232859" y="6629399"/>
+            <a:ext cx="864066" cy="192947"/>
+          </a:xfrm>
+          <a:prstGeom prst="rect">
+            <a:avLst/>
+          </a:prstGeom>
+        </p:spPr>
+        <p:style>
+          <a:lnRef idx="2">
+            <a:schemeClr val="dk1"/>
+          </a:lnRef>
+          <a:fillRef idx="1">
+            <a:schemeClr val="lt1"/>
+          </a:fillRef>
+          <a:effectRef idx="0">
+            <a:schemeClr val="dk1"/>
+          </a:effectRef>
+          <a:fontRef idx="minor">
+            <a:schemeClr val="dk1"/>
+          </a:fontRef>
+        </p:style>
+        <p:txBody>
+          <a:bodyPr rtlCol="0" anchor="ctr"/>
+          <a:lstStyle/>
+          <a:p>
+            <a:pPr algn="ctr"/>
+            <a:r>
+              <a:rPr lang="de-DE" dirty="0"/>
+              <a:t>Hilfe</a:t>
+            </a:r>
+          </a:p>
+        </p:txBody>
+      </p:sp>
+      <p:sp>
+        <p:nvSpPr>
+          <p:cNvPr id="9" name="Rechteck 8"/>
+          <p:cNvSpPr/>
+          <p:nvPr/>
+        </p:nvSpPr>
+        <p:spPr>
+          <a:xfrm>
+            <a:off x="9571839" y="6629399"/>
+            <a:ext cx="1560352" cy="192947"/>
+          </a:xfrm>
+          <a:prstGeom prst="rect">
+            <a:avLst/>
+          </a:prstGeom>
+        </p:spPr>
+        <p:style>
+          <a:lnRef idx="2">
+            <a:schemeClr val="dk1"/>
+          </a:lnRef>
+          <a:fillRef idx="1">
+            <a:schemeClr val="lt1"/>
+          </a:fillRef>
+          <a:effectRef idx="0">
+            <a:schemeClr val="dk1"/>
+          </a:effectRef>
+          <a:fontRef idx="minor">
+            <a:schemeClr val="dk1"/>
+          </a:fontRef>
+        </p:style>
+        <p:txBody>
+          <a:bodyPr rtlCol="0" anchor="ctr"/>
+          <a:lstStyle/>
+          <a:p>
+            <a:pPr algn="ctr"/>
+            <a:r>
+              <a:rPr lang="de-DE" dirty="0"/>
+              <a:t>Kontakt/Ticket</a:t>
+            </a:r>
+          </a:p>
+        </p:txBody>
+      </p:sp>
+      <p:sp>
+        <p:nvSpPr>
+          <p:cNvPr id="10" name="Rechteck 9"/>
+          <p:cNvSpPr/>
+          <p:nvPr/>
+        </p:nvSpPr>
+        <p:spPr>
+          <a:xfrm>
+            <a:off x="11006983" y="135272"/>
+            <a:ext cx="1089942" cy="335560"/>
+          </a:xfrm>
+          <a:prstGeom prst="rect">
+            <a:avLst/>
+          </a:prstGeom>
+          <a:ln>
+            <a:solidFill>
+              <a:schemeClr val="tx1"/>
+            </a:solidFill>
+          </a:ln>
+        </p:spPr>
+        <p:style>
+          <a:lnRef idx="2">
+            <a:schemeClr val="dk1"/>
+          </a:lnRef>
+          <a:fillRef idx="1">
+            <a:schemeClr val="lt1"/>
+          </a:fillRef>
+          <a:effectRef idx="0">
+            <a:schemeClr val="dk1"/>
+          </a:effectRef>
+          <a:fontRef idx="minor">
+            <a:schemeClr val="dk1"/>
+          </a:fontRef>
+        </p:style>
+        <p:txBody>
+          <a:bodyPr rtlCol="0" anchor="ctr"/>
+          <a:lstStyle/>
+          <a:p>
+            <a:pPr algn="ctr"/>
+            <a:r>
+              <a:rPr lang="de-DE" dirty="0"/>
+              <a:t>Logout</a:t>
+            </a:r>
+          </a:p>
+        </p:txBody>
+      </p:sp>
+      <p:cxnSp>
+        <p:nvCxnSpPr>
+          <p:cNvPr id="14" name="Gerade Verbindung mit Pfeil 13"/>
+          <p:cNvCxnSpPr>
+            <a:cxnSpLocks/>
+          </p:cNvCxnSpPr>
+          <p:nvPr/>
+        </p:nvCxnSpPr>
+        <p:spPr>
+          <a:xfrm flipH="1" flipV="1">
+            <a:off x="1040235" y="377507"/>
+            <a:ext cx="792759" cy="519801"/>
+          </a:xfrm>
+          <a:prstGeom prst="straightConnector1">
+            <a:avLst/>
+          </a:prstGeom>
+          <a:ln>
+            <a:tailEnd type="triangle"/>
+          </a:ln>
+        </p:spPr>
+        <p:style>
+          <a:lnRef idx="3">
+            <a:schemeClr val="accent2"/>
+          </a:lnRef>
+          <a:fillRef idx="0">
+            <a:schemeClr val="accent2"/>
+          </a:fillRef>
+          <a:effectRef idx="2">
+            <a:schemeClr val="accent2"/>
+          </a:effectRef>
+          <a:fontRef idx="minor">
+            <a:schemeClr val="tx1"/>
+          </a:fontRef>
+        </p:style>
+      </p:cxnSp>
+      <p:sp>
+        <p:nvSpPr>
+          <p:cNvPr id="15" name="Rechteck 14"/>
+          <p:cNvSpPr/>
+          <p:nvPr/>
+        </p:nvSpPr>
+        <p:spPr>
+          <a:xfrm>
+            <a:off x="1356430" y="865127"/>
+            <a:ext cx="2040820" cy="523220"/>
+          </a:xfrm>
+          <a:prstGeom prst="rect">
+            <a:avLst/>
+          </a:prstGeom>
+          <a:noFill/>
+        </p:spPr>
+        <p:txBody>
+          <a:bodyPr wrap="square" lIns="91440" tIns="45720" rIns="91440" bIns="45720">
+            <a:spAutoFit/>
+          </a:bodyPr>
+          <a:lstStyle/>
+          <a:p>
+            <a:pPr algn="ctr"/>
+            <a:r>
+              <a:rPr lang="de-DE" sz="1400" b="0" cap="none" spc="0" dirty="0">
+                <a:ln w="0"/>
+                <a:solidFill>
+                  <a:schemeClr val="tx1"/>
+                </a:solidFill>
+                <a:effectLst>
+                  <a:outerShdw blurRad="38100" dist="19050" dir="2700000" algn="tl" rotWithShape="0">
+                    <a:schemeClr val="dk1">
+                      <a:alpha val="40000"/>
+                    </a:schemeClr>
+                  </a:outerShdw>
+                </a:effectLst>
+              </a:rPr>
+              <a:t>beim Klicken zurück zur Startseite</a:t>
+            </a:r>
+          </a:p>
+        </p:txBody>
+      </p:sp>
+      <p:cxnSp>
+        <p:nvCxnSpPr>
+          <p:cNvPr id="17" name="Gerade Verbindung mit Pfeil 16"/>
+          <p:cNvCxnSpPr/>
+          <p:nvPr/>
+        </p:nvCxnSpPr>
+        <p:spPr>
+          <a:xfrm>
+            <a:off x="11132191" y="5998128"/>
+            <a:ext cx="260059" cy="727744"/>
+          </a:xfrm>
+          <a:prstGeom prst="straightConnector1">
+            <a:avLst/>
+          </a:prstGeom>
+          <a:ln>
+            <a:tailEnd type="triangle"/>
+          </a:ln>
+        </p:spPr>
+        <p:style>
+          <a:lnRef idx="3">
+            <a:schemeClr val="accent2"/>
+          </a:lnRef>
+          <a:fillRef idx="0">
+            <a:schemeClr val="accent2"/>
+          </a:fillRef>
+          <a:effectRef idx="2">
+            <a:schemeClr val="accent2"/>
+          </a:effectRef>
+          <a:fontRef idx="minor">
+            <a:schemeClr val="tx1"/>
+          </a:fontRef>
+        </p:style>
+      </p:cxnSp>
+      <p:sp>
+        <p:nvSpPr>
+          <p:cNvPr id="18" name="Rechteck 17"/>
+          <p:cNvSpPr/>
+          <p:nvPr/>
+        </p:nvSpPr>
+        <p:spPr>
+          <a:xfrm>
+            <a:off x="9635403" y="5690351"/>
+            <a:ext cx="2556597" cy="307777"/>
+          </a:xfrm>
+          <a:prstGeom prst="rect">
+            <a:avLst/>
+          </a:prstGeom>
+          <a:noFill/>
+        </p:spPr>
+        <p:txBody>
+          <a:bodyPr wrap="none" lIns="91440" tIns="45720" rIns="91440" bIns="45720">
+            <a:spAutoFit/>
+          </a:bodyPr>
+          <a:lstStyle/>
+          <a:p>
+            <a:pPr algn="ctr"/>
+            <a:r>
+              <a:rPr lang="de-DE" sz="1400" dirty="0">
+                <a:ln w="0"/>
+                <a:effectLst>
+                  <a:outerShdw blurRad="38100" dist="19050" dir="2700000" algn="tl" rotWithShape="0">
+                    <a:schemeClr val="dk1">
+                      <a:alpha val="40000"/>
+                    </a:schemeClr>
+                  </a:outerShdw>
+                </a:effectLst>
+              </a:rPr>
+              <a:t>Popup für seitenspezifische Hilfe</a:t>
+            </a:r>
+            <a:endParaRPr lang="de-DE" sz="1400" b="0" cap="none" spc="0" dirty="0">
+              <a:ln w="0"/>
+              <a:solidFill>
+                <a:schemeClr val="tx1"/>
+              </a:solidFill>
+              <a:effectLst>
+                <a:outerShdw blurRad="38100" dist="19050" dir="2700000" algn="tl" rotWithShape="0">
+                  <a:schemeClr val="dk1">
+                    <a:alpha val="40000"/>
+                  </a:schemeClr>
+                </a:outerShdw>
+              </a:effectLst>
+            </a:endParaRPr>
+          </a:p>
+        </p:txBody>
+      </p:sp>
+      <p:sp>
+        <p:nvSpPr>
+          <p:cNvPr id="20" name="Rechteck 19"/>
+          <p:cNvSpPr/>
+          <p:nvPr/>
+        </p:nvSpPr>
+        <p:spPr>
+          <a:xfrm>
+            <a:off x="0" y="620785"/>
+            <a:ext cx="1262543" cy="5972962"/>
+          </a:xfrm>
+          <a:prstGeom prst="rect">
+            <a:avLst/>
+          </a:prstGeom>
+          <a:solidFill>
+            <a:srgbClr val="9ABEDF"/>
+          </a:solidFill>
+          <a:ln>
+            <a:solidFill>
+              <a:srgbClr val="9ABEDF"/>
+            </a:solidFill>
+          </a:ln>
         </p:spPr>
         <p:style>
           <a:lnRef idx="2">
@@ -3025,14 +3433,14 @@
       </p:sp>
       <p:sp>
         <p:nvSpPr>
-          <p:cNvPr id="6" name="Rechteck 5"/>
+          <p:cNvPr id="22" name="Rechteck 21"/>
           <p:cNvSpPr/>
           <p:nvPr/>
         </p:nvSpPr>
         <p:spPr>
           <a:xfrm>
-            <a:off x="134224" y="100668"/>
-            <a:ext cx="1132514" cy="411060"/>
+            <a:off x="134224" y="1008404"/>
+            <a:ext cx="906011" cy="5477854"/>
           </a:xfrm>
           <a:prstGeom prst="rect">
             <a:avLst/>
@@ -3040,18 +3448,16 @@
         </p:spPr>
         <p:style>
           <a:lnRef idx="2">
-            <a:schemeClr val="accent4">
-              <a:shade val="50000"/>
-            </a:schemeClr>
+            <a:schemeClr val="dk1"/>
           </a:lnRef>
           <a:fillRef idx="1">
-            <a:schemeClr val="accent4"/>
+            <a:schemeClr val="lt1"/>
           </a:fillRef>
           <a:effectRef idx="0">
-            <a:schemeClr val="accent4"/>
+            <a:schemeClr val="dk1"/>
           </a:effectRef>
           <a:fontRef idx="minor">
-            <a:schemeClr val="lt1"/>
+            <a:schemeClr val="dk1"/>
           </a:fontRef>
         </p:style>
         <p:txBody>
@@ -3060,200 +3466,67 @@
           <a:p>
             <a:pPr algn="ctr"/>
             <a:r>
-              <a:rPr lang="de-DE" dirty="0">
+              <a:rPr lang="de-DE" dirty="0"/>
+              <a:t>Unter-menüs</a:t>
+            </a:r>
+          </a:p>
+        </p:txBody>
+      </p:sp>
+      <p:sp>
+        <p:nvSpPr>
+          <p:cNvPr id="23" name="Rechteck 22"/>
+          <p:cNvSpPr/>
+          <p:nvPr/>
+        </p:nvSpPr>
+        <p:spPr>
+          <a:xfrm>
+            <a:off x="134224" y="6629399"/>
+            <a:ext cx="1498023" cy="192947"/>
+          </a:xfrm>
+          <a:prstGeom prst="rect">
+            <a:avLst/>
+          </a:prstGeom>
+        </p:spPr>
+        <p:style>
+          <a:lnRef idx="2">
+            <a:schemeClr val="dk1"/>
+          </a:lnRef>
+          <a:fillRef idx="1">
+            <a:schemeClr val="lt1"/>
+          </a:fillRef>
+          <a:effectRef idx="0">
+            <a:schemeClr val="dk1"/>
+          </a:effectRef>
+          <a:fontRef idx="minor">
+            <a:schemeClr val="dk1"/>
+          </a:fontRef>
+        </p:style>
+        <p:txBody>
+          <a:bodyPr rtlCol="0" anchor="ctr"/>
+          <a:lstStyle/>
+          <a:p>
+            <a:pPr algn="ctr"/>
+            <a:r>
+              <a:rPr lang="de-DE" sz="1400" dirty="0">
                 <a:solidFill>
                   <a:schemeClr val="tx1"/>
                 </a:solidFill>
               </a:rPr>
-              <a:t>Logo</a:t>
-            </a:r>
-          </a:p>
-        </p:txBody>
-      </p:sp>
-      <p:sp>
-        <p:nvSpPr>
-          <p:cNvPr id="7" name="Rechteck 6"/>
-          <p:cNvSpPr/>
-          <p:nvPr/>
-        </p:nvSpPr>
-        <p:spPr>
-          <a:xfrm>
-            <a:off x="2295203" y="142612"/>
-            <a:ext cx="8249570" cy="335559"/>
-          </a:xfrm>
-          <a:prstGeom prst="rect">
-            <a:avLst/>
-          </a:prstGeom>
-        </p:spPr>
-        <p:style>
-          <a:lnRef idx="2">
-            <a:schemeClr val="accent6">
-              <a:shade val="50000"/>
-            </a:schemeClr>
-          </a:lnRef>
-          <a:fillRef idx="1">
-            <a:schemeClr val="accent6"/>
-          </a:fillRef>
-          <a:effectRef idx="0">
-            <a:schemeClr val="accent6"/>
-          </a:effectRef>
-          <a:fontRef idx="minor">
-            <a:schemeClr val="lt1"/>
-          </a:fontRef>
-        </p:style>
-        <p:txBody>
-          <a:bodyPr rtlCol="0" anchor="ctr"/>
-          <a:lstStyle/>
-          <a:p>
-            <a:pPr algn="ctr"/>
-            <a:r>
-              <a:rPr lang="de-DE" dirty="0"/>
-              <a:t>Menü</a:t>
-            </a:r>
-          </a:p>
-        </p:txBody>
-      </p:sp>
-      <p:sp>
-        <p:nvSpPr>
-          <p:cNvPr id="8" name="Rechteck 7"/>
-          <p:cNvSpPr/>
-          <p:nvPr/>
-        </p:nvSpPr>
-        <p:spPr>
-          <a:xfrm>
-            <a:off x="11232859" y="6629399"/>
-            <a:ext cx="864066" cy="192947"/>
-          </a:xfrm>
-          <a:prstGeom prst="rect">
-            <a:avLst/>
-          </a:prstGeom>
-        </p:spPr>
-        <p:style>
-          <a:lnRef idx="2">
-            <a:schemeClr val="accent6">
-              <a:shade val="50000"/>
-            </a:schemeClr>
-          </a:lnRef>
-          <a:fillRef idx="1">
-            <a:schemeClr val="accent6"/>
-          </a:fillRef>
-          <a:effectRef idx="0">
-            <a:schemeClr val="accent6"/>
-          </a:effectRef>
-          <a:fontRef idx="minor">
-            <a:schemeClr val="lt1"/>
-          </a:fontRef>
-        </p:style>
-        <p:txBody>
-          <a:bodyPr rtlCol="0" anchor="ctr"/>
-          <a:lstStyle/>
-          <a:p>
-            <a:pPr algn="ctr"/>
-            <a:r>
-              <a:rPr lang="de-DE" dirty="0"/>
-              <a:t>Hilfe</a:t>
-            </a:r>
-          </a:p>
-        </p:txBody>
-      </p:sp>
-      <p:sp>
-        <p:nvSpPr>
-          <p:cNvPr id="9" name="Rechteck 8"/>
-          <p:cNvSpPr/>
-          <p:nvPr/>
-        </p:nvSpPr>
-        <p:spPr>
-          <a:xfrm>
-            <a:off x="9571839" y="6629399"/>
-            <a:ext cx="1560352" cy="192947"/>
-          </a:xfrm>
-          <a:prstGeom prst="rect">
-            <a:avLst/>
-          </a:prstGeom>
-        </p:spPr>
-        <p:style>
-          <a:lnRef idx="2">
-            <a:schemeClr val="accent6">
-              <a:shade val="50000"/>
-            </a:schemeClr>
-          </a:lnRef>
-          <a:fillRef idx="1">
-            <a:schemeClr val="accent6"/>
-          </a:fillRef>
-          <a:effectRef idx="0">
-            <a:schemeClr val="accent6"/>
-          </a:effectRef>
-          <a:fontRef idx="minor">
-            <a:schemeClr val="lt1"/>
-          </a:fontRef>
-        </p:style>
-        <p:txBody>
-          <a:bodyPr rtlCol="0" anchor="ctr"/>
-          <a:lstStyle/>
-          <a:p>
-            <a:pPr algn="ctr"/>
-            <a:r>
-              <a:rPr lang="de-DE" dirty="0"/>
-              <a:t>Kontakt/Ticket</a:t>
-            </a:r>
-          </a:p>
-        </p:txBody>
-      </p:sp>
-      <p:sp>
-        <p:nvSpPr>
-          <p:cNvPr id="10" name="Rechteck 9"/>
-          <p:cNvSpPr/>
-          <p:nvPr/>
-        </p:nvSpPr>
-        <p:spPr>
-          <a:xfrm>
-            <a:off x="11006983" y="135272"/>
-            <a:ext cx="1089942" cy="335560"/>
-          </a:xfrm>
-          <a:prstGeom prst="rect">
-            <a:avLst/>
-          </a:prstGeom>
-        </p:spPr>
-        <p:style>
-          <a:lnRef idx="2">
-            <a:schemeClr val="accent6">
-              <a:shade val="50000"/>
-            </a:schemeClr>
-          </a:lnRef>
-          <a:fillRef idx="1">
-            <a:schemeClr val="accent6"/>
-          </a:fillRef>
-          <a:effectRef idx="0">
-            <a:schemeClr val="accent6"/>
-          </a:effectRef>
-          <a:fontRef idx="minor">
-            <a:schemeClr val="lt1"/>
-          </a:fontRef>
-        </p:style>
-        <p:txBody>
-          <a:bodyPr rtlCol="0" anchor="ctr"/>
-          <a:lstStyle/>
-          <a:p>
-            <a:pPr algn="ctr"/>
-            <a:r>
-              <a:rPr lang="de-DE" dirty="0"/>
-              <a:t>Login</a:t>
+              <a:t>Link zur Schul-HP</a:t>
             </a:r>
           </a:p>
         </p:txBody>
       </p:sp>
       <p:cxnSp>
         <p:nvCxnSpPr>
-          <p:cNvPr id="14" name="Gerade Verbindung mit Pfeil 13"/>
-          <p:cNvCxnSpPr>
-            <a:cxnSpLocks/>
-          </p:cNvCxnSpPr>
+          <p:cNvPr id="25" name="Gerade Verbindung mit Pfeil 24"/>
+          <p:cNvCxnSpPr/>
           <p:nvPr/>
         </p:nvCxnSpPr>
         <p:spPr>
-          <a:xfrm flipH="1" flipV="1">
-            <a:off x="1040235" y="377507"/>
-            <a:ext cx="792759" cy="519801"/>
+          <a:xfrm flipV="1">
+            <a:off x="11291582" y="377507"/>
+            <a:ext cx="100668" cy="949285"/>
           </a:xfrm>
           <a:prstGeom prst="straightConnector1">
             <a:avLst/>
@@ -3279,14 +3552,14 @@
       </p:cxnSp>
       <p:sp>
         <p:nvSpPr>
-          <p:cNvPr id="15" name="Rechteck 14"/>
+          <p:cNvPr id="26" name="Rechteck 25"/>
           <p:cNvSpPr/>
           <p:nvPr/>
         </p:nvSpPr>
         <p:spPr>
           <a:xfrm>
-            <a:off x="1356430" y="865127"/>
-            <a:ext cx="2040820" cy="461665"/>
+            <a:off x="10429337" y="1291847"/>
+            <a:ext cx="1762663" cy="523220"/>
           </a:xfrm>
           <a:prstGeom prst="rect">
             <a:avLst/>
@@ -3294,18 +3567,15 @@
           <a:noFill/>
         </p:spPr>
         <p:txBody>
-          <a:bodyPr wrap="square" lIns="91440" tIns="45720" rIns="91440" bIns="45720">
+          <a:bodyPr wrap="none" lIns="91440" tIns="45720" rIns="91440" bIns="45720">
             <a:spAutoFit/>
           </a:bodyPr>
           <a:lstStyle/>
           <a:p>
             <a:pPr algn="ctr"/>
             <a:r>
-              <a:rPr lang="de-DE" sz="1200" b="0" cap="none" spc="0" dirty="0">
+              <a:rPr lang="de-DE" sz="1400" b="0" cap="none" spc="0" dirty="0">
                 <a:ln w="0"/>
-                <a:solidFill>
-                  <a:schemeClr val="tx1"/>
-                </a:solidFill>
                 <a:effectLst>
                   <a:outerShdw blurRad="38100" dist="19050" dir="2700000" algn="tl" rotWithShape="0">
                     <a:schemeClr val="dk1">
@@ -3314,73 +3584,14 @@
                   </a:outerShdw>
                 </a:effectLst>
               </a:rPr>
-              <a:t>beim Klicken zurück zur Startseite</a:t>
-            </a:r>
-          </a:p>
-        </p:txBody>
-      </p:sp>
-      <p:cxnSp>
-        <p:nvCxnSpPr>
-          <p:cNvPr id="17" name="Gerade Verbindung mit Pfeil 16"/>
-          <p:cNvCxnSpPr/>
-          <p:nvPr/>
-        </p:nvCxnSpPr>
-        <p:spPr>
-          <a:xfrm>
-            <a:off x="11132191" y="5998128"/>
-            <a:ext cx="260059" cy="727744"/>
-          </a:xfrm>
-          <a:prstGeom prst="straightConnector1">
-            <a:avLst/>
-          </a:prstGeom>
-          <a:ln>
-            <a:tailEnd type="triangle"/>
-          </a:ln>
-        </p:spPr>
-        <p:style>
-          <a:lnRef idx="3">
-            <a:schemeClr val="accent2"/>
-          </a:lnRef>
-          <a:fillRef idx="0">
-            <a:schemeClr val="accent2"/>
-          </a:fillRef>
-          <a:effectRef idx="2">
-            <a:schemeClr val="accent2"/>
-          </a:effectRef>
-          <a:fontRef idx="minor">
-            <a:schemeClr val="tx1"/>
-          </a:fontRef>
-        </p:style>
-      </p:cxnSp>
-      <p:sp>
-        <p:nvSpPr>
-          <p:cNvPr id="18" name="Rechteck 17"/>
-          <p:cNvSpPr/>
-          <p:nvPr/>
-        </p:nvSpPr>
-        <p:spPr>
-          <a:xfrm>
-            <a:off x="10086759" y="5553241"/>
-            <a:ext cx="2010166" cy="461665"/>
-          </a:xfrm>
-          <a:prstGeom prst="rect">
-            <a:avLst/>
-          </a:prstGeom>
-          <a:noFill/>
-        </p:spPr>
-        <p:txBody>
-          <a:bodyPr wrap="none" lIns="91440" tIns="45720" rIns="91440" bIns="45720">
-            <a:spAutoFit/>
-          </a:bodyPr>
-          <a:lstStyle/>
+              <a:t>Keine Registrierung, </a:t>
+            </a:r>
+          </a:p>
           <a:p>
             <a:pPr algn="ctr"/>
             <a:r>
-              <a:rPr lang="de-DE" sz="1200" b="0" cap="none" spc="0" dirty="0">
+              <a:rPr lang="de-DE" sz="1400" b="0" cap="none" spc="0" dirty="0">
                 <a:ln w="0"/>
-                <a:solidFill>
-                  <a:schemeClr val="tx1"/>
-                </a:solidFill>
                 <a:effectLst>
                   <a:outerShdw blurRad="38100" dist="19050" dir="2700000" algn="tl" rotWithShape="0">
                     <a:schemeClr val="dk1">
@@ -3389,44 +3600,93 @@
                   </a:outerShdw>
                 </a:effectLst>
               </a:rPr>
-              <a:t>Seite mit kurzen Erklärungen </a:t>
-            </a:r>
-          </a:p>
-          <a:p>
-            <a:pPr algn="ctr"/>
-            <a:r>
-              <a:rPr lang="de-DE" sz="1200" b="0" cap="none" spc="0" dirty="0">
-                <a:ln w="0"/>
-                <a:solidFill>
-                  <a:schemeClr val="tx1"/>
-                </a:solidFill>
-                <a:effectLst>
-                  <a:outerShdw blurRad="38100" dist="19050" dir="2700000" algn="tl" rotWithShape="0">
-                    <a:schemeClr val="dk1">
-                      <a:alpha val="40000"/>
-                    </a:schemeClr>
-                  </a:outerShdw>
-                </a:effectLst>
-              </a:rPr>
-              <a:t>zu bestimmten Optionen</a:t>
-            </a:r>
-          </a:p>
-        </p:txBody>
-      </p:sp>
-      <p:sp>
-        <p:nvSpPr>
-          <p:cNvPr id="20" name="Rechteck 19"/>
-          <p:cNvSpPr/>
+              <a:t>weil Sicherheitslücke!</a:t>
+            </a:r>
+          </a:p>
+        </p:txBody>
+      </p:sp>
+      <p:pic>
+        <p:nvPicPr>
+          <p:cNvPr id="3" name="Grafik 2"/>
+          <p:cNvPicPr>
+            <a:picLocks noChangeAspect="1"/>
+          </p:cNvPicPr>
           <p:nvPr/>
-        </p:nvSpPr>
-        <p:spPr>
-          <a:xfrm>
-            <a:off x="0" y="620785"/>
-            <a:ext cx="1262543" cy="5972962"/>
+        </p:nvPicPr>
+        <p:blipFill>
+          <a:blip r:embed="rId2">
+            <a:extLst>
+              <a:ext uri="{28A0092B-C50C-407E-A947-70E740481C1C}">
+                <a14:useLocalDpi xmlns:a14="http://schemas.microsoft.com/office/drawing/2010/main" val="0"/>
+              </a:ext>
+            </a:extLst>
+          </a:blip>
+          <a:stretch>
+            <a:fillRect/>
+          </a:stretch>
+        </p:blipFill>
+        <p:spPr>
+          <a:xfrm>
+            <a:off x="210281" y="63397"/>
+            <a:ext cx="1130694" cy="493394"/>
           </a:xfrm>
           <a:prstGeom prst="rect">
             <a:avLst/>
           </a:prstGeom>
+        </p:spPr>
+      </p:pic>
+    </p:spTree>
+    <p:extLst>
+      <p:ext uri="{BB962C8B-B14F-4D97-AF65-F5344CB8AC3E}">
+        <p14:creationId xmlns:p14="http://schemas.microsoft.com/office/powerpoint/2010/main" val="2493101858"/>
+      </p:ext>
+    </p:extLst>
+  </p:cSld>
+  <p:clrMapOvr>
+    <a:masterClrMapping/>
+  </p:clrMapOvr>
+</p:sld>
+</file>
+
+<file path=ppt/slides/slide2.xml><?xml version="1.0" encoding="utf-8"?>
+<p:sld xmlns:a="http://schemas.openxmlformats.org/drawingml/2006/main" xmlns:r="http://schemas.openxmlformats.org/officeDocument/2006/relationships" xmlns:p="http://schemas.openxmlformats.org/presentationml/2006/main">
+  <p:cSld>
+    <p:spTree>
+      <p:nvGrpSpPr>
+        <p:cNvPr id="1" name=""/>
+        <p:cNvGrpSpPr/>
+        <p:nvPr/>
+      </p:nvGrpSpPr>
+      <p:grpSpPr>
+        <a:xfrm>
+          <a:off x="0" y="0"/>
+          <a:ext cx="0" cy="0"/>
+          <a:chOff x="0" y="0"/>
+          <a:chExt cx="0" cy="0"/>
+        </a:xfrm>
+      </p:grpSpPr>
+      <p:sp>
+        <p:nvSpPr>
+          <p:cNvPr id="5" name="Rechteck 4"/>
+          <p:cNvSpPr/>
+          <p:nvPr/>
+        </p:nvSpPr>
+        <p:spPr>
+          <a:xfrm>
+            <a:off x="0" y="6593747"/>
+            <a:ext cx="12192000" cy="264253"/>
+          </a:xfrm>
+          <a:prstGeom prst="rect">
+            <a:avLst/>
+          </a:prstGeom>
+          <a:solidFill>
+            <a:srgbClr val="9ABEDF"/>
+          </a:solidFill>
+          <a:ln>
+            <a:solidFill>
+              <a:srgbClr val="9ABEDF"/>
+            </a:solidFill>
+          </a:ln>
         </p:spPr>
         <p:style>
           <a:lnRef idx="2">
@@ -3455,14 +3715,14 @@
       </p:sp>
       <p:sp>
         <p:nvSpPr>
-          <p:cNvPr id="22" name="Rechteck 21"/>
+          <p:cNvPr id="8" name="Rechteck 7"/>
           <p:cNvSpPr/>
           <p:nvPr/>
         </p:nvSpPr>
         <p:spPr>
           <a:xfrm>
-            <a:off x="134224" y="1008404"/>
-            <a:ext cx="906011" cy="5477854"/>
+            <a:off x="11232859" y="6629399"/>
+            <a:ext cx="864066" cy="192947"/>
           </a:xfrm>
           <a:prstGeom prst="rect">
             <a:avLst/>
@@ -3470,18 +3730,16 @@
         </p:spPr>
         <p:style>
           <a:lnRef idx="2">
-            <a:schemeClr val="accent6">
-              <a:shade val="50000"/>
-            </a:schemeClr>
+            <a:schemeClr val="dk1"/>
           </a:lnRef>
           <a:fillRef idx="1">
-            <a:schemeClr val="accent6"/>
+            <a:schemeClr val="lt1"/>
           </a:fillRef>
           <a:effectRef idx="0">
-            <a:schemeClr val="accent6"/>
+            <a:schemeClr val="dk1"/>
           </a:effectRef>
           <a:fontRef idx="minor">
-            <a:schemeClr val="lt1"/>
+            <a:schemeClr val="dk1"/>
           </a:fontRef>
         </p:style>
         <p:txBody>
@@ -3491,7 +3749,48 @@
             <a:pPr algn="ctr"/>
             <a:r>
               <a:rPr lang="de-DE" dirty="0"/>
-              <a:t>Unter-menüs</a:t>
+              <a:t>Hilfe</a:t>
+            </a:r>
+          </a:p>
+        </p:txBody>
+      </p:sp>
+      <p:sp>
+        <p:nvSpPr>
+          <p:cNvPr id="9" name="Rechteck 8"/>
+          <p:cNvSpPr/>
+          <p:nvPr/>
+        </p:nvSpPr>
+        <p:spPr>
+          <a:xfrm>
+            <a:off x="9571839" y="6629399"/>
+            <a:ext cx="1560352" cy="192947"/>
+          </a:xfrm>
+          <a:prstGeom prst="rect">
+            <a:avLst/>
+          </a:prstGeom>
+        </p:spPr>
+        <p:style>
+          <a:lnRef idx="2">
+            <a:schemeClr val="dk1"/>
+          </a:lnRef>
+          <a:fillRef idx="1">
+            <a:schemeClr val="lt1"/>
+          </a:fillRef>
+          <a:effectRef idx="0">
+            <a:schemeClr val="dk1"/>
+          </a:effectRef>
+          <a:fontRef idx="minor">
+            <a:schemeClr val="dk1"/>
+          </a:fontRef>
+        </p:style>
+        <p:txBody>
+          <a:bodyPr rtlCol="0" anchor="ctr"/>
+          <a:lstStyle/>
+          <a:p>
+            <a:pPr algn="ctr"/>
+            <a:r>
+              <a:rPr lang="de-DE" dirty="0"/>
+              <a:t>Kontakt/Ticket</a:t>
             </a:r>
           </a:p>
         </p:txBody>
@@ -3513,18 +3812,16 @@
         </p:spPr>
         <p:style>
           <a:lnRef idx="2">
-            <a:schemeClr val="accent4">
-              <a:shade val="50000"/>
-            </a:schemeClr>
+            <a:schemeClr val="dk1"/>
           </a:lnRef>
           <a:fillRef idx="1">
-            <a:schemeClr val="accent4"/>
+            <a:schemeClr val="lt1"/>
           </a:fillRef>
           <a:effectRef idx="0">
-            <a:schemeClr val="accent4"/>
+            <a:schemeClr val="dk1"/>
           </a:effectRef>
           <a:fontRef idx="minor">
-            <a:schemeClr val="lt1"/>
+            <a:schemeClr val="dk1"/>
           </a:fontRef>
         </p:style>
         <p:txBody>
@@ -3543,49 +3840,102 @@
           </a:p>
         </p:txBody>
       </p:sp>
-      <p:cxnSp>
-        <p:nvCxnSpPr>
-          <p:cNvPr id="25" name="Gerade Verbindung mit Pfeil 24"/>
-          <p:cNvCxnSpPr/>
+      <p:sp>
+        <p:nvSpPr>
+          <p:cNvPr id="2" name="Rechteck 1"/>
+          <p:cNvSpPr/>
           <p:nvPr/>
-        </p:nvCxnSpPr>
-        <p:spPr>
-          <a:xfrm flipV="1">
-            <a:off x="11291582" y="377507"/>
-            <a:ext cx="100668" cy="949285"/>
-          </a:xfrm>
-          <a:prstGeom prst="straightConnector1">
+        </p:nvSpPr>
+        <p:spPr>
+          <a:xfrm>
+            <a:off x="3061252" y="2623930"/>
+            <a:ext cx="4055165" cy="357809"/>
+          </a:xfrm>
+          <a:prstGeom prst="rect">
             <a:avLst/>
           </a:prstGeom>
           <a:ln>
-            <a:tailEnd type="triangle"/>
+            <a:solidFill>
+              <a:schemeClr val="tx1"/>
+            </a:solidFill>
           </a:ln>
         </p:spPr>
         <p:style>
-          <a:lnRef idx="3">
-            <a:schemeClr val="accent2"/>
+          <a:lnRef idx="2">
+            <a:schemeClr val="accent6"/>
           </a:lnRef>
-          <a:fillRef idx="0">
-            <a:schemeClr val="accent2"/>
+          <a:fillRef idx="1">
+            <a:schemeClr val="lt1"/>
           </a:fillRef>
-          <a:effectRef idx="2">
-            <a:schemeClr val="accent2"/>
+          <a:effectRef idx="0">
+            <a:schemeClr val="accent6"/>
           </a:effectRef>
           <a:fontRef idx="minor">
-            <a:schemeClr val="tx1"/>
+            <a:schemeClr val="dk1"/>
           </a:fontRef>
         </p:style>
-      </p:cxnSp>
-      <p:sp>
-        <p:nvSpPr>
-          <p:cNvPr id="26" name="Rechteck 25"/>
+        <p:txBody>
+          <a:bodyPr rtlCol="0" anchor="ctr"/>
+          <a:lstStyle/>
+          <a:p>
+            <a:pPr algn="ctr"/>
+            <a:endParaRPr lang="de-DE"/>
+          </a:p>
+        </p:txBody>
+      </p:sp>
+      <p:sp>
+        <p:nvSpPr>
+          <p:cNvPr id="19" name="Rechteck 18"/>
           <p:cNvSpPr/>
           <p:nvPr/>
         </p:nvSpPr>
         <p:spPr>
           <a:xfrm>
-            <a:off x="10150817" y="1203448"/>
-            <a:ext cx="1536125" cy="461665"/>
+            <a:off x="3061252" y="3607266"/>
+            <a:ext cx="4055165" cy="357809"/>
+          </a:xfrm>
+          <a:prstGeom prst="rect">
+            <a:avLst/>
+          </a:prstGeom>
+          <a:ln>
+            <a:solidFill>
+              <a:schemeClr val="tx1"/>
+            </a:solidFill>
+          </a:ln>
+        </p:spPr>
+        <p:style>
+          <a:lnRef idx="2">
+            <a:schemeClr val="accent6"/>
+          </a:lnRef>
+          <a:fillRef idx="1">
+            <a:schemeClr val="lt1"/>
+          </a:fillRef>
+          <a:effectRef idx="0">
+            <a:schemeClr val="accent6"/>
+          </a:effectRef>
+          <a:fontRef idx="minor">
+            <a:schemeClr val="dk1"/>
+          </a:fontRef>
+        </p:style>
+        <p:txBody>
+          <a:bodyPr rtlCol="0" anchor="ctr"/>
+          <a:lstStyle/>
+          <a:p>
+            <a:pPr algn="ctr"/>
+            <a:endParaRPr lang="de-DE" dirty="0"/>
+          </a:p>
+        </p:txBody>
+      </p:sp>
+      <p:sp>
+        <p:nvSpPr>
+          <p:cNvPr id="3" name="Rechteck 2"/>
+          <p:cNvSpPr/>
+          <p:nvPr/>
+        </p:nvSpPr>
+        <p:spPr>
+          <a:xfrm>
+            <a:off x="1352193" y="1008404"/>
+            <a:ext cx="1619409" cy="646331"/>
           </a:xfrm>
           <a:prstGeom prst="rect">
             <a:avLst/>
@@ -3593,14 +3943,14 @@
           <a:noFill/>
         </p:spPr>
         <p:txBody>
-          <a:bodyPr wrap="none" lIns="91440" tIns="45720" rIns="91440" bIns="45720">
+          <a:bodyPr wrap="square" lIns="91440" tIns="45720" rIns="91440" bIns="45720">
             <a:spAutoFit/>
           </a:bodyPr>
           <a:lstStyle/>
           <a:p>
             <a:pPr algn="ctr"/>
             <a:r>
-              <a:rPr lang="de-DE" sz="1200" b="0" cap="none" spc="0" dirty="0">
+              <a:rPr lang="de-DE" sz="3600" dirty="0">
                 <a:ln w="0"/>
                 <a:effectLst>
                   <a:outerShdw blurRad="38100" dist="19050" dir="2700000" algn="tl" rotWithShape="0">
@@ -3610,13 +3960,49 @@
                   </a:outerShdw>
                 </a:effectLst>
               </a:rPr>
-              <a:t>Keine Registrierung, </a:t>
-            </a:r>
-          </a:p>
+              <a:t>Login</a:t>
+            </a:r>
+            <a:endParaRPr lang="de-DE" sz="3600" b="0" cap="none" spc="0" dirty="0">
+              <a:ln w="0"/>
+              <a:solidFill>
+                <a:schemeClr val="tx1"/>
+              </a:solidFill>
+              <a:effectLst>
+                <a:outerShdw blurRad="38100" dist="19050" dir="2700000" algn="tl" rotWithShape="0">
+                  <a:schemeClr val="dk1">
+                    <a:alpha val="40000"/>
+                  </a:schemeClr>
+                </a:outerShdw>
+              </a:effectLst>
+            </a:endParaRPr>
+          </a:p>
+        </p:txBody>
+      </p:sp>
+      <p:sp>
+        <p:nvSpPr>
+          <p:cNvPr id="24" name="Rechteck 23"/>
+          <p:cNvSpPr/>
+          <p:nvPr/>
+        </p:nvSpPr>
+        <p:spPr>
+          <a:xfrm>
+            <a:off x="2418994" y="2100710"/>
+            <a:ext cx="3358955" cy="523220"/>
+          </a:xfrm>
+          <a:prstGeom prst="rect">
+            <a:avLst/>
+          </a:prstGeom>
+          <a:noFill/>
+        </p:spPr>
+        <p:txBody>
+          <a:bodyPr wrap="square" lIns="91440" tIns="45720" rIns="91440" bIns="45720">
+            <a:spAutoFit/>
+          </a:bodyPr>
+          <a:lstStyle/>
           <a:p>
             <a:pPr algn="ctr"/>
             <a:r>
-              <a:rPr lang="de-DE" sz="1200" b="0" cap="none" spc="0" dirty="0">
+              <a:rPr lang="de-DE" sz="2800" dirty="0">
                 <a:ln w="0"/>
                 <a:effectLst>
                   <a:outerShdw blurRad="38100" dist="19050" dir="2700000" algn="tl" rotWithShape="0">
@@ -3626,15 +4012,202 @@
                   </a:outerShdw>
                 </a:effectLst>
               </a:rPr>
-              <a:t>weil Sicherheitslücke!</a:t>
-            </a:r>
+              <a:t>Benutzername</a:t>
+            </a:r>
+            <a:endParaRPr lang="de-DE" sz="2800" b="0" cap="none" spc="0" dirty="0">
+              <a:ln w="0"/>
+              <a:solidFill>
+                <a:schemeClr val="tx1"/>
+              </a:solidFill>
+              <a:effectLst>
+                <a:outerShdw blurRad="38100" dist="19050" dir="2700000" algn="tl" rotWithShape="0">
+                  <a:schemeClr val="dk1">
+                    <a:alpha val="40000"/>
+                  </a:schemeClr>
+                </a:outerShdw>
+              </a:effectLst>
+            </a:endParaRPr>
+          </a:p>
+        </p:txBody>
+      </p:sp>
+      <p:sp>
+        <p:nvSpPr>
+          <p:cNvPr id="27" name="Rechteck 26"/>
+          <p:cNvSpPr/>
+          <p:nvPr/>
+        </p:nvSpPr>
+        <p:spPr>
+          <a:xfrm>
+            <a:off x="2021428" y="3134660"/>
+            <a:ext cx="3358955" cy="523220"/>
+          </a:xfrm>
+          <a:prstGeom prst="rect">
+            <a:avLst/>
+          </a:prstGeom>
+          <a:noFill/>
+        </p:spPr>
+        <p:txBody>
+          <a:bodyPr wrap="square" lIns="91440" tIns="45720" rIns="91440" bIns="45720">
+            <a:spAutoFit/>
+          </a:bodyPr>
+          <a:lstStyle/>
+          <a:p>
+            <a:pPr algn="ctr"/>
+            <a:r>
+              <a:rPr lang="de-DE" sz="2800" dirty="0">
+                <a:ln w="0"/>
+                <a:effectLst>
+                  <a:outerShdw blurRad="38100" dist="19050" dir="2700000" algn="tl" rotWithShape="0">
+                    <a:schemeClr val="dk1">
+                      <a:alpha val="40000"/>
+                    </a:schemeClr>
+                  </a:outerShdw>
+                </a:effectLst>
+              </a:rPr>
+              <a:t>Passwort</a:t>
+            </a:r>
+            <a:endParaRPr lang="de-DE" sz="2800" b="0" cap="none" spc="0" dirty="0">
+              <a:ln w="0"/>
+              <a:solidFill>
+                <a:schemeClr val="tx1"/>
+              </a:solidFill>
+              <a:effectLst>
+                <a:outerShdw blurRad="38100" dist="19050" dir="2700000" algn="tl" rotWithShape="0">
+                  <a:schemeClr val="dk1">
+                    <a:alpha val="40000"/>
+                  </a:schemeClr>
+                </a:outerShdw>
+              </a:effectLst>
+            </a:endParaRPr>
+          </a:p>
+        </p:txBody>
+      </p:sp>
+      <p:sp>
+        <p:nvSpPr>
+          <p:cNvPr id="11" name="Rechteck 10"/>
+          <p:cNvSpPr/>
+          <p:nvPr/>
+        </p:nvSpPr>
+        <p:spPr>
+          <a:xfrm>
+            <a:off x="5777949" y="4293704"/>
+            <a:ext cx="1338468" cy="371061"/>
+          </a:xfrm>
+          <a:prstGeom prst="rect">
+            <a:avLst/>
+          </a:prstGeom>
+          <a:solidFill>
+            <a:srgbClr val="9ABEDF"/>
+          </a:solidFill>
+        </p:spPr>
+        <p:style>
+          <a:lnRef idx="2">
+            <a:schemeClr val="accent1">
+              <a:shade val="50000"/>
+            </a:schemeClr>
+          </a:lnRef>
+          <a:fillRef idx="1">
+            <a:schemeClr val="accent1"/>
+          </a:fillRef>
+          <a:effectRef idx="0">
+            <a:schemeClr val="accent1"/>
+          </a:effectRef>
+          <a:fontRef idx="minor">
+            <a:schemeClr val="lt1"/>
+          </a:fontRef>
+        </p:style>
+        <p:txBody>
+          <a:bodyPr rtlCol="0" anchor="ctr"/>
+          <a:lstStyle/>
+          <a:p>
+            <a:pPr algn="ctr"/>
+            <a:r>
+              <a:rPr lang="de-DE" dirty="0"/>
+              <a:t>Login</a:t>
+            </a:r>
+          </a:p>
+        </p:txBody>
+      </p:sp>
+      <p:pic>
+        <p:nvPicPr>
+          <p:cNvPr id="30" name="Grafik 29"/>
+          <p:cNvPicPr>
+            <a:picLocks noChangeAspect="1"/>
+          </p:cNvPicPr>
+          <p:nvPr/>
+        </p:nvPicPr>
+        <p:blipFill>
+          <a:blip r:embed="rId2">
+            <a:extLst>
+              <a:ext uri="{28A0092B-C50C-407E-A947-70E740481C1C}">
+                <a14:useLocalDpi xmlns:a14="http://schemas.microsoft.com/office/drawing/2010/main" val="0"/>
+              </a:ext>
+            </a:extLst>
+          </a:blip>
+          <a:stretch>
+            <a:fillRect/>
+          </a:stretch>
+        </p:blipFill>
+        <p:spPr>
+          <a:xfrm>
+            <a:off x="210281" y="63397"/>
+            <a:ext cx="1130694" cy="493394"/>
+          </a:xfrm>
+          <a:prstGeom prst="rect">
+            <a:avLst/>
+          </a:prstGeom>
+        </p:spPr>
+      </p:pic>
+      <p:sp>
+        <p:nvSpPr>
+          <p:cNvPr id="31" name="Rechteck 30"/>
+          <p:cNvSpPr/>
+          <p:nvPr/>
+        </p:nvSpPr>
+        <p:spPr>
+          <a:xfrm>
+            <a:off x="1484244" y="0"/>
+            <a:ext cx="10707756" cy="620785"/>
+          </a:xfrm>
+          <a:prstGeom prst="rect">
+            <a:avLst/>
+          </a:prstGeom>
+          <a:solidFill>
+            <a:srgbClr val="9ABEDF"/>
+          </a:solidFill>
+          <a:ln>
+            <a:solidFill>
+              <a:srgbClr val="9ABEDF"/>
+            </a:solidFill>
+          </a:ln>
+        </p:spPr>
+        <p:style>
+          <a:lnRef idx="2">
+            <a:schemeClr val="accent3"/>
+          </a:lnRef>
+          <a:fillRef idx="1">
+            <a:schemeClr val="lt1"/>
+          </a:fillRef>
+          <a:effectRef idx="0">
+            <a:schemeClr val="accent3"/>
+          </a:effectRef>
+          <a:fontRef idx="minor">
+            <a:schemeClr val="dk1"/>
+          </a:fontRef>
+        </p:style>
+        <p:txBody>
+          <a:bodyPr rtlCol="0" anchor="ctr"/>
+          <a:lstStyle/>
+          <a:p>
+            <a:pPr algn="ctr"/>
+            <a:endParaRPr lang="de-DE"/>
           </a:p>
         </p:txBody>
       </p:sp>
     </p:spTree>
     <p:extLst>
       <p:ext uri="{BB962C8B-B14F-4D97-AF65-F5344CB8AC3E}">
-        <p14:creationId xmlns:p14="http://schemas.microsoft.com/office/powerpoint/2010/main" val="2493101858"/>
+        <p14:creationId xmlns:p14="http://schemas.microsoft.com/office/powerpoint/2010/main" val="2037559820"/>
       </p:ext>
     </p:extLst>
   </p:cSld>

--- a/Layout.pptx
+++ b/Layout.pptx
@@ -7,6 +7,13 @@
   <p:sldIdLst>
     <p:sldId id="256" r:id="rId2"/>
     <p:sldId id="257" r:id="rId3"/>
+    <p:sldId id="258" r:id="rId4"/>
+    <p:sldId id="259" r:id="rId5"/>
+    <p:sldId id="260" r:id="rId6"/>
+    <p:sldId id="261" r:id="rId7"/>
+    <p:sldId id="262" r:id="rId8"/>
+    <p:sldId id="264" r:id="rId9"/>
+    <p:sldId id="263" r:id="rId10"/>
   </p:sldIdLst>
   <p:sldSz cx="12192000" cy="6858000"/>
   <p:notesSz cx="6858000" cy="9144000"/>
@@ -3934,7 +3941,7 @@
         </p:nvSpPr>
         <p:spPr>
           <a:xfrm>
-            <a:off x="1352193" y="1008404"/>
+            <a:off x="1484244" y="770225"/>
             <a:ext cx="1619409" cy="646331"/>
           </a:xfrm>
           <a:prstGeom prst="rect">
@@ -3986,7 +3993,7 @@
         </p:nvSpPr>
         <p:spPr>
           <a:xfrm>
-            <a:off x="2418994" y="2100710"/>
+            <a:off x="3061252" y="2084267"/>
             <a:ext cx="3358955" cy="523220"/>
           </a:xfrm>
           <a:prstGeom prst="rect">
@@ -4000,7 +4007,6 @@
           </a:bodyPr>
           <a:lstStyle/>
           <a:p>
-            <a:pPr algn="ctr"/>
             <a:r>
               <a:rPr lang="de-DE" sz="2800" dirty="0">
                 <a:ln w="0"/>
@@ -4038,7 +4044,7 @@
         </p:nvSpPr>
         <p:spPr>
           <a:xfrm>
-            <a:off x="2021428" y="3134660"/>
+            <a:off x="3061252" y="3067603"/>
             <a:ext cx="3358955" cy="523220"/>
           </a:xfrm>
           <a:prstGeom prst="rect">
@@ -4052,7 +4058,6 @@
           </a:bodyPr>
           <a:lstStyle/>
           <a:p>
-            <a:pPr algn="ctr"/>
             <a:r>
               <a:rPr lang="de-DE" sz="2800" dirty="0">
                 <a:ln w="0"/>
@@ -4122,7 +4127,11 @@
           <a:p>
             <a:pPr algn="ctr"/>
             <a:r>
-              <a:rPr lang="de-DE" dirty="0"/>
+              <a:rPr lang="de-DE" dirty="0">
+                <a:solidFill>
+                  <a:schemeClr val="tx1"/>
+                </a:solidFill>
+              </a:rPr>
               <a:t>Login</a:t>
             </a:r>
           </a:p>
@@ -4208,6 +4217,6816 @@
     <p:extLst>
       <p:ext uri="{BB962C8B-B14F-4D97-AF65-F5344CB8AC3E}">
         <p14:creationId xmlns:p14="http://schemas.microsoft.com/office/powerpoint/2010/main" val="2037559820"/>
+      </p:ext>
+    </p:extLst>
+  </p:cSld>
+  <p:clrMapOvr>
+    <a:masterClrMapping/>
+  </p:clrMapOvr>
+</p:sld>
+</file>
+
+<file path=ppt/slides/slide3.xml><?xml version="1.0" encoding="utf-8"?>
+<p:sld xmlns:a="http://schemas.openxmlformats.org/drawingml/2006/main" xmlns:r="http://schemas.openxmlformats.org/officeDocument/2006/relationships" xmlns:p="http://schemas.openxmlformats.org/presentationml/2006/main">
+  <p:cSld>
+    <p:spTree>
+      <p:nvGrpSpPr>
+        <p:cNvPr id="1" name=""/>
+        <p:cNvGrpSpPr/>
+        <p:nvPr/>
+      </p:nvGrpSpPr>
+      <p:grpSpPr>
+        <a:xfrm>
+          <a:off x="0" y="0"/>
+          <a:ext cx="0" cy="0"/>
+          <a:chOff x="0" y="0"/>
+          <a:chExt cx="0" cy="0"/>
+        </a:xfrm>
+      </p:grpSpPr>
+      <p:sp>
+        <p:nvSpPr>
+          <p:cNvPr id="14" name="Rechteck 13"/>
+          <p:cNvSpPr/>
+          <p:nvPr/>
+        </p:nvSpPr>
+        <p:spPr>
+          <a:xfrm>
+            <a:off x="0" y="620785"/>
+            <a:ext cx="1262543" cy="5972962"/>
+          </a:xfrm>
+          <a:prstGeom prst="rect">
+            <a:avLst/>
+          </a:prstGeom>
+          <a:solidFill>
+            <a:srgbClr val="9ABEDF"/>
+          </a:solidFill>
+          <a:ln>
+            <a:solidFill>
+              <a:srgbClr val="9ABEDF"/>
+            </a:solidFill>
+          </a:ln>
+        </p:spPr>
+        <p:style>
+          <a:lnRef idx="2">
+            <a:schemeClr val="accent1">
+              <a:shade val="50000"/>
+            </a:schemeClr>
+          </a:lnRef>
+          <a:fillRef idx="1">
+            <a:schemeClr val="accent1"/>
+          </a:fillRef>
+          <a:effectRef idx="0">
+            <a:schemeClr val="accent1"/>
+          </a:effectRef>
+          <a:fontRef idx="minor">
+            <a:schemeClr val="lt1"/>
+          </a:fontRef>
+        </p:style>
+        <p:txBody>
+          <a:bodyPr rtlCol="0" anchor="ctr"/>
+          <a:lstStyle/>
+          <a:p>
+            <a:pPr algn="ctr"/>
+            <a:endParaRPr lang="de-DE"/>
+          </a:p>
+        </p:txBody>
+      </p:sp>
+      <p:sp>
+        <p:nvSpPr>
+          <p:cNvPr id="5" name="Rechteck 4"/>
+          <p:cNvSpPr/>
+          <p:nvPr/>
+        </p:nvSpPr>
+        <p:spPr>
+          <a:xfrm>
+            <a:off x="0" y="6593747"/>
+            <a:ext cx="12192000" cy="264253"/>
+          </a:xfrm>
+          <a:prstGeom prst="rect">
+            <a:avLst/>
+          </a:prstGeom>
+          <a:solidFill>
+            <a:srgbClr val="9ABEDF"/>
+          </a:solidFill>
+          <a:ln>
+            <a:solidFill>
+              <a:srgbClr val="9ABEDF"/>
+            </a:solidFill>
+          </a:ln>
+        </p:spPr>
+        <p:style>
+          <a:lnRef idx="2">
+            <a:schemeClr val="accent1">
+              <a:shade val="50000"/>
+            </a:schemeClr>
+          </a:lnRef>
+          <a:fillRef idx="1">
+            <a:schemeClr val="accent1"/>
+          </a:fillRef>
+          <a:effectRef idx="0">
+            <a:schemeClr val="accent1"/>
+          </a:effectRef>
+          <a:fontRef idx="minor">
+            <a:schemeClr val="lt1"/>
+          </a:fontRef>
+        </p:style>
+        <p:txBody>
+          <a:bodyPr rtlCol="0" anchor="ctr"/>
+          <a:lstStyle/>
+          <a:p>
+            <a:pPr algn="ctr"/>
+            <a:endParaRPr lang="de-DE"/>
+          </a:p>
+        </p:txBody>
+      </p:sp>
+      <p:sp>
+        <p:nvSpPr>
+          <p:cNvPr id="8" name="Rechteck 7"/>
+          <p:cNvSpPr/>
+          <p:nvPr/>
+        </p:nvSpPr>
+        <p:spPr>
+          <a:xfrm>
+            <a:off x="11232859" y="6629399"/>
+            <a:ext cx="864066" cy="192947"/>
+          </a:xfrm>
+          <a:prstGeom prst="rect">
+            <a:avLst/>
+          </a:prstGeom>
+        </p:spPr>
+        <p:style>
+          <a:lnRef idx="2">
+            <a:schemeClr val="dk1"/>
+          </a:lnRef>
+          <a:fillRef idx="1">
+            <a:schemeClr val="lt1"/>
+          </a:fillRef>
+          <a:effectRef idx="0">
+            <a:schemeClr val="dk1"/>
+          </a:effectRef>
+          <a:fontRef idx="minor">
+            <a:schemeClr val="dk1"/>
+          </a:fontRef>
+        </p:style>
+        <p:txBody>
+          <a:bodyPr rtlCol="0" anchor="ctr"/>
+          <a:lstStyle/>
+          <a:p>
+            <a:pPr algn="ctr"/>
+            <a:r>
+              <a:rPr lang="de-DE" dirty="0"/>
+              <a:t>Hilfe</a:t>
+            </a:r>
+          </a:p>
+        </p:txBody>
+      </p:sp>
+      <p:sp>
+        <p:nvSpPr>
+          <p:cNvPr id="9" name="Rechteck 8"/>
+          <p:cNvSpPr/>
+          <p:nvPr/>
+        </p:nvSpPr>
+        <p:spPr>
+          <a:xfrm>
+            <a:off x="9571839" y="6629399"/>
+            <a:ext cx="1560352" cy="192947"/>
+          </a:xfrm>
+          <a:prstGeom prst="rect">
+            <a:avLst/>
+          </a:prstGeom>
+        </p:spPr>
+        <p:style>
+          <a:lnRef idx="2">
+            <a:schemeClr val="dk1"/>
+          </a:lnRef>
+          <a:fillRef idx="1">
+            <a:schemeClr val="lt1"/>
+          </a:fillRef>
+          <a:effectRef idx="0">
+            <a:schemeClr val="dk1"/>
+          </a:effectRef>
+          <a:fontRef idx="minor">
+            <a:schemeClr val="dk1"/>
+          </a:fontRef>
+        </p:style>
+        <p:txBody>
+          <a:bodyPr rtlCol="0" anchor="ctr"/>
+          <a:lstStyle/>
+          <a:p>
+            <a:pPr algn="ctr"/>
+            <a:r>
+              <a:rPr lang="de-DE" dirty="0"/>
+              <a:t>Kontakt/Ticket</a:t>
+            </a:r>
+          </a:p>
+        </p:txBody>
+      </p:sp>
+      <p:sp>
+        <p:nvSpPr>
+          <p:cNvPr id="23" name="Rechteck 22"/>
+          <p:cNvSpPr/>
+          <p:nvPr/>
+        </p:nvSpPr>
+        <p:spPr>
+          <a:xfrm>
+            <a:off x="134224" y="6629399"/>
+            <a:ext cx="1498023" cy="192947"/>
+          </a:xfrm>
+          <a:prstGeom prst="rect">
+            <a:avLst/>
+          </a:prstGeom>
+        </p:spPr>
+        <p:style>
+          <a:lnRef idx="2">
+            <a:schemeClr val="dk1"/>
+          </a:lnRef>
+          <a:fillRef idx="1">
+            <a:schemeClr val="lt1"/>
+          </a:fillRef>
+          <a:effectRef idx="0">
+            <a:schemeClr val="dk1"/>
+          </a:effectRef>
+          <a:fontRef idx="minor">
+            <a:schemeClr val="dk1"/>
+          </a:fontRef>
+        </p:style>
+        <p:txBody>
+          <a:bodyPr rtlCol="0" anchor="ctr"/>
+          <a:lstStyle/>
+          <a:p>
+            <a:pPr algn="ctr"/>
+            <a:r>
+              <a:rPr lang="de-DE" sz="1400" dirty="0">
+                <a:solidFill>
+                  <a:schemeClr val="tx1"/>
+                </a:solidFill>
+              </a:rPr>
+              <a:t>Link zur Schul-HP</a:t>
+            </a:r>
+          </a:p>
+        </p:txBody>
+      </p:sp>
+      <p:sp>
+        <p:nvSpPr>
+          <p:cNvPr id="3" name="Rechteck 2"/>
+          <p:cNvSpPr/>
+          <p:nvPr/>
+        </p:nvSpPr>
+        <p:spPr>
+          <a:xfrm>
+            <a:off x="1632247" y="718144"/>
+            <a:ext cx="4028190" cy="646331"/>
+          </a:xfrm>
+          <a:prstGeom prst="rect">
+            <a:avLst/>
+          </a:prstGeom>
+          <a:noFill/>
+        </p:spPr>
+        <p:txBody>
+          <a:bodyPr wrap="square" lIns="91440" tIns="45720" rIns="91440" bIns="45720">
+            <a:spAutoFit/>
+          </a:bodyPr>
+          <a:lstStyle/>
+          <a:p>
+            <a:r>
+              <a:rPr lang="de-DE" sz="3600" b="0" cap="none" spc="0" dirty="0">
+                <a:ln w="0"/>
+                <a:solidFill>
+                  <a:schemeClr val="tx1"/>
+                </a:solidFill>
+                <a:effectLst>
+                  <a:outerShdw blurRad="38100" dist="19050" dir="2700000" algn="tl" rotWithShape="0">
+                    <a:schemeClr val="dk1">
+                      <a:alpha val="40000"/>
+                    </a:schemeClr>
+                  </a:outerShdw>
+                </a:effectLst>
+              </a:rPr>
+              <a:t>Benutzer</a:t>
+            </a:r>
+            <a:r>
+              <a:rPr lang="de-DE" sz="3600" dirty="0">
+                <a:ln w="0"/>
+                <a:effectLst>
+                  <a:outerShdw blurRad="38100" dist="19050" dir="2700000" algn="tl" rotWithShape="0">
+                    <a:schemeClr val="dk1">
+                      <a:alpha val="40000"/>
+                    </a:schemeClr>
+                  </a:outerShdw>
+                </a:effectLst>
+              </a:rPr>
+              <a:t>verwaltung</a:t>
+            </a:r>
+            <a:endParaRPr lang="de-DE" sz="3600" b="0" cap="none" spc="0" dirty="0">
+              <a:ln w="0"/>
+              <a:solidFill>
+                <a:schemeClr val="tx1"/>
+              </a:solidFill>
+              <a:effectLst>
+                <a:outerShdw blurRad="38100" dist="19050" dir="2700000" algn="tl" rotWithShape="0">
+                  <a:schemeClr val="dk1">
+                    <a:alpha val="40000"/>
+                  </a:schemeClr>
+                </a:outerShdw>
+              </a:effectLst>
+            </a:endParaRPr>
+          </a:p>
+        </p:txBody>
+      </p:sp>
+      <p:sp>
+        <p:nvSpPr>
+          <p:cNvPr id="24" name="Rechteck 23"/>
+          <p:cNvSpPr/>
+          <p:nvPr/>
+        </p:nvSpPr>
+        <p:spPr>
+          <a:xfrm>
+            <a:off x="20282" y="1461834"/>
+            <a:ext cx="1213658" cy="523220"/>
+          </a:xfrm>
+          <a:prstGeom prst="rect">
+            <a:avLst/>
+          </a:prstGeom>
+          <a:noFill/>
+        </p:spPr>
+        <p:txBody>
+          <a:bodyPr wrap="square" lIns="91440" tIns="45720" rIns="91440" bIns="45720">
+            <a:spAutoFit/>
+          </a:bodyPr>
+          <a:lstStyle/>
+          <a:p>
+            <a:pPr algn="ctr"/>
+            <a:r>
+              <a:rPr lang="de-DE" sz="1400" dirty="0">
+                <a:ln w="0"/>
+                <a:effectLst>
+                  <a:outerShdw blurRad="38100" dist="19050" dir="2700000" algn="tl" rotWithShape="0">
+                    <a:schemeClr val="dk1">
+                      <a:alpha val="40000"/>
+                    </a:schemeClr>
+                  </a:outerShdw>
+                </a:effectLst>
+              </a:rPr>
+              <a:t>Benutzer hinzufügen</a:t>
+            </a:r>
+            <a:endParaRPr lang="de-DE" sz="1400" b="0" cap="none" spc="0" dirty="0">
+              <a:ln w="0"/>
+              <a:solidFill>
+                <a:schemeClr val="tx1"/>
+              </a:solidFill>
+              <a:effectLst>
+                <a:outerShdw blurRad="38100" dist="19050" dir="2700000" algn="tl" rotWithShape="0">
+                  <a:schemeClr val="dk1">
+                    <a:alpha val="40000"/>
+                  </a:schemeClr>
+                </a:outerShdw>
+              </a:effectLst>
+            </a:endParaRPr>
+          </a:p>
+        </p:txBody>
+      </p:sp>
+      <p:sp>
+        <p:nvSpPr>
+          <p:cNvPr id="27" name="Rechteck 26"/>
+          <p:cNvSpPr/>
+          <p:nvPr/>
+        </p:nvSpPr>
+        <p:spPr>
+          <a:xfrm>
+            <a:off x="-118088" y="2141304"/>
+            <a:ext cx="1490398" cy="523220"/>
+          </a:xfrm>
+          <a:prstGeom prst="rect">
+            <a:avLst/>
+          </a:prstGeom>
+          <a:noFill/>
+        </p:spPr>
+        <p:txBody>
+          <a:bodyPr wrap="square" lIns="91440" tIns="45720" rIns="91440" bIns="45720">
+            <a:spAutoFit/>
+          </a:bodyPr>
+          <a:lstStyle/>
+          <a:p>
+            <a:pPr algn="ctr"/>
+            <a:r>
+              <a:rPr lang="de-DE" sz="1400" b="0" cap="none" spc="0" dirty="0">
+                <a:ln w="0"/>
+                <a:solidFill>
+                  <a:schemeClr val="tx1"/>
+                </a:solidFill>
+                <a:effectLst>
+                  <a:outerShdw blurRad="38100" dist="19050" dir="2700000" algn="tl" rotWithShape="0">
+                    <a:schemeClr val="dk1">
+                      <a:alpha val="40000"/>
+                    </a:schemeClr>
+                  </a:outerShdw>
+                </a:effectLst>
+              </a:rPr>
+              <a:t>Benutzerdaten ändern</a:t>
+            </a:r>
+          </a:p>
+        </p:txBody>
+      </p:sp>
+      <p:pic>
+        <p:nvPicPr>
+          <p:cNvPr id="30" name="Grafik 29"/>
+          <p:cNvPicPr>
+            <a:picLocks noChangeAspect="1"/>
+          </p:cNvPicPr>
+          <p:nvPr/>
+        </p:nvPicPr>
+        <p:blipFill>
+          <a:blip r:embed="rId2">
+            <a:extLst>
+              <a:ext uri="{28A0092B-C50C-407E-A947-70E740481C1C}">
+                <a14:useLocalDpi xmlns:a14="http://schemas.microsoft.com/office/drawing/2010/main" val="0"/>
+              </a:ext>
+            </a:extLst>
+          </a:blip>
+          <a:stretch>
+            <a:fillRect/>
+          </a:stretch>
+        </p:blipFill>
+        <p:spPr>
+          <a:xfrm>
+            <a:off x="210281" y="63397"/>
+            <a:ext cx="1130694" cy="493394"/>
+          </a:xfrm>
+          <a:prstGeom prst="rect">
+            <a:avLst/>
+          </a:prstGeom>
+        </p:spPr>
+      </p:pic>
+      <p:sp>
+        <p:nvSpPr>
+          <p:cNvPr id="31" name="Rechteck 30"/>
+          <p:cNvSpPr/>
+          <p:nvPr/>
+        </p:nvSpPr>
+        <p:spPr>
+          <a:xfrm>
+            <a:off x="1484244" y="0"/>
+            <a:ext cx="10707756" cy="620785"/>
+          </a:xfrm>
+          <a:prstGeom prst="rect">
+            <a:avLst/>
+          </a:prstGeom>
+          <a:solidFill>
+            <a:srgbClr val="9ABEDF"/>
+          </a:solidFill>
+          <a:ln>
+            <a:solidFill>
+              <a:srgbClr val="9ABEDF"/>
+            </a:solidFill>
+          </a:ln>
+        </p:spPr>
+        <p:style>
+          <a:lnRef idx="2">
+            <a:schemeClr val="accent3"/>
+          </a:lnRef>
+          <a:fillRef idx="1">
+            <a:schemeClr val="lt1"/>
+          </a:fillRef>
+          <a:effectRef idx="0">
+            <a:schemeClr val="accent3"/>
+          </a:effectRef>
+          <a:fontRef idx="minor">
+            <a:schemeClr val="dk1"/>
+          </a:fontRef>
+        </p:style>
+        <p:txBody>
+          <a:bodyPr rtlCol="0" anchor="ctr"/>
+          <a:lstStyle/>
+          <a:p>
+            <a:pPr algn="ctr"/>
+            <a:endParaRPr lang="de-DE"/>
+          </a:p>
+        </p:txBody>
+      </p:sp>
+      <p:sp>
+        <p:nvSpPr>
+          <p:cNvPr id="16" name="Rechteck 15"/>
+          <p:cNvSpPr/>
+          <p:nvPr/>
+        </p:nvSpPr>
+        <p:spPr>
+          <a:xfrm>
+            <a:off x="1906271" y="1255654"/>
+            <a:ext cx="1733533" cy="400110"/>
+          </a:xfrm>
+          <a:prstGeom prst="rect">
+            <a:avLst/>
+          </a:prstGeom>
+          <a:noFill/>
+        </p:spPr>
+        <p:txBody>
+          <a:bodyPr wrap="square" lIns="91440" tIns="45720" rIns="91440" bIns="45720">
+            <a:spAutoFit/>
+          </a:bodyPr>
+          <a:lstStyle/>
+          <a:p>
+            <a:r>
+              <a:rPr lang="de-DE" sz="2000" dirty="0">
+                <a:ln w="0"/>
+                <a:effectLst>
+                  <a:outerShdw blurRad="38100" dist="19050" dir="2700000" algn="tl" rotWithShape="0">
+                    <a:schemeClr val="dk1">
+                      <a:alpha val="40000"/>
+                    </a:schemeClr>
+                  </a:outerShdw>
+                </a:effectLst>
+              </a:rPr>
+              <a:t>Benutzer-Liste</a:t>
+            </a:r>
+            <a:endParaRPr lang="de-DE" sz="2000" b="0" cap="none" spc="0" dirty="0">
+              <a:ln w="0"/>
+              <a:solidFill>
+                <a:schemeClr val="tx1"/>
+              </a:solidFill>
+              <a:effectLst>
+                <a:outerShdw blurRad="38100" dist="19050" dir="2700000" algn="tl" rotWithShape="0">
+                  <a:schemeClr val="dk1">
+                    <a:alpha val="40000"/>
+                  </a:schemeClr>
+                </a:outerShdw>
+              </a:effectLst>
+            </a:endParaRPr>
+          </a:p>
+        </p:txBody>
+      </p:sp>
+      <p:sp>
+        <p:nvSpPr>
+          <p:cNvPr id="32" name="Rechteck 31"/>
+          <p:cNvSpPr/>
+          <p:nvPr/>
+        </p:nvSpPr>
+        <p:spPr>
+          <a:xfrm>
+            <a:off x="20282" y="782364"/>
+            <a:ext cx="1213658" cy="523220"/>
+          </a:xfrm>
+          <a:prstGeom prst="rect">
+            <a:avLst/>
+          </a:prstGeom>
+          <a:noFill/>
+        </p:spPr>
+        <p:txBody>
+          <a:bodyPr wrap="square" lIns="91440" tIns="45720" rIns="91440" bIns="45720">
+            <a:spAutoFit/>
+          </a:bodyPr>
+          <a:lstStyle/>
+          <a:p>
+            <a:pPr algn="ctr"/>
+            <a:r>
+              <a:rPr lang="de-DE" sz="1400" dirty="0">
+                <a:ln w="0"/>
+                <a:effectLst>
+                  <a:outerShdw blurRad="38100" dist="19050" dir="2700000" algn="tl" rotWithShape="0">
+                    <a:schemeClr val="dk1">
+                      <a:alpha val="40000"/>
+                    </a:schemeClr>
+                  </a:outerShdw>
+                </a:effectLst>
+              </a:rPr>
+              <a:t>Benutzer-</a:t>
+            </a:r>
+          </a:p>
+          <a:p>
+            <a:pPr algn="ctr"/>
+            <a:r>
+              <a:rPr lang="de-DE" sz="1400" b="0" cap="none" spc="0" dirty="0">
+                <a:ln w="0"/>
+                <a:solidFill>
+                  <a:schemeClr val="tx1"/>
+                </a:solidFill>
+                <a:effectLst>
+                  <a:outerShdw blurRad="38100" dist="19050" dir="2700000" algn="tl" rotWithShape="0">
+                    <a:schemeClr val="dk1">
+                      <a:alpha val="40000"/>
+                    </a:schemeClr>
+                  </a:outerShdw>
+                </a:effectLst>
+              </a:rPr>
+              <a:t>Liste</a:t>
+            </a:r>
+          </a:p>
+        </p:txBody>
+      </p:sp>
+      <p:graphicFrame>
+        <p:nvGraphicFramePr>
+          <p:cNvPr id="4" name="Tabelle 3"/>
+          <p:cNvGraphicFramePr>
+            <a:graphicFrameLocks noGrp="1"/>
+          </p:cNvGraphicFramePr>
+          <p:nvPr>
+            <p:extLst>
+              <p:ext uri="{D42A27DB-BD31-4B8C-83A1-F6EECF244321}">
+                <p14:modId xmlns:p14="http://schemas.microsoft.com/office/powerpoint/2010/main" val="3951693682"/>
+              </p:ext>
+            </p:extLst>
+          </p:nvPr>
+        </p:nvGraphicFramePr>
+        <p:xfrm>
+          <a:off x="2773038" y="2333421"/>
+          <a:ext cx="8128001" cy="1483360"/>
+        </p:xfrm>
+        <a:graphic>
+          <a:graphicData uri="http://schemas.openxmlformats.org/drawingml/2006/table">
+            <a:tbl>
+              <a:tblPr firstRow="1" bandRow="1">
+                <a:tableStyleId>{5C22544A-7EE6-4342-B048-85BDC9FD1C3A}</a:tableStyleId>
+              </a:tblPr>
+              <a:tblGrid>
+                <a:gridCol w="1161143">
+                  <a:extLst>
+                    <a:ext uri="{9D8B030D-6E8A-4147-A177-3AD203B41FA5}">
+                      <a16:colId xmlns:a16="http://schemas.microsoft.com/office/drawing/2014/main" val="1973645712"/>
+                    </a:ext>
+                  </a:extLst>
+                </a:gridCol>
+                <a:gridCol w="1161143">
+                  <a:extLst>
+                    <a:ext uri="{9D8B030D-6E8A-4147-A177-3AD203B41FA5}">
+                      <a16:colId xmlns:a16="http://schemas.microsoft.com/office/drawing/2014/main" val="725524563"/>
+                    </a:ext>
+                  </a:extLst>
+                </a:gridCol>
+                <a:gridCol w="1161143">
+                  <a:extLst>
+                    <a:ext uri="{9D8B030D-6E8A-4147-A177-3AD203B41FA5}">
+                      <a16:colId xmlns:a16="http://schemas.microsoft.com/office/drawing/2014/main" val="1928714447"/>
+                    </a:ext>
+                  </a:extLst>
+                </a:gridCol>
+                <a:gridCol w="1161143">
+                  <a:extLst>
+                    <a:ext uri="{9D8B030D-6E8A-4147-A177-3AD203B41FA5}">
+                      <a16:colId xmlns:a16="http://schemas.microsoft.com/office/drawing/2014/main" val="2172086988"/>
+                    </a:ext>
+                  </a:extLst>
+                </a:gridCol>
+                <a:gridCol w="1161143">
+                  <a:extLst>
+                    <a:ext uri="{9D8B030D-6E8A-4147-A177-3AD203B41FA5}">
+                      <a16:colId xmlns:a16="http://schemas.microsoft.com/office/drawing/2014/main" val="3235168416"/>
+                    </a:ext>
+                  </a:extLst>
+                </a:gridCol>
+                <a:gridCol w="1161143">
+                  <a:extLst>
+                    <a:ext uri="{9D8B030D-6E8A-4147-A177-3AD203B41FA5}">
+                      <a16:colId xmlns:a16="http://schemas.microsoft.com/office/drawing/2014/main" val="6555399"/>
+                    </a:ext>
+                  </a:extLst>
+                </a:gridCol>
+                <a:gridCol w="1161143">
+                  <a:extLst>
+                    <a:ext uri="{9D8B030D-6E8A-4147-A177-3AD203B41FA5}">
+                      <a16:colId xmlns:a16="http://schemas.microsoft.com/office/drawing/2014/main" val="1634155767"/>
+                    </a:ext>
+                  </a:extLst>
+                </a:gridCol>
+              </a:tblGrid>
+              <a:tr h="370840">
+                <a:tc>
+                  <a:txBody>
+                    <a:bodyPr/>
+                    <a:lstStyle/>
+                    <a:p>
+                      <a:r>
+                        <a:rPr lang="de-DE" dirty="0"/>
+                        <a:t>Name</a:t>
+                      </a:r>
+                    </a:p>
+                  </a:txBody>
+                  <a:tcPr/>
+                </a:tc>
+                <a:tc>
+                  <a:txBody>
+                    <a:bodyPr/>
+                    <a:lstStyle/>
+                    <a:p>
+                      <a:r>
+                        <a:rPr lang="de-DE" dirty="0"/>
+                        <a:t>…</a:t>
+                      </a:r>
+                    </a:p>
+                  </a:txBody>
+                  <a:tcPr/>
+                </a:tc>
+                <a:tc>
+                  <a:txBody>
+                    <a:bodyPr/>
+                    <a:lstStyle/>
+                    <a:p>
+                      <a:r>
+                        <a:rPr lang="de-DE" dirty="0"/>
+                        <a:t>…</a:t>
+                      </a:r>
+                    </a:p>
+                  </a:txBody>
+                  <a:tcPr/>
+                </a:tc>
+                <a:tc>
+                  <a:txBody>
+                    <a:bodyPr/>
+                    <a:lstStyle/>
+                    <a:p>
+                      <a:r>
+                        <a:rPr lang="de-DE" dirty="0"/>
+                        <a:t>…</a:t>
+                      </a:r>
+                    </a:p>
+                  </a:txBody>
+                  <a:tcPr/>
+                </a:tc>
+                <a:tc>
+                  <a:txBody>
+                    <a:bodyPr/>
+                    <a:lstStyle/>
+                    <a:p>
+                      <a:r>
+                        <a:rPr lang="de-DE" dirty="0"/>
+                        <a:t>…</a:t>
+                      </a:r>
+                    </a:p>
+                  </a:txBody>
+                  <a:tcPr/>
+                </a:tc>
+                <a:tc>
+                  <a:txBody>
+                    <a:bodyPr/>
+                    <a:lstStyle/>
+                    <a:p>
+                      <a:r>
+                        <a:rPr lang="de-DE" dirty="0"/>
+                        <a:t>…</a:t>
+                      </a:r>
+                    </a:p>
+                  </a:txBody>
+                  <a:tcPr/>
+                </a:tc>
+                <a:tc>
+                  <a:txBody>
+                    <a:bodyPr/>
+                    <a:lstStyle/>
+                    <a:p>
+                      <a:r>
+                        <a:rPr lang="de-DE" dirty="0"/>
+                        <a:t>…</a:t>
+                      </a:r>
+                    </a:p>
+                  </a:txBody>
+                  <a:tcPr/>
+                </a:tc>
+                <a:extLst>
+                  <a:ext uri="{0D108BD9-81ED-4DB2-BD59-A6C34878D82A}">
+                    <a16:rowId xmlns:a16="http://schemas.microsoft.com/office/drawing/2014/main" val="1387327695"/>
+                  </a:ext>
+                </a:extLst>
+              </a:tr>
+              <a:tr h="370840">
+                <a:tc>
+                  <a:txBody>
+                    <a:bodyPr/>
+                    <a:lstStyle/>
+                    <a:p>
+                      <a:endParaRPr lang="de-DE"/>
+                    </a:p>
+                  </a:txBody>
+                  <a:tcPr/>
+                </a:tc>
+                <a:tc>
+                  <a:txBody>
+                    <a:bodyPr/>
+                    <a:lstStyle/>
+                    <a:p>
+                      <a:endParaRPr lang="de-DE"/>
+                    </a:p>
+                  </a:txBody>
+                  <a:tcPr/>
+                </a:tc>
+                <a:tc>
+                  <a:txBody>
+                    <a:bodyPr/>
+                    <a:lstStyle/>
+                    <a:p>
+                      <a:endParaRPr lang="de-DE"/>
+                    </a:p>
+                  </a:txBody>
+                  <a:tcPr/>
+                </a:tc>
+                <a:tc>
+                  <a:txBody>
+                    <a:bodyPr/>
+                    <a:lstStyle/>
+                    <a:p>
+                      <a:endParaRPr lang="de-DE"/>
+                    </a:p>
+                  </a:txBody>
+                  <a:tcPr/>
+                </a:tc>
+                <a:tc>
+                  <a:txBody>
+                    <a:bodyPr/>
+                    <a:lstStyle/>
+                    <a:p>
+                      <a:endParaRPr lang="de-DE"/>
+                    </a:p>
+                  </a:txBody>
+                  <a:tcPr/>
+                </a:tc>
+                <a:tc>
+                  <a:txBody>
+                    <a:bodyPr/>
+                    <a:lstStyle/>
+                    <a:p>
+                      <a:endParaRPr lang="de-DE"/>
+                    </a:p>
+                  </a:txBody>
+                  <a:tcPr/>
+                </a:tc>
+                <a:tc>
+                  <a:txBody>
+                    <a:bodyPr/>
+                    <a:lstStyle/>
+                    <a:p>
+                      <a:endParaRPr lang="de-DE"/>
+                    </a:p>
+                  </a:txBody>
+                  <a:tcPr/>
+                </a:tc>
+                <a:extLst>
+                  <a:ext uri="{0D108BD9-81ED-4DB2-BD59-A6C34878D82A}">
+                    <a16:rowId xmlns:a16="http://schemas.microsoft.com/office/drawing/2014/main" val="1014381066"/>
+                  </a:ext>
+                </a:extLst>
+              </a:tr>
+              <a:tr h="370840">
+                <a:tc>
+                  <a:txBody>
+                    <a:bodyPr/>
+                    <a:lstStyle/>
+                    <a:p>
+                      <a:endParaRPr lang="de-DE"/>
+                    </a:p>
+                  </a:txBody>
+                  <a:tcPr/>
+                </a:tc>
+                <a:tc>
+                  <a:txBody>
+                    <a:bodyPr/>
+                    <a:lstStyle/>
+                    <a:p>
+                      <a:endParaRPr lang="de-DE"/>
+                    </a:p>
+                  </a:txBody>
+                  <a:tcPr/>
+                </a:tc>
+                <a:tc>
+                  <a:txBody>
+                    <a:bodyPr/>
+                    <a:lstStyle/>
+                    <a:p>
+                      <a:endParaRPr lang="de-DE"/>
+                    </a:p>
+                  </a:txBody>
+                  <a:tcPr/>
+                </a:tc>
+                <a:tc>
+                  <a:txBody>
+                    <a:bodyPr/>
+                    <a:lstStyle/>
+                    <a:p>
+                      <a:endParaRPr lang="de-DE"/>
+                    </a:p>
+                  </a:txBody>
+                  <a:tcPr/>
+                </a:tc>
+                <a:tc>
+                  <a:txBody>
+                    <a:bodyPr/>
+                    <a:lstStyle/>
+                    <a:p>
+                      <a:endParaRPr lang="de-DE"/>
+                    </a:p>
+                  </a:txBody>
+                  <a:tcPr/>
+                </a:tc>
+                <a:tc>
+                  <a:txBody>
+                    <a:bodyPr/>
+                    <a:lstStyle/>
+                    <a:p>
+                      <a:endParaRPr lang="de-DE"/>
+                    </a:p>
+                  </a:txBody>
+                  <a:tcPr/>
+                </a:tc>
+                <a:tc>
+                  <a:txBody>
+                    <a:bodyPr/>
+                    <a:lstStyle/>
+                    <a:p>
+                      <a:endParaRPr lang="de-DE"/>
+                    </a:p>
+                  </a:txBody>
+                  <a:tcPr/>
+                </a:tc>
+                <a:extLst>
+                  <a:ext uri="{0D108BD9-81ED-4DB2-BD59-A6C34878D82A}">
+                    <a16:rowId xmlns:a16="http://schemas.microsoft.com/office/drawing/2014/main" val="1863009190"/>
+                  </a:ext>
+                </a:extLst>
+              </a:tr>
+              <a:tr h="370840">
+                <a:tc>
+                  <a:txBody>
+                    <a:bodyPr/>
+                    <a:lstStyle/>
+                    <a:p>
+                      <a:endParaRPr lang="de-DE"/>
+                    </a:p>
+                  </a:txBody>
+                  <a:tcPr/>
+                </a:tc>
+                <a:tc>
+                  <a:txBody>
+                    <a:bodyPr/>
+                    <a:lstStyle/>
+                    <a:p>
+                      <a:endParaRPr lang="de-DE"/>
+                    </a:p>
+                  </a:txBody>
+                  <a:tcPr/>
+                </a:tc>
+                <a:tc>
+                  <a:txBody>
+                    <a:bodyPr/>
+                    <a:lstStyle/>
+                    <a:p>
+                      <a:endParaRPr lang="de-DE"/>
+                    </a:p>
+                  </a:txBody>
+                  <a:tcPr/>
+                </a:tc>
+                <a:tc>
+                  <a:txBody>
+                    <a:bodyPr/>
+                    <a:lstStyle/>
+                    <a:p>
+                      <a:endParaRPr lang="de-DE" dirty="0"/>
+                    </a:p>
+                  </a:txBody>
+                  <a:tcPr/>
+                </a:tc>
+                <a:tc>
+                  <a:txBody>
+                    <a:bodyPr/>
+                    <a:lstStyle/>
+                    <a:p>
+                      <a:endParaRPr lang="de-DE"/>
+                    </a:p>
+                  </a:txBody>
+                  <a:tcPr/>
+                </a:tc>
+                <a:tc>
+                  <a:txBody>
+                    <a:bodyPr/>
+                    <a:lstStyle/>
+                    <a:p>
+                      <a:endParaRPr lang="de-DE"/>
+                    </a:p>
+                  </a:txBody>
+                  <a:tcPr/>
+                </a:tc>
+                <a:tc>
+                  <a:txBody>
+                    <a:bodyPr/>
+                    <a:lstStyle/>
+                    <a:p>
+                      <a:endParaRPr lang="de-DE" dirty="0"/>
+                    </a:p>
+                  </a:txBody>
+                  <a:tcPr/>
+                </a:tc>
+                <a:extLst>
+                  <a:ext uri="{0D108BD9-81ED-4DB2-BD59-A6C34878D82A}">
+                    <a16:rowId xmlns:a16="http://schemas.microsoft.com/office/drawing/2014/main" val="2881324689"/>
+                  </a:ext>
+                </a:extLst>
+              </a:tr>
+            </a:tbl>
+          </a:graphicData>
+        </a:graphic>
+      </p:graphicFrame>
+      <p:sp>
+        <p:nvSpPr>
+          <p:cNvPr id="33" name="Rechteck 32"/>
+          <p:cNvSpPr/>
+          <p:nvPr/>
+        </p:nvSpPr>
+        <p:spPr>
+          <a:xfrm>
+            <a:off x="-118088" y="2822436"/>
+            <a:ext cx="1490398" cy="523220"/>
+          </a:xfrm>
+          <a:prstGeom prst="rect">
+            <a:avLst/>
+          </a:prstGeom>
+          <a:noFill/>
+        </p:spPr>
+        <p:txBody>
+          <a:bodyPr wrap="square" lIns="91440" tIns="45720" rIns="91440" bIns="45720">
+            <a:spAutoFit/>
+          </a:bodyPr>
+          <a:lstStyle/>
+          <a:p>
+            <a:pPr algn="ctr"/>
+            <a:r>
+              <a:rPr lang="de-DE" sz="1400" b="0" cap="none" spc="0" dirty="0">
+                <a:ln w="0"/>
+                <a:solidFill>
+                  <a:schemeClr val="tx1"/>
+                </a:solidFill>
+                <a:effectLst>
+                  <a:outerShdw blurRad="38100" dist="19050" dir="2700000" algn="tl" rotWithShape="0">
+                    <a:schemeClr val="dk1">
+                      <a:alpha val="40000"/>
+                    </a:schemeClr>
+                  </a:outerShdw>
+                </a:effectLst>
+              </a:rPr>
+              <a:t>Benutzer </a:t>
+            </a:r>
+          </a:p>
+          <a:p>
+            <a:pPr algn="ctr"/>
+            <a:r>
+              <a:rPr lang="de-DE" sz="1400" dirty="0">
+                <a:ln w="0"/>
+                <a:effectLst>
+                  <a:outerShdw blurRad="38100" dist="19050" dir="2700000" algn="tl" rotWithShape="0">
+                    <a:schemeClr val="dk1">
+                      <a:alpha val="40000"/>
+                    </a:schemeClr>
+                  </a:outerShdw>
+                </a:effectLst>
+              </a:rPr>
+              <a:t>löschen</a:t>
+            </a:r>
+            <a:endParaRPr lang="de-DE" sz="1400" b="0" cap="none" spc="0" dirty="0">
+              <a:ln w="0"/>
+              <a:solidFill>
+                <a:schemeClr val="tx1"/>
+              </a:solidFill>
+              <a:effectLst>
+                <a:outerShdw blurRad="38100" dist="19050" dir="2700000" algn="tl" rotWithShape="0">
+                  <a:schemeClr val="dk1">
+                    <a:alpha val="40000"/>
+                  </a:schemeClr>
+                </a:outerShdw>
+              </a:effectLst>
+            </a:endParaRPr>
+          </a:p>
+        </p:txBody>
+      </p:sp>
+    </p:spTree>
+    <p:extLst>
+      <p:ext uri="{BB962C8B-B14F-4D97-AF65-F5344CB8AC3E}">
+        <p14:creationId xmlns:p14="http://schemas.microsoft.com/office/powerpoint/2010/main" val="1085642683"/>
+      </p:ext>
+    </p:extLst>
+  </p:cSld>
+  <p:clrMapOvr>
+    <a:masterClrMapping/>
+  </p:clrMapOvr>
+</p:sld>
+</file>
+
+<file path=ppt/slides/slide4.xml><?xml version="1.0" encoding="utf-8"?>
+<p:sld xmlns:a="http://schemas.openxmlformats.org/drawingml/2006/main" xmlns:r="http://schemas.openxmlformats.org/officeDocument/2006/relationships" xmlns:p="http://schemas.openxmlformats.org/presentationml/2006/main">
+  <p:cSld>
+    <p:spTree>
+      <p:nvGrpSpPr>
+        <p:cNvPr id="1" name=""/>
+        <p:cNvGrpSpPr/>
+        <p:nvPr/>
+      </p:nvGrpSpPr>
+      <p:grpSpPr>
+        <a:xfrm>
+          <a:off x="0" y="0"/>
+          <a:ext cx="0" cy="0"/>
+          <a:chOff x="0" y="0"/>
+          <a:chExt cx="0" cy="0"/>
+        </a:xfrm>
+      </p:grpSpPr>
+      <p:sp>
+        <p:nvSpPr>
+          <p:cNvPr id="14" name="Rechteck 13"/>
+          <p:cNvSpPr/>
+          <p:nvPr/>
+        </p:nvSpPr>
+        <p:spPr>
+          <a:xfrm>
+            <a:off x="0" y="620785"/>
+            <a:ext cx="1262543" cy="5972962"/>
+          </a:xfrm>
+          <a:prstGeom prst="rect">
+            <a:avLst/>
+          </a:prstGeom>
+          <a:solidFill>
+            <a:srgbClr val="9ABEDF"/>
+          </a:solidFill>
+          <a:ln>
+            <a:solidFill>
+              <a:srgbClr val="9ABEDF"/>
+            </a:solidFill>
+          </a:ln>
+        </p:spPr>
+        <p:style>
+          <a:lnRef idx="2">
+            <a:schemeClr val="accent1">
+              <a:shade val="50000"/>
+            </a:schemeClr>
+          </a:lnRef>
+          <a:fillRef idx="1">
+            <a:schemeClr val="accent1"/>
+          </a:fillRef>
+          <a:effectRef idx="0">
+            <a:schemeClr val="accent1"/>
+          </a:effectRef>
+          <a:fontRef idx="minor">
+            <a:schemeClr val="lt1"/>
+          </a:fontRef>
+        </p:style>
+        <p:txBody>
+          <a:bodyPr rtlCol="0" anchor="ctr"/>
+          <a:lstStyle/>
+          <a:p>
+            <a:pPr algn="ctr"/>
+            <a:endParaRPr lang="de-DE"/>
+          </a:p>
+        </p:txBody>
+      </p:sp>
+      <p:sp>
+        <p:nvSpPr>
+          <p:cNvPr id="5" name="Rechteck 4"/>
+          <p:cNvSpPr/>
+          <p:nvPr/>
+        </p:nvSpPr>
+        <p:spPr>
+          <a:xfrm>
+            <a:off x="0" y="6593747"/>
+            <a:ext cx="12192000" cy="264253"/>
+          </a:xfrm>
+          <a:prstGeom prst="rect">
+            <a:avLst/>
+          </a:prstGeom>
+          <a:solidFill>
+            <a:srgbClr val="9ABEDF"/>
+          </a:solidFill>
+          <a:ln>
+            <a:solidFill>
+              <a:srgbClr val="9ABEDF"/>
+            </a:solidFill>
+          </a:ln>
+        </p:spPr>
+        <p:style>
+          <a:lnRef idx="2">
+            <a:schemeClr val="accent1">
+              <a:shade val="50000"/>
+            </a:schemeClr>
+          </a:lnRef>
+          <a:fillRef idx="1">
+            <a:schemeClr val="accent1"/>
+          </a:fillRef>
+          <a:effectRef idx="0">
+            <a:schemeClr val="accent1"/>
+          </a:effectRef>
+          <a:fontRef idx="minor">
+            <a:schemeClr val="lt1"/>
+          </a:fontRef>
+        </p:style>
+        <p:txBody>
+          <a:bodyPr rtlCol="0" anchor="ctr"/>
+          <a:lstStyle/>
+          <a:p>
+            <a:pPr algn="ctr"/>
+            <a:endParaRPr lang="de-DE"/>
+          </a:p>
+        </p:txBody>
+      </p:sp>
+      <p:sp>
+        <p:nvSpPr>
+          <p:cNvPr id="8" name="Rechteck 7"/>
+          <p:cNvSpPr/>
+          <p:nvPr/>
+        </p:nvSpPr>
+        <p:spPr>
+          <a:xfrm>
+            <a:off x="11232859" y="6629399"/>
+            <a:ext cx="864066" cy="192947"/>
+          </a:xfrm>
+          <a:prstGeom prst="rect">
+            <a:avLst/>
+          </a:prstGeom>
+        </p:spPr>
+        <p:style>
+          <a:lnRef idx="2">
+            <a:schemeClr val="dk1"/>
+          </a:lnRef>
+          <a:fillRef idx="1">
+            <a:schemeClr val="lt1"/>
+          </a:fillRef>
+          <a:effectRef idx="0">
+            <a:schemeClr val="dk1"/>
+          </a:effectRef>
+          <a:fontRef idx="minor">
+            <a:schemeClr val="dk1"/>
+          </a:fontRef>
+        </p:style>
+        <p:txBody>
+          <a:bodyPr rtlCol="0" anchor="ctr"/>
+          <a:lstStyle/>
+          <a:p>
+            <a:pPr algn="ctr"/>
+            <a:r>
+              <a:rPr lang="de-DE" dirty="0"/>
+              <a:t>Hilfe</a:t>
+            </a:r>
+          </a:p>
+        </p:txBody>
+      </p:sp>
+      <p:sp>
+        <p:nvSpPr>
+          <p:cNvPr id="9" name="Rechteck 8"/>
+          <p:cNvSpPr/>
+          <p:nvPr/>
+        </p:nvSpPr>
+        <p:spPr>
+          <a:xfrm>
+            <a:off x="9571839" y="6629399"/>
+            <a:ext cx="1560352" cy="192947"/>
+          </a:xfrm>
+          <a:prstGeom prst="rect">
+            <a:avLst/>
+          </a:prstGeom>
+        </p:spPr>
+        <p:style>
+          <a:lnRef idx="2">
+            <a:schemeClr val="dk1"/>
+          </a:lnRef>
+          <a:fillRef idx="1">
+            <a:schemeClr val="lt1"/>
+          </a:fillRef>
+          <a:effectRef idx="0">
+            <a:schemeClr val="dk1"/>
+          </a:effectRef>
+          <a:fontRef idx="minor">
+            <a:schemeClr val="dk1"/>
+          </a:fontRef>
+        </p:style>
+        <p:txBody>
+          <a:bodyPr rtlCol="0" anchor="ctr"/>
+          <a:lstStyle/>
+          <a:p>
+            <a:pPr algn="ctr"/>
+            <a:r>
+              <a:rPr lang="de-DE" dirty="0"/>
+              <a:t>Kontakt/Ticket</a:t>
+            </a:r>
+          </a:p>
+        </p:txBody>
+      </p:sp>
+      <p:sp>
+        <p:nvSpPr>
+          <p:cNvPr id="23" name="Rechteck 22"/>
+          <p:cNvSpPr/>
+          <p:nvPr/>
+        </p:nvSpPr>
+        <p:spPr>
+          <a:xfrm>
+            <a:off x="134224" y="6629399"/>
+            <a:ext cx="1498023" cy="192947"/>
+          </a:xfrm>
+          <a:prstGeom prst="rect">
+            <a:avLst/>
+          </a:prstGeom>
+        </p:spPr>
+        <p:style>
+          <a:lnRef idx="2">
+            <a:schemeClr val="dk1"/>
+          </a:lnRef>
+          <a:fillRef idx="1">
+            <a:schemeClr val="lt1"/>
+          </a:fillRef>
+          <a:effectRef idx="0">
+            <a:schemeClr val="dk1"/>
+          </a:effectRef>
+          <a:fontRef idx="minor">
+            <a:schemeClr val="dk1"/>
+          </a:fontRef>
+        </p:style>
+        <p:txBody>
+          <a:bodyPr rtlCol="0" anchor="ctr"/>
+          <a:lstStyle/>
+          <a:p>
+            <a:pPr algn="ctr"/>
+            <a:r>
+              <a:rPr lang="de-DE" sz="1400" dirty="0">
+                <a:solidFill>
+                  <a:schemeClr val="tx1"/>
+                </a:solidFill>
+              </a:rPr>
+              <a:t>Link zur Schul-HP</a:t>
+            </a:r>
+          </a:p>
+        </p:txBody>
+      </p:sp>
+      <p:sp>
+        <p:nvSpPr>
+          <p:cNvPr id="24" name="Rechteck 23"/>
+          <p:cNvSpPr/>
+          <p:nvPr/>
+        </p:nvSpPr>
+        <p:spPr>
+          <a:xfrm>
+            <a:off x="20282" y="1461834"/>
+            <a:ext cx="1213658" cy="523220"/>
+          </a:xfrm>
+          <a:prstGeom prst="rect">
+            <a:avLst/>
+          </a:prstGeom>
+          <a:noFill/>
+        </p:spPr>
+        <p:txBody>
+          <a:bodyPr wrap="square" lIns="91440" tIns="45720" rIns="91440" bIns="45720">
+            <a:spAutoFit/>
+          </a:bodyPr>
+          <a:lstStyle/>
+          <a:p>
+            <a:pPr algn="ctr"/>
+            <a:r>
+              <a:rPr lang="de-DE" sz="1400" dirty="0">
+                <a:ln w="0"/>
+                <a:effectLst>
+                  <a:outerShdw blurRad="38100" dist="19050" dir="2700000" algn="tl" rotWithShape="0">
+                    <a:schemeClr val="dk1">
+                      <a:alpha val="40000"/>
+                    </a:schemeClr>
+                  </a:outerShdw>
+                </a:effectLst>
+              </a:rPr>
+              <a:t>Benutzer hinzufügen</a:t>
+            </a:r>
+            <a:endParaRPr lang="de-DE" sz="1400" b="0" cap="none" spc="0" dirty="0">
+              <a:ln w="0"/>
+              <a:solidFill>
+                <a:schemeClr val="tx1"/>
+              </a:solidFill>
+              <a:effectLst>
+                <a:outerShdw blurRad="38100" dist="19050" dir="2700000" algn="tl" rotWithShape="0">
+                  <a:schemeClr val="dk1">
+                    <a:alpha val="40000"/>
+                  </a:schemeClr>
+                </a:outerShdw>
+              </a:effectLst>
+            </a:endParaRPr>
+          </a:p>
+        </p:txBody>
+      </p:sp>
+      <p:sp>
+        <p:nvSpPr>
+          <p:cNvPr id="27" name="Rechteck 26"/>
+          <p:cNvSpPr/>
+          <p:nvPr/>
+        </p:nvSpPr>
+        <p:spPr>
+          <a:xfrm>
+            <a:off x="-118088" y="2141304"/>
+            <a:ext cx="1490398" cy="523220"/>
+          </a:xfrm>
+          <a:prstGeom prst="rect">
+            <a:avLst/>
+          </a:prstGeom>
+          <a:noFill/>
+        </p:spPr>
+        <p:txBody>
+          <a:bodyPr wrap="square" lIns="91440" tIns="45720" rIns="91440" bIns="45720">
+            <a:spAutoFit/>
+          </a:bodyPr>
+          <a:lstStyle/>
+          <a:p>
+            <a:pPr algn="ctr"/>
+            <a:r>
+              <a:rPr lang="de-DE" sz="1400" b="0" cap="none" spc="0" dirty="0">
+                <a:ln w="0"/>
+                <a:solidFill>
+                  <a:schemeClr val="tx1"/>
+                </a:solidFill>
+                <a:effectLst>
+                  <a:outerShdw blurRad="38100" dist="19050" dir="2700000" algn="tl" rotWithShape="0">
+                    <a:schemeClr val="dk1">
+                      <a:alpha val="40000"/>
+                    </a:schemeClr>
+                  </a:outerShdw>
+                </a:effectLst>
+              </a:rPr>
+              <a:t>Benutzerdaten ändern</a:t>
+            </a:r>
+          </a:p>
+        </p:txBody>
+      </p:sp>
+      <p:pic>
+        <p:nvPicPr>
+          <p:cNvPr id="30" name="Grafik 29"/>
+          <p:cNvPicPr>
+            <a:picLocks noChangeAspect="1"/>
+          </p:cNvPicPr>
+          <p:nvPr/>
+        </p:nvPicPr>
+        <p:blipFill>
+          <a:blip r:embed="rId2">
+            <a:extLst>
+              <a:ext uri="{28A0092B-C50C-407E-A947-70E740481C1C}">
+                <a14:useLocalDpi xmlns:a14="http://schemas.microsoft.com/office/drawing/2010/main" val="0"/>
+              </a:ext>
+            </a:extLst>
+          </a:blip>
+          <a:stretch>
+            <a:fillRect/>
+          </a:stretch>
+        </p:blipFill>
+        <p:spPr>
+          <a:xfrm>
+            <a:off x="210281" y="63397"/>
+            <a:ext cx="1130694" cy="493394"/>
+          </a:xfrm>
+          <a:prstGeom prst="rect">
+            <a:avLst/>
+          </a:prstGeom>
+        </p:spPr>
+      </p:pic>
+      <p:sp>
+        <p:nvSpPr>
+          <p:cNvPr id="31" name="Rechteck 30"/>
+          <p:cNvSpPr/>
+          <p:nvPr/>
+        </p:nvSpPr>
+        <p:spPr>
+          <a:xfrm>
+            <a:off x="1484244" y="0"/>
+            <a:ext cx="10707756" cy="620785"/>
+          </a:xfrm>
+          <a:prstGeom prst="rect">
+            <a:avLst/>
+          </a:prstGeom>
+          <a:solidFill>
+            <a:srgbClr val="9ABEDF"/>
+          </a:solidFill>
+          <a:ln>
+            <a:solidFill>
+              <a:srgbClr val="9ABEDF"/>
+            </a:solidFill>
+          </a:ln>
+        </p:spPr>
+        <p:style>
+          <a:lnRef idx="2">
+            <a:schemeClr val="accent3"/>
+          </a:lnRef>
+          <a:fillRef idx="1">
+            <a:schemeClr val="lt1"/>
+          </a:fillRef>
+          <a:effectRef idx="0">
+            <a:schemeClr val="accent3"/>
+          </a:effectRef>
+          <a:fontRef idx="minor">
+            <a:schemeClr val="dk1"/>
+          </a:fontRef>
+        </p:style>
+        <p:txBody>
+          <a:bodyPr rtlCol="0" anchor="ctr"/>
+          <a:lstStyle/>
+          <a:p>
+            <a:pPr algn="ctr"/>
+            <a:endParaRPr lang="de-DE"/>
+          </a:p>
+        </p:txBody>
+      </p:sp>
+      <p:sp>
+        <p:nvSpPr>
+          <p:cNvPr id="32" name="Rechteck 31"/>
+          <p:cNvSpPr/>
+          <p:nvPr/>
+        </p:nvSpPr>
+        <p:spPr>
+          <a:xfrm>
+            <a:off x="20282" y="782364"/>
+            <a:ext cx="1213658" cy="523220"/>
+          </a:xfrm>
+          <a:prstGeom prst="rect">
+            <a:avLst/>
+          </a:prstGeom>
+          <a:noFill/>
+        </p:spPr>
+        <p:txBody>
+          <a:bodyPr wrap="square" lIns="91440" tIns="45720" rIns="91440" bIns="45720">
+            <a:spAutoFit/>
+          </a:bodyPr>
+          <a:lstStyle/>
+          <a:p>
+            <a:pPr algn="ctr"/>
+            <a:r>
+              <a:rPr lang="de-DE" sz="1400" dirty="0">
+                <a:ln w="0"/>
+                <a:effectLst>
+                  <a:outerShdw blurRad="38100" dist="19050" dir="2700000" algn="tl" rotWithShape="0">
+                    <a:schemeClr val="dk1">
+                      <a:alpha val="40000"/>
+                    </a:schemeClr>
+                  </a:outerShdw>
+                </a:effectLst>
+              </a:rPr>
+              <a:t>Benutzer-</a:t>
+            </a:r>
+          </a:p>
+          <a:p>
+            <a:pPr algn="ctr"/>
+            <a:r>
+              <a:rPr lang="de-DE" sz="1400" b="0" cap="none" spc="0" dirty="0">
+                <a:ln w="0"/>
+                <a:solidFill>
+                  <a:schemeClr val="tx1"/>
+                </a:solidFill>
+                <a:effectLst>
+                  <a:outerShdw blurRad="38100" dist="19050" dir="2700000" algn="tl" rotWithShape="0">
+                    <a:schemeClr val="dk1">
+                      <a:alpha val="40000"/>
+                    </a:schemeClr>
+                  </a:outerShdw>
+                </a:effectLst>
+              </a:rPr>
+              <a:t>Liste</a:t>
+            </a:r>
+          </a:p>
+        </p:txBody>
+      </p:sp>
+      <p:sp>
+        <p:nvSpPr>
+          <p:cNvPr id="29" name="Rechteck 28"/>
+          <p:cNvSpPr/>
+          <p:nvPr/>
+        </p:nvSpPr>
+        <p:spPr>
+          <a:xfrm>
+            <a:off x="1632247" y="718144"/>
+            <a:ext cx="4028190" cy="646331"/>
+          </a:xfrm>
+          <a:prstGeom prst="rect">
+            <a:avLst/>
+          </a:prstGeom>
+          <a:noFill/>
+        </p:spPr>
+        <p:txBody>
+          <a:bodyPr wrap="square" lIns="91440" tIns="45720" rIns="91440" bIns="45720">
+            <a:spAutoFit/>
+          </a:bodyPr>
+          <a:lstStyle/>
+          <a:p>
+            <a:r>
+              <a:rPr lang="de-DE" sz="3600" b="0" cap="none" spc="0" dirty="0">
+                <a:ln w="0"/>
+                <a:solidFill>
+                  <a:schemeClr val="tx1"/>
+                </a:solidFill>
+                <a:effectLst>
+                  <a:outerShdw blurRad="38100" dist="19050" dir="2700000" algn="tl" rotWithShape="0">
+                    <a:schemeClr val="dk1">
+                      <a:alpha val="40000"/>
+                    </a:schemeClr>
+                  </a:outerShdw>
+                </a:effectLst>
+              </a:rPr>
+              <a:t>Benutzer</a:t>
+            </a:r>
+            <a:r>
+              <a:rPr lang="de-DE" sz="3600" dirty="0">
+                <a:ln w="0"/>
+                <a:effectLst>
+                  <a:outerShdw blurRad="38100" dist="19050" dir="2700000" algn="tl" rotWithShape="0">
+                    <a:schemeClr val="dk1">
+                      <a:alpha val="40000"/>
+                    </a:schemeClr>
+                  </a:outerShdw>
+                </a:effectLst>
+              </a:rPr>
+              <a:t>verwaltung</a:t>
+            </a:r>
+            <a:endParaRPr lang="de-DE" sz="3600" b="0" cap="none" spc="0" dirty="0">
+              <a:ln w="0"/>
+              <a:solidFill>
+                <a:schemeClr val="tx1"/>
+              </a:solidFill>
+              <a:effectLst>
+                <a:outerShdw blurRad="38100" dist="19050" dir="2700000" algn="tl" rotWithShape="0">
+                  <a:schemeClr val="dk1">
+                    <a:alpha val="40000"/>
+                  </a:schemeClr>
+                </a:outerShdw>
+              </a:effectLst>
+            </a:endParaRPr>
+          </a:p>
+        </p:txBody>
+      </p:sp>
+      <p:sp>
+        <p:nvSpPr>
+          <p:cNvPr id="33" name="Rechteck 32"/>
+          <p:cNvSpPr/>
+          <p:nvPr/>
+        </p:nvSpPr>
+        <p:spPr>
+          <a:xfrm>
+            <a:off x="1906271" y="1255654"/>
+            <a:ext cx="2360929" cy="400110"/>
+          </a:xfrm>
+          <a:prstGeom prst="rect">
+            <a:avLst/>
+          </a:prstGeom>
+          <a:noFill/>
+        </p:spPr>
+        <p:txBody>
+          <a:bodyPr wrap="square" lIns="91440" tIns="45720" rIns="91440" bIns="45720">
+            <a:spAutoFit/>
+          </a:bodyPr>
+          <a:lstStyle/>
+          <a:p>
+            <a:r>
+              <a:rPr lang="de-DE" sz="2000" dirty="0">
+                <a:ln w="0"/>
+                <a:effectLst>
+                  <a:outerShdw blurRad="38100" dist="19050" dir="2700000" algn="tl" rotWithShape="0">
+                    <a:schemeClr val="dk1">
+                      <a:alpha val="40000"/>
+                    </a:schemeClr>
+                  </a:outerShdw>
+                </a:effectLst>
+              </a:rPr>
+              <a:t>Benutzer hinzufügen</a:t>
+            </a:r>
+            <a:endParaRPr lang="de-DE" sz="2000" b="0" cap="none" spc="0" dirty="0">
+              <a:ln w="0"/>
+              <a:solidFill>
+                <a:schemeClr val="tx1"/>
+              </a:solidFill>
+              <a:effectLst>
+                <a:outerShdw blurRad="38100" dist="19050" dir="2700000" algn="tl" rotWithShape="0">
+                  <a:schemeClr val="dk1">
+                    <a:alpha val="40000"/>
+                  </a:schemeClr>
+                </a:outerShdw>
+              </a:effectLst>
+            </a:endParaRPr>
+          </a:p>
+        </p:txBody>
+      </p:sp>
+      <p:sp>
+        <p:nvSpPr>
+          <p:cNvPr id="35" name="Rechteck 34"/>
+          <p:cNvSpPr/>
+          <p:nvPr/>
+        </p:nvSpPr>
+        <p:spPr>
+          <a:xfrm>
+            <a:off x="-118088" y="2822436"/>
+            <a:ext cx="1490398" cy="523220"/>
+          </a:xfrm>
+          <a:prstGeom prst="rect">
+            <a:avLst/>
+          </a:prstGeom>
+          <a:noFill/>
+        </p:spPr>
+        <p:txBody>
+          <a:bodyPr wrap="square" lIns="91440" tIns="45720" rIns="91440" bIns="45720">
+            <a:spAutoFit/>
+          </a:bodyPr>
+          <a:lstStyle/>
+          <a:p>
+            <a:pPr algn="ctr"/>
+            <a:r>
+              <a:rPr lang="de-DE" sz="1400" b="0" cap="none" spc="0" dirty="0">
+                <a:ln w="0"/>
+                <a:solidFill>
+                  <a:schemeClr val="tx1"/>
+                </a:solidFill>
+                <a:effectLst>
+                  <a:outerShdw blurRad="38100" dist="19050" dir="2700000" algn="tl" rotWithShape="0">
+                    <a:schemeClr val="dk1">
+                      <a:alpha val="40000"/>
+                    </a:schemeClr>
+                  </a:outerShdw>
+                </a:effectLst>
+              </a:rPr>
+              <a:t>Benutzer </a:t>
+            </a:r>
+          </a:p>
+          <a:p>
+            <a:pPr algn="ctr"/>
+            <a:r>
+              <a:rPr lang="de-DE" sz="1400" dirty="0">
+                <a:ln w="0"/>
+                <a:effectLst>
+                  <a:outerShdw blurRad="38100" dist="19050" dir="2700000" algn="tl" rotWithShape="0">
+                    <a:schemeClr val="dk1">
+                      <a:alpha val="40000"/>
+                    </a:schemeClr>
+                  </a:outerShdw>
+                </a:effectLst>
+              </a:rPr>
+              <a:t>löschen</a:t>
+            </a:r>
+            <a:endParaRPr lang="de-DE" sz="1400" b="0" cap="none" spc="0" dirty="0">
+              <a:ln w="0"/>
+              <a:solidFill>
+                <a:schemeClr val="tx1"/>
+              </a:solidFill>
+              <a:effectLst>
+                <a:outerShdw blurRad="38100" dist="19050" dir="2700000" algn="tl" rotWithShape="0">
+                  <a:schemeClr val="dk1">
+                    <a:alpha val="40000"/>
+                  </a:schemeClr>
+                </a:outerShdw>
+              </a:effectLst>
+            </a:endParaRPr>
+          </a:p>
+        </p:txBody>
+      </p:sp>
+      <p:sp>
+        <p:nvSpPr>
+          <p:cNvPr id="36" name="Rechteck 35"/>
+          <p:cNvSpPr/>
+          <p:nvPr/>
+        </p:nvSpPr>
+        <p:spPr>
+          <a:xfrm>
+            <a:off x="3061252" y="2317415"/>
+            <a:ext cx="4055165" cy="357809"/>
+          </a:xfrm>
+          <a:prstGeom prst="rect">
+            <a:avLst/>
+          </a:prstGeom>
+          <a:ln>
+            <a:solidFill>
+              <a:schemeClr val="tx1"/>
+            </a:solidFill>
+          </a:ln>
+        </p:spPr>
+        <p:style>
+          <a:lnRef idx="2">
+            <a:schemeClr val="accent6"/>
+          </a:lnRef>
+          <a:fillRef idx="1">
+            <a:schemeClr val="lt1"/>
+          </a:fillRef>
+          <a:effectRef idx="0">
+            <a:schemeClr val="accent6"/>
+          </a:effectRef>
+          <a:fontRef idx="minor">
+            <a:schemeClr val="dk1"/>
+          </a:fontRef>
+        </p:style>
+        <p:txBody>
+          <a:bodyPr rtlCol="0" anchor="ctr"/>
+          <a:lstStyle/>
+          <a:p>
+            <a:pPr algn="ctr"/>
+            <a:endParaRPr lang="de-DE"/>
+          </a:p>
+        </p:txBody>
+      </p:sp>
+      <p:sp>
+        <p:nvSpPr>
+          <p:cNvPr id="37" name="Rechteck 36"/>
+          <p:cNvSpPr/>
+          <p:nvPr/>
+        </p:nvSpPr>
+        <p:spPr>
+          <a:xfrm>
+            <a:off x="3061252" y="3300751"/>
+            <a:ext cx="4055165" cy="357809"/>
+          </a:xfrm>
+          <a:prstGeom prst="rect">
+            <a:avLst/>
+          </a:prstGeom>
+          <a:ln>
+            <a:solidFill>
+              <a:schemeClr val="tx1"/>
+            </a:solidFill>
+          </a:ln>
+        </p:spPr>
+        <p:style>
+          <a:lnRef idx="2">
+            <a:schemeClr val="accent6"/>
+          </a:lnRef>
+          <a:fillRef idx="1">
+            <a:schemeClr val="lt1"/>
+          </a:fillRef>
+          <a:effectRef idx="0">
+            <a:schemeClr val="accent6"/>
+          </a:effectRef>
+          <a:fontRef idx="minor">
+            <a:schemeClr val="dk1"/>
+          </a:fontRef>
+        </p:style>
+        <p:txBody>
+          <a:bodyPr rtlCol="0" anchor="ctr"/>
+          <a:lstStyle/>
+          <a:p>
+            <a:pPr algn="ctr"/>
+            <a:endParaRPr lang="de-DE" dirty="0"/>
+          </a:p>
+        </p:txBody>
+      </p:sp>
+      <p:sp>
+        <p:nvSpPr>
+          <p:cNvPr id="38" name="Rechteck 37"/>
+          <p:cNvSpPr/>
+          <p:nvPr/>
+        </p:nvSpPr>
+        <p:spPr>
+          <a:xfrm>
+            <a:off x="3061252" y="1767104"/>
+            <a:ext cx="3358955" cy="523220"/>
+          </a:xfrm>
+          <a:prstGeom prst="rect">
+            <a:avLst/>
+          </a:prstGeom>
+          <a:noFill/>
+        </p:spPr>
+        <p:txBody>
+          <a:bodyPr wrap="square" lIns="91440" tIns="45720" rIns="91440" bIns="45720">
+            <a:spAutoFit/>
+          </a:bodyPr>
+          <a:lstStyle/>
+          <a:p>
+            <a:r>
+              <a:rPr lang="de-DE" sz="2800" dirty="0">
+                <a:ln w="0"/>
+                <a:effectLst>
+                  <a:outerShdw blurRad="38100" dist="19050" dir="2700000" algn="tl" rotWithShape="0">
+                    <a:schemeClr val="dk1">
+                      <a:alpha val="40000"/>
+                    </a:schemeClr>
+                  </a:outerShdw>
+                </a:effectLst>
+              </a:rPr>
+              <a:t>Benutzername</a:t>
+            </a:r>
+            <a:endParaRPr lang="de-DE" sz="2800" b="0" cap="none" spc="0" dirty="0">
+              <a:ln w="0"/>
+              <a:solidFill>
+                <a:schemeClr val="tx1"/>
+              </a:solidFill>
+              <a:effectLst>
+                <a:outerShdw blurRad="38100" dist="19050" dir="2700000" algn="tl" rotWithShape="0">
+                  <a:schemeClr val="dk1">
+                    <a:alpha val="40000"/>
+                  </a:schemeClr>
+                </a:outerShdw>
+              </a:effectLst>
+            </a:endParaRPr>
+          </a:p>
+        </p:txBody>
+      </p:sp>
+      <p:sp>
+        <p:nvSpPr>
+          <p:cNvPr id="39" name="Rechteck 38"/>
+          <p:cNvSpPr/>
+          <p:nvPr/>
+        </p:nvSpPr>
+        <p:spPr>
+          <a:xfrm>
+            <a:off x="3061251" y="2772077"/>
+            <a:ext cx="3358955" cy="523220"/>
+          </a:xfrm>
+          <a:prstGeom prst="rect">
+            <a:avLst/>
+          </a:prstGeom>
+          <a:noFill/>
+        </p:spPr>
+        <p:txBody>
+          <a:bodyPr wrap="square" lIns="91440" tIns="45720" rIns="91440" bIns="45720">
+            <a:spAutoFit/>
+          </a:bodyPr>
+          <a:lstStyle/>
+          <a:p>
+            <a:r>
+              <a:rPr lang="de-DE" sz="2800" dirty="0">
+                <a:ln w="0"/>
+                <a:effectLst>
+                  <a:outerShdw blurRad="38100" dist="19050" dir="2700000" algn="tl" rotWithShape="0">
+                    <a:schemeClr val="dk1">
+                      <a:alpha val="40000"/>
+                    </a:schemeClr>
+                  </a:outerShdw>
+                </a:effectLst>
+              </a:rPr>
+              <a:t>Passwort</a:t>
+            </a:r>
+            <a:endParaRPr lang="de-DE" sz="2800" b="0" cap="none" spc="0" dirty="0">
+              <a:ln w="0"/>
+              <a:solidFill>
+                <a:schemeClr val="tx1"/>
+              </a:solidFill>
+              <a:effectLst>
+                <a:outerShdw blurRad="38100" dist="19050" dir="2700000" algn="tl" rotWithShape="0">
+                  <a:schemeClr val="dk1">
+                    <a:alpha val="40000"/>
+                  </a:schemeClr>
+                </a:outerShdw>
+              </a:effectLst>
+            </a:endParaRPr>
+          </a:p>
+        </p:txBody>
+      </p:sp>
+      <p:sp>
+        <p:nvSpPr>
+          <p:cNvPr id="40" name="Rechteck 39"/>
+          <p:cNvSpPr/>
+          <p:nvPr/>
+        </p:nvSpPr>
+        <p:spPr>
+          <a:xfrm>
+            <a:off x="3061252" y="4320560"/>
+            <a:ext cx="4055165" cy="357809"/>
+          </a:xfrm>
+          <a:prstGeom prst="rect">
+            <a:avLst/>
+          </a:prstGeom>
+          <a:ln>
+            <a:solidFill>
+              <a:schemeClr val="tx1"/>
+            </a:solidFill>
+          </a:ln>
+        </p:spPr>
+        <p:style>
+          <a:lnRef idx="2">
+            <a:schemeClr val="accent6"/>
+          </a:lnRef>
+          <a:fillRef idx="1">
+            <a:schemeClr val="lt1"/>
+          </a:fillRef>
+          <a:effectRef idx="0">
+            <a:schemeClr val="accent6"/>
+          </a:effectRef>
+          <a:fontRef idx="minor">
+            <a:schemeClr val="dk1"/>
+          </a:fontRef>
+        </p:style>
+        <p:txBody>
+          <a:bodyPr rtlCol="0" anchor="ctr"/>
+          <a:lstStyle/>
+          <a:p>
+            <a:pPr algn="ctr"/>
+            <a:endParaRPr lang="de-DE"/>
+          </a:p>
+        </p:txBody>
+      </p:sp>
+      <p:sp>
+        <p:nvSpPr>
+          <p:cNvPr id="41" name="Rechteck 40"/>
+          <p:cNvSpPr/>
+          <p:nvPr/>
+        </p:nvSpPr>
+        <p:spPr>
+          <a:xfrm>
+            <a:off x="3061252" y="5303896"/>
+            <a:ext cx="4055165" cy="357809"/>
+          </a:xfrm>
+          <a:prstGeom prst="rect">
+            <a:avLst/>
+          </a:prstGeom>
+          <a:ln>
+            <a:solidFill>
+              <a:schemeClr val="tx1"/>
+            </a:solidFill>
+          </a:ln>
+        </p:spPr>
+        <p:style>
+          <a:lnRef idx="2">
+            <a:schemeClr val="accent6"/>
+          </a:lnRef>
+          <a:fillRef idx="1">
+            <a:schemeClr val="lt1"/>
+          </a:fillRef>
+          <a:effectRef idx="0">
+            <a:schemeClr val="accent6"/>
+          </a:effectRef>
+          <a:fontRef idx="minor">
+            <a:schemeClr val="dk1"/>
+          </a:fontRef>
+        </p:style>
+        <p:txBody>
+          <a:bodyPr rtlCol="0" anchor="ctr"/>
+          <a:lstStyle/>
+          <a:p>
+            <a:pPr algn="ctr"/>
+            <a:endParaRPr lang="de-DE" dirty="0"/>
+          </a:p>
+        </p:txBody>
+      </p:sp>
+      <p:sp>
+        <p:nvSpPr>
+          <p:cNvPr id="42" name="Rechteck 41"/>
+          <p:cNvSpPr/>
+          <p:nvPr/>
+        </p:nvSpPr>
+        <p:spPr>
+          <a:xfrm>
+            <a:off x="3061250" y="3822987"/>
+            <a:ext cx="3358955" cy="523220"/>
+          </a:xfrm>
+          <a:prstGeom prst="rect">
+            <a:avLst/>
+          </a:prstGeom>
+          <a:noFill/>
+        </p:spPr>
+        <p:txBody>
+          <a:bodyPr wrap="square" lIns="91440" tIns="45720" rIns="91440" bIns="45720">
+            <a:spAutoFit/>
+          </a:bodyPr>
+          <a:lstStyle/>
+          <a:p>
+            <a:r>
+              <a:rPr lang="de-DE" sz="2800" dirty="0">
+                <a:ln w="0"/>
+                <a:effectLst>
+                  <a:outerShdw blurRad="38100" dist="19050" dir="2700000" algn="tl" rotWithShape="0">
+                    <a:schemeClr val="dk1">
+                      <a:alpha val="40000"/>
+                    </a:schemeClr>
+                  </a:outerShdw>
+                </a:effectLst>
+              </a:rPr>
+              <a:t>Adresse</a:t>
+            </a:r>
+            <a:endParaRPr lang="de-DE" sz="2800" b="0" cap="none" spc="0" dirty="0">
+              <a:ln w="0"/>
+              <a:solidFill>
+                <a:schemeClr val="tx1"/>
+              </a:solidFill>
+              <a:effectLst>
+                <a:outerShdw blurRad="38100" dist="19050" dir="2700000" algn="tl" rotWithShape="0">
+                  <a:schemeClr val="dk1">
+                    <a:alpha val="40000"/>
+                  </a:schemeClr>
+                </a:outerShdw>
+              </a:effectLst>
+            </a:endParaRPr>
+          </a:p>
+        </p:txBody>
+      </p:sp>
+      <p:sp>
+        <p:nvSpPr>
+          <p:cNvPr id="43" name="Rechteck 42"/>
+          <p:cNvSpPr/>
+          <p:nvPr/>
+        </p:nvSpPr>
+        <p:spPr>
+          <a:xfrm>
+            <a:off x="3061249" y="4770478"/>
+            <a:ext cx="3358955" cy="523220"/>
+          </a:xfrm>
+          <a:prstGeom prst="rect">
+            <a:avLst/>
+          </a:prstGeom>
+          <a:noFill/>
+        </p:spPr>
+        <p:txBody>
+          <a:bodyPr wrap="square" lIns="91440" tIns="45720" rIns="91440" bIns="45720">
+            <a:spAutoFit/>
+          </a:bodyPr>
+          <a:lstStyle/>
+          <a:p>
+            <a:r>
+              <a:rPr lang="de-DE" sz="2800" dirty="0">
+                <a:ln w="0"/>
+                <a:effectLst>
+                  <a:outerShdw blurRad="38100" dist="19050" dir="2700000" algn="tl" rotWithShape="0">
+                    <a:schemeClr val="dk1">
+                      <a:alpha val="40000"/>
+                    </a:schemeClr>
+                  </a:outerShdw>
+                </a:effectLst>
+              </a:rPr>
+              <a:t>Name</a:t>
+            </a:r>
+            <a:endParaRPr lang="de-DE" sz="2800" b="0" cap="none" spc="0" dirty="0">
+              <a:ln w="0"/>
+              <a:solidFill>
+                <a:schemeClr val="tx1"/>
+              </a:solidFill>
+              <a:effectLst>
+                <a:outerShdw blurRad="38100" dist="19050" dir="2700000" algn="tl" rotWithShape="0">
+                  <a:schemeClr val="dk1">
+                    <a:alpha val="40000"/>
+                  </a:schemeClr>
+                </a:outerShdw>
+              </a:effectLst>
+            </a:endParaRPr>
+          </a:p>
+        </p:txBody>
+      </p:sp>
+      <p:sp>
+        <p:nvSpPr>
+          <p:cNvPr id="44" name="Rechteck 43"/>
+          <p:cNvSpPr/>
+          <p:nvPr/>
+        </p:nvSpPr>
+        <p:spPr>
+          <a:xfrm>
+            <a:off x="5777949" y="5978663"/>
+            <a:ext cx="1338468" cy="371061"/>
+          </a:xfrm>
+          <a:prstGeom prst="rect">
+            <a:avLst/>
+          </a:prstGeom>
+          <a:solidFill>
+            <a:srgbClr val="9ABEDF"/>
+          </a:solidFill>
+        </p:spPr>
+        <p:style>
+          <a:lnRef idx="2">
+            <a:schemeClr val="accent1">
+              <a:shade val="50000"/>
+            </a:schemeClr>
+          </a:lnRef>
+          <a:fillRef idx="1">
+            <a:schemeClr val="accent1"/>
+          </a:fillRef>
+          <a:effectRef idx="0">
+            <a:schemeClr val="accent1"/>
+          </a:effectRef>
+          <a:fontRef idx="minor">
+            <a:schemeClr val="lt1"/>
+          </a:fontRef>
+        </p:style>
+        <p:txBody>
+          <a:bodyPr rtlCol="0" anchor="ctr"/>
+          <a:lstStyle/>
+          <a:p>
+            <a:pPr algn="ctr"/>
+            <a:r>
+              <a:rPr lang="de-DE" dirty="0">
+                <a:solidFill>
+                  <a:schemeClr val="tx1"/>
+                </a:solidFill>
+              </a:rPr>
+              <a:t>Erstellen</a:t>
+            </a:r>
+          </a:p>
+        </p:txBody>
+      </p:sp>
+      <p:sp>
+        <p:nvSpPr>
+          <p:cNvPr id="45" name="Rechteck 44"/>
+          <p:cNvSpPr/>
+          <p:nvPr/>
+        </p:nvSpPr>
+        <p:spPr>
+          <a:xfrm>
+            <a:off x="3061252" y="5978664"/>
+            <a:ext cx="1470992" cy="371061"/>
+          </a:xfrm>
+          <a:prstGeom prst="rect">
+            <a:avLst/>
+          </a:prstGeom>
+          <a:solidFill>
+            <a:srgbClr val="9ABEDF"/>
+          </a:solidFill>
+        </p:spPr>
+        <p:style>
+          <a:lnRef idx="2">
+            <a:schemeClr val="accent1">
+              <a:shade val="50000"/>
+            </a:schemeClr>
+          </a:lnRef>
+          <a:fillRef idx="1">
+            <a:schemeClr val="accent1"/>
+          </a:fillRef>
+          <a:effectRef idx="0">
+            <a:schemeClr val="accent1"/>
+          </a:effectRef>
+          <a:fontRef idx="minor">
+            <a:schemeClr val="lt1"/>
+          </a:fontRef>
+        </p:style>
+        <p:txBody>
+          <a:bodyPr rtlCol="0" anchor="ctr"/>
+          <a:lstStyle/>
+          <a:p>
+            <a:pPr algn="ctr"/>
+            <a:r>
+              <a:rPr lang="de-DE" dirty="0">
+                <a:solidFill>
+                  <a:schemeClr val="tx1"/>
+                </a:solidFill>
+              </a:rPr>
+              <a:t>Zurücksetzen</a:t>
+            </a:r>
+          </a:p>
+        </p:txBody>
+      </p:sp>
+    </p:spTree>
+    <p:extLst>
+      <p:ext uri="{BB962C8B-B14F-4D97-AF65-F5344CB8AC3E}">
+        <p14:creationId xmlns:p14="http://schemas.microsoft.com/office/powerpoint/2010/main" val="4204518060"/>
+      </p:ext>
+    </p:extLst>
+  </p:cSld>
+  <p:clrMapOvr>
+    <a:masterClrMapping/>
+  </p:clrMapOvr>
+</p:sld>
+</file>
+
+<file path=ppt/slides/slide5.xml><?xml version="1.0" encoding="utf-8"?>
+<p:sld xmlns:a="http://schemas.openxmlformats.org/drawingml/2006/main" xmlns:r="http://schemas.openxmlformats.org/officeDocument/2006/relationships" xmlns:p="http://schemas.openxmlformats.org/presentationml/2006/main">
+  <p:cSld>
+    <p:spTree>
+      <p:nvGrpSpPr>
+        <p:cNvPr id="1" name=""/>
+        <p:cNvGrpSpPr/>
+        <p:nvPr/>
+      </p:nvGrpSpPr>
+      <p:grpSpPr>
+        <a:xfrm>
+          <a:off x="0" y="0"/>
+          <a:ext cx="0" cy="0"/>
+          <a:chOff x="0" y="0"/>
+          <a:chExt cx="0" cy="0"/>
+        </a:xfrm>
+      </p:grpSpPr>
+      <p:sp>
+        <p:nvSpPr>
+          <p:cNvPr id="14" name="Rechteck 13"/>
+          <p:cNvSpPr/>
+          <p:nvPr/>
+        </p:nvSpPr>
+        <p:spPr>
+          <a:xfrm>
+            <a:off x="0" y="620785"/>
+            <a:ext cx="1262543" cy="5972962"/>
+          </a:xfrm>
+          <a:prstGeom prst="rect">
+            <a:avLst/>
+          </a:prstGeom>
+          <a:solidFill>
+            <a:srgbClr val="9ABEDF"/>
+          </a:solidFill>
+          <a:ln>
+            <a:solidFill>
+              <a:srgbClr val="9ABEDF"/>
+            </a:solidFill>
+          </a:ln>
+        </p:spPr>
+        <p:style>
+          <a:lnRef idx="2">
+            <a:schemeClr val="accent1">
+              <a:shade val="50000"/>
+            </a:schemeClr>
+          </a:lnRef>
+          <a:fillRef idx="1">
+            <a:schemeClr val="accent1"/>
+          </a:fillRef>
+          <a:effectRef idx="0">
+            <a:schemeClr val="accent1"/>
+          </a:effectRef>
+          <a:fontRef idx="minor">
+            <a:schemeClr val="lt1"/>
+          </a:fontRef>
+        </p:style>
+        <p:txBody>
+          <a:bodyPr rtlCol="0" anchor="ctr"/>
+          <a:lstStyle/>
+          <a:p>
+            <a:pPr algn="ctr"/>
+            <a:endParaRPr lang="de-DE"/>
+          </a:p>
+        </p:txBody>
+      </p:sp>
+      <p:sp>
+        <p:nvSpPr>
+          <p:cNvPr id="5" name="Rechteck 4"/>
+          <p:cNvSpPr/>
+          <p:nvPr/>
+        </p:nvSpPr>
+        <p:spPr>
+          <a:xfrm>
+            <a:off x="0" y="6593747"/>
+            <a:ext cx="12192000" cy="264253"/>
+          </a:xfrm>
+          <a:prstGeom prst="rect">
+            <a:avLst/>
+          </a:prstGeom>
+          <a:solidFill>
+            <a:srgbClr val="9ABEDF"/>
+          </a:solidFill>
+          <a:ln>
+            <a:solidFill>
+              <a:srgbClr val="9ABEDF"/>
+            </a:solidFill>
+          </a:ln>
+        </p:spPr>
+        <p:style>
+          <a:lnRef idx="2">
+            <a:schemeClr val="accent1">
+              <a:shade val="50000"/>
+            </a:schemeClr>
+          </a:lnRef>
+          <a:fillRef idx="1">
+            <a:schemeClr val="accent1"/>
+          </a:fillRef>
+          <a:effectRef idx="0">
+            <a:schemeClr val="accent1"/>
+          </a:effectRef>
+          <a:fontRef idx="minor">
+            <a:schemeClr val="lt1"/>
+          </a:fontRef>
+        </p:style>
+        <p:txBody>
+          <a:bodyPr rtlCol="0" anchor="ctr"/>
+          <a:lstStyle/>
+          <a:p>
+            <a:pPr algn="ctr"/>
+            <a:endParaRPr lang="de-DE"/>
+          </a:p>
+        </p:txBody>
+      </p:sp>
+      <p:sp>
+        <p:nvSpPr>
+          <p:cNvPr id="8" name="Rechteck 7"/>
+          <p:cNvSpPr/>
+          <p:nvPr/>
+        </p:nvSpPr>
+        <p:spPr>
+          <a:xfrm>
+            <a:off x="11232859" y="6629399"/>
+            <a:ext cx="864066" cy="192947"/>
+          </a:xfrm>
+          <a:prstGeom prst="rect">
+            <a:avLst/>
+          </a:prstGeom>
+        </p:spPr>
+        <p:style>
+          <a:lnRef idx="2">
+            <a:schemeClr val="dk1"/>
+          </a:lnRef>
+          <a:fillRef idx="1">
+            <a:schemeClr val="lt1"/>
+          </a:fillRef>
+          <a:effectRef idx="0">
+            <a:schemeClr val="dk1"/>
+          </a:effectRef>
+          <a:fontRef idx="minor">
+            <a:schemeClr val="dk1"/>
+          </a:fontRef>
+        </p:style>
+        <p:txBody>
+          <a:bodyPr rtlCol="0" anchor="ctr"/>
+          <a:lstStyle/>
+          <a:p>
+            <a:pPr algn="ctr"/>
+            <a:r>
+              <a:rPr lang="de-DE" dirty="0"/>
+              <a:t>Hilfe</a:t>
+            </a:r>
+          </a:p>
+        </p:txBody>
+      </p:sp>
+      <p:sp>
+        <p:nvSpPr>
+          <p:cNvPr id="9" name="Rechteck 8"/>
+          <p:cNvSpPr/>
+          <p:nvPr/>
+        </p:nvSpPr>
+        <p:spPr>
+          <a:xfrm>
+            <a:off x="9571839" y="6629399"/>
+            <a:ext cx="1560352" cy="192947"/>
+          </a:xfrm>
+          <a:prstGeom prst="rect">
+            <a:avLst/>
+          </a:prstGeom>
+        </p:spPr>
+        <p:style>
+          <a:lnRef idx="2">
+            <a:schemeClr val="dk1"/>
+          </a:lnRef>
+          <a:fillRef idx="1">
+            <a:schemeClr val="lt1"/>
+          </a:fillRef>
+          <a:effectRef idx="0">
+            <a:schemeClr val="dk1"/>
+          </a:effectRef>
+          <a:fontRef idx="minor">
+            <a:schemeClr val="dk1"/>
+          </a:fontRef>
+        </p:style>
+        <p:txBody>
+          <a:bodyPr rtlCol="0" anchor="ctr"/>
+          <a:lstStyle/>
+          <a:p>
+            <a:pPr algn="ctr"/>
+            <a:r>
+              <a:rPr lang="de-DE" dirty="0"/>
+              <a:t>Kontakt/Ticket</a:t>
+            </a:r>
+          </a:p>
+        </p:txBody>
+      </p:sp>
+      <p:sp>
+        <p:nvSpPr>
+          <p:cNvPr id="23" name="Rechteck 22"/>
+          <p:cNvSpPr/>
+          <p:nvPr/>
+        </p:nvSpPr>
+        <p:spPr>
+          <a:xfrm>
+            <a:off x="134224" y="6629399"/>
+            <a:ext cx="1498023" cy="192947"/>
+          </a:xfrm>
+          <a:prstGeom prst="rect">
+            <a:avLst/>
+          </a:prstGeom>
+        </p:spPr>
+        <p:style>
+          <a:lnRef idx="2">
+            <a:schemeClr val="dk1"/>
+          </a:lnRef>
+          <a:fillRef idx="1">
+            <a:schemeClr val="lt1"/>
+          </a:fillRef>
+          <a:effectRef idx="0">
+            <a:schemeClr val="dk1"/>
+          </a:effectRef>
+          <a:fontRef idx="minor">
+            <a:schemeClr val="dk1"/>
+          </a:fontRef>
+        </p:style>
+        <p:txBody>
+          <a:bodyPr rtlCol="0" anchor="ctr"/>
+          <a:lstStyle/>
+          <a:p>
+            <a:pPr algn="ctr"/>
+            <a:r>
+              <a:rPr lang="de-DE" sz="1400" dirty="0">
+                <a:solidFill>
+                  <a:schemeClr val="tx1"/>
+                </a:solidFill>
+              </a:rPr>
+              <a:t>Link zur Schul-HP</a:t>
+            </a:r>
+          </a:p>
+        </p:txBody>
+      </p:sp>
+      <p:sp>
+        <p:nvSpPr>
+          <p:cNvPr id="24" name="Rechteck 23"/>
+          <p:cNvSpPr/>
+          <p:nvPr/>
+        </p:nvSpPr>
+        <p:spPr>
+          <a:xfrm>
+            <a:off x="20282" y="1461834"/>
+            <a:ext cx="1213658" cy="523220"/>
+          </a:xfrm>
+          <a:prstGeom prst="rect">
+            <a:avLst/>
+          </a:prstGeom>
+          <a:noFill/>
+        </p:spPr>
+        <p:txBody>
+          <a:bodyPr wrap="square" lIns="91440" tIns="45720" rIns="91440" bIns="45720">
+            <a:spAutoFit/>
+          </a:bodyPr>
+          <a:lstStyle/>
+          <a:p>
+            <a:pPr algn="ctr"/>
+            <a:r>
+              <a:rPr lang="de-DE" sz="1400" dirty="0">
+                <a:ln w="0"/>
+                <a:effectLst>
+                  <a:outerShdw blurRad="38100" dist="19050" dir="2700000" algn="tl" rotWithShape="0">
+                    <a:schemeClr val="dk1">
+                      <a:alpha val="40000"/>
+                    </a:schemeClr>
+                  </a:outerShdw>
+                </a:effectLst>
+              </a:rPr>
+              <a:t>Benutzer hinzufügen</a:t>
+            </a:r>
+            <a:endParaRPr lang="de-DE" sz="1400" b="0" cap="none" spc="0" dirty="0">
+              <a:ln w="0"/>
+              <a:solidFill>
+                <a:schemeClr val="tx1"/>
+              </a:solidFill>
+              <a:effectLst>
+                <a:outerShdw blurRad="38100" dist="19050" dir="2700000" algn="tl" rotWithShape="0">
+                  <a:schemeClr val="dk1">
+                    <a:alpha val="40000"/>
+                  </a:schemeClr>
+                </a:outerShdw>
+              </a:effectLst>
+            </a:endParaRPr>
+          </a:p>
+        </p:txBody>
+      </p:sp>
+      <p:sp>
+        <p:nvSpPr>
+          <p:cNvPr id="27" name="Rechteck 26"/>
+          <p:cNvSpPr/>
+          <p:nvPr/>
+        </p:nvSpPr>
+        <p:spPr>
+          <a:xfrm>
+            <a:off x="-118088" y="2141304"/>
+            <a:ext cx="1490398" cy="523220"/>
+          </a:xfrm>
+          <a:prstGeom prst="rect">
+            <a:avLst/>
+          </a:prstGeom>
+          <a:noFill/>
+        </p:spPr>
+        <p:txBody>
+          <a:bodyPr wrap="square" lIns="91440" tIns="45720" rIns="91440" bIns="45720">
+            <a:spAutoFit/>
+          </a:bodyPr>
+          <a:lstStyle/>
+          <a:p>
+            <a:pPr algn="ctr"/>
+            <a:r>
+              <a:rPr lang="de-DE" sz="1400" b="0" cap="none" spc="0" dirty="0">
+                <a:ln w="0"/>
+                <a:solidFill>
+                  <a:schemeClr val="tx1"/>
+                </a:solidFill>
+                <a:effectLst>
+                  <a:outerShdw blurRad="38100" dist="19050" dir="2700000" algn="tl" rotWithShape="0">
+                    <a:schemeClr val="dk1">
+                      <a:alpha val="40000"/>
+                    </a:schemeClr>
+                  </a:outerShdw>
+                </a:effectLst>
+              </a:rPr>
+              <a:t>Benutzerdaten ändern</a:t>
+            </a:r>
+          </a:p>
+        </p:txBody>
+      </p:sp>
+      <p:pic>
+        <p:nvPicPr>
+          <p:cNvPr id="30" name="Grafik 29"/>
+          <p:cNvPicPr>
+            <a:picLocks noChangeAspect="1"/>
+          </p:cNvPicPr>
+          <p:nvPr/>
+        </p:nvPicPr>
+        <p:blipFill>
+          <a:blip r:embed="rId2">
+            <a:extLst>
+              <a:ext uri="{28A0092B-C50C-407E-A947-70E740481C1C}">
+                <a14:useLocalDpi xmlns:a14="http://schemas.microsoft.com/office/drawing/2010/main" val="0"/>
+              </a:ext>
+            </a:extLst>
+          </a:blip>
+          <a:stretch>
+            <a:fillRect/>
+          </a:stretch>
+        </p:blipFill>
+        <p:spPr>
+          <a:xfrm>
+            <a:off x="210281" y="63397"/>
+            <a:ext cx="1130694" cy="493394"/>
+          </a:xfrm>
+          <a:prstGeom prst="rect">
+            <a:avLst/>
+          </a:prstGeom>
+        </p:spPr>
+      </p:pic>
+      <p:sp>
+        <p:nvSpPr>
+          <p:cNvPr id="31" name="Rechteck 30"/>
+          <p:cNvSpPr/>
+          <p:nvPr/>
+        </p:nvSpPr>
+        <p:spPr>
+          <a:xfrm>
+            <a:off x="1484244" y="0"/>
+            <a:ext cx="10707756" cy="620785"/>
+          </a:xfrm>
+          <a:prstGeom prst="rect">
+            <a:avLst/>
+          </a:prstGeom>
+          <a:solidFill>
+            <a:srgbClr val="9ABEDF"/>
+          </a:solidFill>
+          <a:ln>
+            <a:solidFill>
+              <a:srgbClr val="9ABEDF"/>
+            </a:solidFill>
+          </a:ln>
+        </p:spPr>
+        <p:style>
+          <a:lnRef idx="2">
+            <a:schemeClr val="accent3"/>
+          </a:lnRef>
+          <a:fillRef idx="1">
+            <a:schemeClr val="lt1"/>
+          </a:fillRef>
+          <a:effectRef idx="0">
+            <a:schemeClr val="accent3"/>
+          </a:effectRef>
+          <a:fontRef idx="minor">
+            <a:schemeClr val="dk1"/>
+          </a:fontRef>
+        </p:style>
+        <p:txBody>
+          <a:bodyPr rtlCol="0" anchor="ctr"/>
+          <a:lstStyle/>
+          <a:p>
+            <a:pPr algn="ctr"/>
+            <a:endParaRPr lang="de-DE"/>
+          </a:p>
+        </p:txBody>
+      </p:sp>
+      <p:sp>
+        <p:nvSpPr>
+          <p:cNvPr id="32" name="Rechteck 31"/>
+          <p:cNvSpPr/>
+          <p:nvPr/>
+        </p:nvSpPr>
+        <p:spPr>
+          <a:xfrm>
+            <a:off x="20282" y="782364"/>
+            <a:ext cx="1213658" cy="523220"/>
+          </a:xfrm>
+          <a:prstGeom prst="rect">
+            <a:avLst/>
+          </a:prstGeom>
+          <a:noFill/>
+        </p:spPr>
+        <p:txBody>
+          <a:bodyPr wrap="square" lIns="91440" tIns="45720" rIns="91440" bIns="45720">
+            <a:spAutoFit/>
+          </a:bodyPr>
+          <a:lstStyle/>
+          <a:p>
+            <a:pPr algn="ctr"/>
+            <a:r>
+              <a:rPr lang="de-DE" sz="1400" dirty="0">
+                <a:ln w="0"/>
+                <a:effectLst>
+                  <a:outerShdw blurRad="38100" dist="19050" dir="2700000" algn="tl" rotWithShape="0">
+                    <a:schemeClr val="dk1">
+                      <a:alpha val="40000"/>
+                    </a:schemeClr>
+                  </a:outerShdw>
+                </a:effectLst>
+              </a:rPr>
+              <a:t>Benutzer-</a:t>
+            </a:r>
+          </a:p>
+          <a:p>
+            <a:pPr algn="ctr"/>
+            <a:r>
+              <a:rPr lang="de-DE" sz="1400" b="0" cap="none" spc="0" dirty="0">
+                <a:ln w="0"/>
+                <a:solidFill>
+                  <a:schemeClr val="tx1"/>
+                </a:solidFill>
+                <a:effectLst>
+                  <a:outerShdw blurRad="38100" dist="19050" dir="2700000" algn="tl" rotWithShape="0">
+                    <a:schemeClr val="dk1">
+                      <a:alpha val="40000"/>
+                    </a:schemeClr>
+                  </a:outerShdw>
+                </a:effectLst>
+              </a:rPr>
+              <a:t>Liste</a:t>
+            </a:r>
+          </a:p>
+        </p:txBody>
+      </p:sp>
+      <p:sp>
+        <p:nvSpPr>
+          <p:cNvPr id="15" name="Rechteck 14"/>
+          <p:cNvSpPr/>
+          <p:nvPr/>
+        </p:nvSpPr>
+        <p:spPr>
+          <a:xfrm>
+            <a:off x="3061252" y="2317415"/>
+            <a:ext cx="4055165" cy="357809"/>
+          </a:xfrm>
+          <a:prstGeom prst="rect">
+            <a:avLst/>
+          </a:prstGeom>
+          <a:ln>
+            <a:solidFill>
+              <a:schemeClr val="tx1"/>
+            </a:solidFill>
+          </a:ln>
+        </p:spPr>
+        <p:style>
+          <a:lnRef idx="2">
+            <a:schemeClr val="accent6"/>
+          </a:lnRef>
+          <a:fillRef idx="1">
+            <a:schemeClr val="lt1"/>
+          </a:fillRef>
+          <a:effectRef idx="0">
+            <a:schemeClr val="accent6"/>
+          </a:effectRef>
+          <a:fontRef idx="minor">
+            <a:schemeClr val="dk1"/>
+          </a:fontRef>
+        </p:style>
+        <p:txBody>
+          <a:bodyPr rtlCol="0" anchor="ctr"/>
+          <a:lstStyle/>
+          <a:p>
+            <a:pPr algn="ctr"/>
+            <a:endParaRPr lang="de-DE"/>
+          </a:p>
+        </p:txBody>
+      </p:sp>
+      <p:sp>
+        <p:nvSpPr>
+          <p:cNvPr id="17" name="Rechteck 16"/>
+          <p:cNvSpPr/>
+          <p:nvPr/>
+        </p:nvSpPr>
+        <p:spPr>
+          <a:xfrm>
+            <a:off x="3061252" y="3300751"/>
+            <a:ext cx="4055165" cy="357809"/>
+          </a:xfrm>
+          <a:prstGeom prst="rect">
+            <a:avLst/>
+          </a:prstGeom>
+          <a:ln>
+            <a:solidFill>
+              <a:schemeClr val="tx1"/>
+            </a:solidFill>
+          </a:ln>
+        </p:spPr>
+        <p:style>
+          <a:lnRef idx="2">
+            <a:schemeClr val="accent6"/>
+          </a:lnRef>
+          <a:fillRef idx="1">
+            <a:schemeClr val="lt1"/>
+          </a:fillRef>
+          <a:effectRef idx="0">
+            <a:schemeClr val="accent6"/>
+          </a:effectRef>
+          <a:fontRef idx="minor">
+            <a:schemeClr val="dk1"/>
+          </a:fontRef>
+        </p:style>
+        <p:txBody>
+          <a:bodyPr rtlCol="0" anchor="ctr"/>
+          <a:lstStyle/>
+          <a:p>
+            <a:pPr algn="ctr"/>
+            <a:endParaRPr lang="de-DE" dirty="0"/>
+          </a:p>
+        </p:txBody>
+      </p:sp>
+      <p:sp>
+        <p:nvSpPr>
+          <p:cNvPr id="18" name="Rechteck 17"/>
+          <p:cNvSpPr/>
+          <p:nvPr/>
+        </p:nvSpPr>
+        <p:spPr>
+          <a:xfrm>
+            <a:off x="3061252" y="1767104"/>
+            <a:ext cx="3358955" cy="523220"/>
+          </a:xfrm>
+          <a:prstGeom prst="rect">
+            <a:avLst/>
+          </a:prstGeom>
+          <a:noFill/>
+        </p:spPr>
+        <p:txBody>
+          <a:bodyPr wrap="square" lIns="91440" tIns="45720" rIns="91440" bIns="45720">
+            <a:spAutoFit/>
+          </a:bodyPr>
+          <a:lstStyle/>
+          <a:p>
+            <a:r>
+              <a:rPr lang="de-DE" sz="2800" dirty="0">
+                <a:ln w="0"/>
+                <a:effectLst>
+                  <a:outerShdw blurRad="38100" dist="19050" dir="2700000" algn="tl" rotWithShape="0">
+                    <a:schemeClr val="dk1">
+                      <a:alpha val="40000"/>
+                    </a:schemeClr>
+                  </a:outerShdw>
+                </a:effectLst>
+              </a:rPr>
+              <a:t>Benutzername</a:t>
+            </a:r>
+            <a:endParaRPr lang="de-DE" sz="2800" b="0" cap="none" spc="0" dirty="0">
+              <a:ln w="0"/>
+              <a:solidFill>
+                <a:schemeClr val="tx1"/>
+              </a:solidFill>
+              <a:effectLst>
+                <a:outerShdw blurRad="38100" dist="19050" dir="2700000" algn="tl" rotWithShape="0">
+                  <a:schemeClr val="dk1">
+                    <a:alpha val="40000"/>
+                  </a:schemeClr>
+                </a:outerShdw>
+              </a:effectLst>
+            </a:endParaRPr>
+          </a:p>
+        </p:txBody>
+      </p:sp>
+      <p:sp>
+        <p:nvSpPr>
+          <p:cNvPr id="19" name="Rechteck 18"/>
+          <p:cNvSpPr/>
+          <p:nvPr/>
+        </p:nvSpPr>
+        <p:spPr>
+          <a:xfrm>
+            <a:off x="3061251" y="2772077"/>
+            <a:ext cx="3358955" cy="523220"/>
+          </a:xfrm>
+          <a:prstGeom prst="rect">
+            <a:avLst/>
+          </a:prstGeom>
+          <a:noFill/>
+        </p:spPr>
+        <p:txBody>
+          <a:bodyPr wrap="square" lIns="91440" tIns="45720" rIns="91440" bIns="45720">
+            <a:spAutoFit/>
+          </a:bodyPr>
+          <a:lstStyle/>
+          <a:p>
+            <a:r>
+              <a:rPr lang="de-DE" sz="2800" dirty="0">
+                <a:ln w="0"/>
+                <a:effectLst>
+                  <a:outerShdw blurRad="38100" dist="19050" dir="2700000" algn="tl" rotWithShape="0">
+                    <a:schemeClr val="dk1">
+                      <a:alpha val="40000"/>
+                    </a:schemeClr>
+                  </a:outerShdw>
+                </a:effectLst>
+              </a:rPr>
+              <a:t>Passwort</a:t>
+            </a:r>
+            <a:endParaRPr lang="de-DE" sz="2800" b="0" cap="none" spc="0" dirty="0">
+              <a:ln w="0"/>
+              <a:solidFill>
+                <a:schemeClr val="tx1"/>
+              </a:solidFill>
+              <a:effectLst>
+                <a:outerShdw blurRad="38100" dist="19050" dir="2700000" algn="tl" rotWithShape="0">
+                  <a:schemeClr val="dk1">
+                    <a:alpha val="40000"/>
+                  </a:schemeClr>
+                </a:outerShdw>
+              </a:effectLst>
+            </a:endParaRPr>
+          </a:p>
+        </p:txBody>
+      </p:sp>
+      <p:sp>
+        <p:nvSpPr>
+          <p:cNvPr id="20" name="Rechteck 19"/>
+          <p:cNvSpPr/>
+          <p:nvPr/>
+        </p:nvSpPr>
+        <p:spPr>
+          <a:xfrm>
+            <a:off x="3061252" y="4320560"/>
+            <a:ext cx="4055165" cy="357809"/>
+          </a:xfrm>
+          <a:prstGeom prst="rect">
+            <a:avLst/>
+          </a:prstGeom>
+          <a:ln>
+            <a:solidFill>
+              <a:schemeClr val="tx1"/>
+            </a:solidFill>
+          </a:ln>
+        </p:spPr>
+        <p:style>
+          <a:lnRef idx="2">
+            <a:schemeClr val="accent6"/>
+          </a:lnRef>
+          <a:fillRef idx="1">
+            <a:schemeClr val="lt1"/>
+          </a:fillRef>
+          <a:effectRef idx="0">
+            <a:schemeClr val="accent6"/>
+          </a:effectRef>
+          <a:fontRef idx="minor">
+            <a:schemeClr val="dk1"/>
+          </a:fontRef>
+        </p:style>
+        <p:txBody>
+          <a:bodyPr rtlCol="0" anchor="ctr"/>
+          <a:lstStyle/>
+          <a:p>
+            <a:pPr algn="ctr"/>
+            <a:endParaRPr lang="de-DE"/>
+          </a:p>
+        </p:txBody>
+      </p:sp>
+      <p:sp>
+        <p:nvSpPr>
+          <p:cNvPr id="21" name="Rechteck 20"/>
+          <p:cNvSpPr/>
+          <p:nvPr/>
+        </p:nvSpPr>
+        <p:spPr>
+          <a:xfrm>
+            <a:off x="3061252" y="5303896"/>
+            <a:ext cx="4055165" cy="357809"/>
+          </a:xfrm>
+          <a:prstGeom prst="rect">
+            <a:avLst/>
+          </a:prstGeom>
+          <a:ln>
+            <a:solidFill>
+              <a:schemeClr val="tx1"/>
+            </a:solidFill>
+          </a:ln>
+        </p:spPr>
+        <p:style>
+          <a:lnRef idx="2">
+            <a:schemeClr val="accent6"/>
+          </a:lnRef>
+          <a:fillRef idx="1">
+            <a:schemeClr val="lt1"/>
+          </a:fillRef>
+          <a:effectRef idx="0">
+            <a:schemeClr val="accent6"/>
+          </a:effectRef>
+          <a:fontRef idx="minor">
+            <a:schemeClr val="dk1"/>
+          </a:fontRef>
+        </p:style>
+        <p:txBody>
+          <a:bodyPr rtlCol="0" anchor="ctr"/>
+          <a:lstStyle/>
+          <a:p>
+            <a:pPr algn="ctr"/>
+            <a:endParaRPr lang="de-DE" dirty="0"/>
+          </a:p>
+        </p:txBody>
+      </p:sp>
+      <p:sp>
+        <p:nvSpPr>
+          <p:cNvPr id="22" name="Rechteck 21"/>
+          <p:cNvSpPr/>
+          <p:nvPr/>
+        </p:nvSpPr>
+        <p:spPr>
+          <a:xfrm>
+            <a:off x="3061250" y="3822987"/>
+            <a:ext cx="3358955" cy="523220"/>
+          </a:xfrm>
+          <a:prstGeom prst="rect">
+            <a:avLst/>
+          </a:prstGeom>
+          <a:noFill/>
+        </p:spPr>
+        <p:txBody>
+          <a:bodyPr wrap="square" lIns="91440" tIns="45720" rIns="91440" bIns="45720">
+            <a:spAutoFit/>
+          </a:bodyPr>
+          <a:lstStyle/>
+          <a:p>
+            <a:r>
+              <a:rPr lang="de-DE" sz="2800" dirty="0">
+                <a:ln w="0"/>
+                <a:effectLst>
+                  <a:outerShdw blurRad="38100" dist="19050" dir="2700000" algn="tl" rotWithShape="0">
+                    <a:schemeClr val="dk1">
+                      <a:alpha val="40000"/>
+                    </a:schemeClr>
+                  </a:outerShdw>
+                </a:effectLst>
+              </a:rPr>
+              <a:t>Adresse</a:t>
+            </a:r>
+            <a:endParaRPr lang="de-DE" sz="2800" b="0" cap="none" spc="0" dirty="0">
+              <a:ln w="0"/>
+              <a:solidFill>
+                <a:schemeClr val="tx1"/>
+              </a:solidFill>
+              <a:effectLst>
+                <a:outerShdw blurRad="38100" dist="19050" dir="2700000" algn="tl" rotWithShape="0">
+                  <a:schemeClr val="dk1">
+                    <a:alpha val="40000"/>
+                  </a:schemeClr>
+                </a:outerShdw>
+              </a:effectLst>
+            </a:endParaRPr>
+          </a:p>
+        </p:txBody>
+      </p:sp>
+      <p:sp>
+        <p:nvSpPr>
+          <p:cNvPr id="25" name="Rechteck 24"/>
+          <p:cNvSpPr/>
+          <p:nvPr/>
+        </p:nvSpPr>
+        <p:spPr>
+          <a:xfrm>
+            <a:off x="3061249" y="4770478"/>
+            <a:ext cx="3358955" cy="523220"/>
+          </a:xfrm>
+          <a:prstGeom prst="rect">
+            <a:avLst/>
+          </a:prstGeom>
+          <a:noFill/>
+        </p:spPr>
+        <p:txBody>
+          <a:bodyPr wrap="square" lIns="91440" tIns="45720" rIns="91440" bIns="45720">
+            <a:spAutoFit/>
+          </a:bodyPr>
+          <a:lstStyle/>
+          <a:p>
+            <a:r>
+              <a:rPr lang="de-DE" sz="2800" dirty="0">
+                <a:ln w="0"/>
+                <a:effectLst>
+                  <a:outerShdw blurRad="38100" dist="19050" dir="2700000" algn="tl" rotWithShape="0">
+                    <a:schemeClr val="dk1">
+                      <a:alpha val="40000"/>
+                    </a:schemeClr>
+                  </a:outerShdw>
+                </a:effectLst>
+              </a:rPr>
+              <a:t>Name</a:t>
+            </a:r>
+            <a:endParaRPr lang="de-DE" sz="2800" b="0" cap="none" spc="0" dirty="0">
+              <a:ln w="0"/>
+              <a:solidFill>
+                <a:schemeClr val="tx1"/>
+              </a:solidFill>
+              <a:effectLst>
+                <a:outerShdw blurRad="38100" dist="19050" dir="2700000" algn="tl" rotWithShape="0">
+                  <a:schemeClr val="dk1">
+                    <a:alpha val="40000"/>
+                  </a:schemeClr>
+                </a:outerShdw>
+              </a:effectLst>
+            </a:endParaRPr>
+          </a:p>
+        </p:txBody>
+      </p:sp>
+      <p:sp>
+        <p:nvSpPr>
+          <p:cNvPr id="26" name="Rechteck 25"/>
+          <p:cNvSpPr/>
+          <p:nvPr/>
+        </p:nvSpPr>
+        <p:spPr>
+          <a:xfrm>
+            <a:off x="5777949" y="5978663"/>
+            <a:ext cx="1338468" cy="371061"/>
+          </a:xfrm>
+          <a:prstGeom prst="rect">
+            <a:avLst/>
+          </a:prstGeom>
+          <a:solidFill>
+            <a:srgbClr val="9ABEDF"/>
+          </a:solidFill>
+        </p:spPr>
+        <p:style>
+          <a:lnRef idx="2">
+            <a:schemeClr val="accent1">
+              <a:shade val="50000"/>
+            </a:schemeClr>
+          </a:lnRef>
+          <a:fillRef idx="1">
+            <a:schemeClr val="accent1"/>
+          </a:fillRef>
+          <a:effectRef idx="0">
+            <a:schemeClr val="accent1"/>
+          </a:effectRef>
+          <a:fontRef idx="minor">
+            <a:schemeClr val="lt1"/>
+          </a:fontRef>
+        </p:style>
+        <p:txBody>
+          <a:bodyPr rtlCol="0" anchor="ctr"/>
+          <a:lstStyle/>
+          <a:p>
+            <a:pPr algn="ctr"/>
+            <a:r>
+              <a:rPr lang="de-DE" dirty="0">
+                <a:solidFill>
+                  <a:schemeClr val="tx1"/>
+                </a:solidFill>
+              </a:rPr>
+              <a:t>Ändern</a:t>
+            </a:r>
+          </a:p>
+        </p:txBody>
+      </p:sp>
+      <p:sp>
+        <p:nvSpPr>
+          <p:cNvPr id="28" name="Rechteck 27"/>
+          <p:cNvSpPr/>
+          <p:nvPr/>
+        </p:nvSpPr>
+        <p:spPr>
+          <a:xfrm>
+            <a:off x="3061252" y="5978664"/>
+            <a:ext cx="1470992" cy="371061"/>
+          </a:xfrm>
+          <a:prstGeom prst="rect">
+            <a:avLst/>
+          </a:prstGeom>
+          <a:solidFill>
+            <a:srgbClr val="9ABEDF"/>
+          </a:solidFill>
+        </p:spPr>
+        <p:style>
+          <a:lnRef idx="2">
+            <a:schemeClr val="accent1">
+              <a:shade val="50000"/>
+            </a:schemeClr>
+          </a:lnRef>
+          <a:fillRef idx="1">
+            <a:schemeClr val="accent1"/>
+          </a:fillRef>
+          <a:effectRef idx="0">
+            <a:schemeClr val="accent1"/>
+          </a:effectRef>
+          <a:fontRef idx="minor">
+            <a:schemeClr val="lt1"/>
+          </a:fontRef>
+        </p:style>
+        <p:txBody>
+          <a:bodyPr rtlCol="0" anchor="ctr"/>
+          <a:lstStyle/>
+          <a:p>
+            <a:pPr algn="ctr"/>
+            <a:r>
+              <a:rPr lang="de-DE" dirty="0">
+                <a:solidFill>
+                  <a:schemeClr val="tx1"/>
+                </a:solidFill>
+              </a:rPr>
+              <a:t>Zurücksetzen</a:t>
+            </a:r>
+          </a:p>
+        </p:txBody>
+      </p:sp>
+      <p:sp>
+        <p:nvSpPr>
+          <p:cNvPr id="29" name="Rechteck 28"/>
+          <p:cNvSpPr/>
+          <p:nvPr/>
+        </p:nvSpPr>
+        <p:spPr>
+          <a:xfrm>
+            <a:off x="1632247" y="718144"/>
+            <a:ext cx="4028190" cy="646331"/>
+          </a:xfrm>
+          <a:prstGeom prst="rect">
+            <a:avLst/>
+          </a:prstGeom>
+          <a:noFill/>
+        </p:spPr>
+        <p:txBody>
+          <a:bodyPr wrap="square" lIns="91440" tIns="45720" rIns="91440" bIns="45720">
+            <a:spAutoFit/>
+          </a:bodyPr>
+          <a:lstStyle/>
+          <a:p>
+            <a:r>
+              <a:rPr lang="de-DE" sz="3600" b="0" cap="none" spc="0" dirty="0">
+                <a:ln w="0"/>
+                <a:solidFill>
+                  <a:schemeClr val="tx1"/>
+                </a:solidFill>
+                <a:effectLst>
+                  <a:outerShdw blurRad="38100" dist="19050" dir="2700000" algn="tl" rotWithShape="0">
+                    <a:schemeClr val="dk1">
+                      <a:alpha val="40000"/>
+                    </a:schemeClr>
+                  </a:outerShdw>
+                </a:effectLst>
+              </a:rPr>
+              <a:t>Benutzer</a:t>
+            </a:r>
+            <a:r>
+              <a:rPr lang="de-DE" sz="3600" dirty="0">
+                <a:ln w="0"/>
+                <a:effectLst>
+                  <a:outerShdw blurRad="38100" dist="19050" dir="2700000" algn="tl" rotWithShape="0">
+                    <a:schemeClr val="dk1">
+                      <a:alpha val="40000"/>
+                    </a:schemeClr>
+                  </a:outerShdw>
+                </a:effectLst>
+              </a:rPr>
+              <a:t>verwaltung</a:t>
+            </a:r>
+            <a:endParaRPr lang="de-DE" sz="3600" b="0" cap="none" spc="0" dirty="0">
+              <a:ln w="0"/>
+              <a:solidFill>
+                <a:schemeClr val="tx1"/>
+              </a:solidFill>
+              <a:effectLst>
+                <a:outerShdw blurRad="38100" dist="19050" dir="2700000" algn="tl" rotWithShape="0">
+                  <a:schemeClr val="dk1">
+                    <a:alpha val="40000"/>
+                  </a:schemeClr>
+                </a:outerShdw>
+              </a:effectLst>
+            </a:endParaRPr>
+          </a:p>
+        </p:txBody>
+      </p:sp>
+      <p:sp>
+        <p:nvSpPr>
+          <p:cNvPr id="33" name="Rechteck 32"/>
+          <p:cNvSpPr/>
+          <p:nvPr/>
+        </p:nvSpPr>
+        <p:spPr>
+          <a:xfrm>
+            <a:off x="1906271" y="1255654"/>
+            <a:ext cx="2625973" cy="400110"/>
+          </a:xfrm>
+          <a:prstGeom prst="rect">
+            <a:avLst/>
+          </a:prstGeom>
+          <a:noFill/>
+        </p:spPr>
+        <p:txBody>
+          <a:bodyPr wrap="square" lIns="91440" tIns="45720" rIns="91440" bIns="45720">
+            <a:spAutoFit/>
+          </a:bodyPr>
+          <a:lstStyle/>
+          <a:p>
+            <a:r>
+              <a:rPr lang="de-DE" sz="2000" dirty="0">
+                <a:ln w="0"/>
+                <a:effectLst>
+                  <a:outerShdw blurRad="38100" dist="19050" dir="2700000" algn="tl" rotWithShape="0">
+                    <a:schemeClr val="dk1">
+                      <a:alpha val="40000"/>
+                    </a:schemeClr>
+                  </a:outerShdw>
+                </a:effectLst>
+              </a:rPr>
+              <a:t>Benutzerdaten ändern</a:t>
+            </a:r>
+            <a:endParaRPr lang="de-DE" sz="2000" b="0" cap="none" spc="0" dirty="0">
+              <a:ln w="0"/>
+              <a:solidFill>
+                <a:schemeClr val="tx1"/>
+              </a:solidFill>
+              <a:effectLst>
+                <a:outerShdw blurRad="38100" dist="19050" dir="2700000" algn="tl" rotWithShape="0">
+                  <a:schemeClr val="dk1">
+                    <a:alpha val="40000"/>
+                  </a:schemeClr>
+                </a:outerShdw>
+              </a:effectLst>
+            </a:endParaRPr>
+          </a:p>
+        </p:txBody>
+      </p:sp>
+      <p:sp>
+        <p:nvSpPr>
+          <p:cNvPr id="35" name="Rechteck 34"/>
+          <p:cNvSpPr/>
+          <p:nvPr/>
+        </p:nvSpPr>
+        <p:spPr>
+          <a:xfrm>
+            <a:off x="-118088" y="2822436"/>
+            <a:ext cx="1490398" cy="523220"/>
+          </a:xfrm>
+          <a:prstGeom prst="rect">
+            <a:avLst/>
+          </a:prstGeom>
+          <a:noFill/>
+        </p:spPr>
+        <p:txBody>
+          <a:bodyPr wrap="square" lIns="91440" tIns="45720" rIns="91440" bIns="45720">
+            <a:spAutoFit/>
+          </a:bodyPr>
+          <a:lstStyle/>
+          <a:p>
+            <a:pPr algn="ctr"/>
+            <a:r>
+              <a:rPr lang="de-DE" sz="1400" b="0" cap="none" spc="0" dirty="0">
+                <a:ln w="0"/>
+                <a:solidFill>
+                  <a:schemeClr val="tx1"/>
+                </a:solidFill>
+                <a:effectLst>
+                  <a:outerShdw blurRad="38100" dist="19050" dir="2700000" algn="tl" rotWithShape="0">
+                    <a:schemeClr val="dk1">
+                      <a:alpha val="40000"/>
+                    </a:schemeClr>
+                  </a:outerShdw>
+                </a:effectLst>
+              </a:rPr>
+              <a:t>Benutzer </a:t>
+            </a:r>
+          </a:p>
+          <a:p>
+            <a:pPr algn="ctr"/>
+            <a:r>
+              <a:rPr lang="de-DE" sz="1400" dirty="0">
+                <a:ln w="0"/>
+                <a:effectLst>
+                  <a:outerShdw blurRad="38100" dist="19050" dir="2700000" algn="tl" rotWithShape="0">
+                    <a:schemeClr val="dk1">
+                      <a:alpha val="40000"/>
+                    </a:schemeClr>
+                  </a:outerShdw>
+                </a:effectLst>
+              </a:rPr>
+              <a:t>löschen</a:t>
+            </a:r>
+            <a:endParaRPr lang="de-DE" sz="1400" b="0" cap="none" spc="0" dirty="0">
+              <a:ln w="0"/>
+              <a:solidFill>
+                <a:schemeClr val="tx1"/>
+              </a:solidFill>
+              <a:effectLst>
+                <a:outerShdw blurRad="38100" dist="19050" dir="2700000" algn="tl" rotWithShape="0">
+                  <a:schemeClr val="dk1">
+                    <a:alpha val="40000"/>
+                  </a:schemeClr>
+                </a:outerShdw>
+              </a:effectLst>
+            </a:endParaRPr>
+          </a:p>
+        </p:txBody>
+      </p:sp>
+    </p:spTree>
+    <p:extLst>
+      <p:ext uri="{BB962C8B-B14F-4D97-AF65-F5344CB8AC3E}">
+        <p14:creationId xmlns:p14="http://schemas.microsoft.com/office/powerpoint/2010/main" val="3899658924"/>
+      </p:ext>
+    </p:extLst>
+  </p:cSld>
+  <p:clrMapOvr>
+    <a:masterClrMapping/>
+  </p:clrMapOvr>
+</p:sld>
+</file>
+
+<file path=ppt/slides/slide6.xml><?xml version="1.0" encoding="utf-8"?>
+<p:sld xmlns:a="http://schemas.openxmlformats.org/drawingml/2006/main" xmlns:r="http://schemas.openxmlformats.org/officeDocument/2006/relationships" xmlns:p="http://schemas.openxmlformats.org/presentationml/2006/main">
+  <p:cSld>
+    <p:spTree>
+      <p:nvGrpSpPr>
+        <p:cNvPr id="1" name=""/>
+        <p:cNvGrpSpPr/>
+        <p:nvPr/>
+      </p:nvGrpSpPr>
+      <p:grpSpPr>
+        <a:xfrm>
+          <a:off x="0" y="0"/>
+          <a:ext cx="0" cy="0"/>
+          <a:chOff x="0" y="0"/>
+          <a:chExt cx="0" cy="0"/>
+        </a:xfrm>
+      </p:grpSpPr>
+      <p:sp>
+        <p:nvSpPr>
+          <p:cNvPr id="14" name="Rechteck 13"/>
+          <p:cNvSpPr/>
+          <p:nvPr/>
+        </p:nvSpPr>
+        <p:spPr>
+          <a:xfrm>
+            <a:off x="0" y="620785"/>
+            <a:ext cx="1262543" cy="5972962"/>
+          </a:xfrm>
+          <a:prstGeom prst="rect">
+            <a:avLst/>
+          </a:prstGeom>
+          <a:solidFill>
+            <a:srgbClr val="9ABEDF"/>
+          </a:solidFill>
+          <a:ln>
+            <a:solidFill>
+              <a:srgbClr val="9ABEDF"/>
+            </a:solidFill>
+          </a:ln>
+        </p:spPr>
+        <p:style>
+          <a:lnRef idx="2">
+            <a:schemeClr val="accent1">
+              <a:shade val="50000"/>
+            </a:schemeClr>
+          </a:lnRef>
+          <a:fillRef idx="1">
+            <a:schemeClr val="accent1"/>
+          </a:fillRef>
+          <a:effectRef idx="0">
+            <a:schemeClr val="accent1"/>
+          </a:effectRef>
+          <a:fontRef idx="minor">
+            <a:schemeClr val="lt1"/>
+          </a:fontRef>
+        </p:style>
+        <p:txBody>
+          <a:bodyPr rtlCol="0" anchor="ctr"/>
+          <a:lstStyle/>
+          <a:p>
+            <a:pPr algn="ctr"/>
+            <a:endParaRPr lang="de-DE"/>
+          </a:p>
+        </p:txBody>
+      </p:sp>
+      <p:sp>
+        <p:nvSpPr>
+          <p:cNvPr id="5" name="Rechteck 4"/>
+          <p:cNvSpPr/>
+          <p:nvPr/>
+        </p:nvSpPr>
+        <p:spPr>
+          <a:xfrm>
+            <a:off x="0" y="6593747"/>
+            <a:ext cx="12192000" cy="264253"/>
+          </a:xfrm>
+          <a:prstGeom prst="rect">
+            <a:avLst/>
+          </a:prstGeom>
+          <a:solidFill>
+            <a:srgbClr val="9ABEDF"/>
+          </a:solidFill>
+          <a:ln>
+            <a:solidFill>
+              <a:srgbClr val="9ABEDF"/>
+            </a:solidFill>
+          </a:ln>
+        </p:spPr>
+        <p:style>
+          <a:lnRef idx="2">
+            <a:schemeClr val="accent1">
+              <a:shade val="50000"/>
+            </a:schemeClr>
+          </a:lnRef>
+          <a:fillRef idx="1">
+            <a:schemeClr val="accent1"/>
+          </a:fillRef>
+          <a:effectRef idx="0">
+            <a:schemeClr val="accent1"/>
+          </a:effectRef>
+          <a:fontRef idx="minor">
+            <a:schemeClr val="lt1"/>
+          </a:fontRef>
+        </p:style>
+        <p:txBody>
+          <a:bodyPr rtlCol="0" anchor="ctr"/>
+          <a:lstStyle/>
+          <a:p>
+            <a:pPr algn="ctr"/>
+            <a:endParaRPr lang="de-DE"/>
+          </a:p>
+        </p:txBody>
+      </p:sp>
+      <p:sp>
+        <p:nvSpPr>
+          <p:cNvPr id="8" name="Rechteck 7"/>
+          <p:cNvSpPr/>
+          <p:nvPr/>
+        </p:nvSpPr>
+        <p:spPr>
+          <a:xfrm>
+            <a:off x="11232859" y="6629399"/>
+            <a:ext cx="864066" cy="192947"/>
+          </a:xfrm>
+          <a:prstGeom prst="rect">
+            <a:avLst/>
+          </a:prstGeom>
+        </p:spPr>
+        <p:style>
+          <a:lnRef idx="2">
+            <a:schemeClr val="dk1"/>
+          </a:lnRef>
+          <a:fillRef idx="1">
+            <a:schemeClr val="lt1"/>
+          </a:fillRef>
+          <a:effectRef idx="0">
+            <a:schemeClr val="dk1"/>
+          </a:effectRef>
+          <a:fontRef idx="minor">
+            <a:schemeClr val="dk1"/>
+          </a:fontRef>
+        </p:style>
+        <p:txBody>
+          <a:bodyPr rtlCol="0" anchor="ctr"/>
+          <a:lstStyle/>
+          <a:p>
+            <a:pPr algn="ctr"/>
+            <a:r>
+              <a:rPr lang="de-DE" dirty="0"/>
+              <a:t>Hilfe</a:t>
+            </a:r>
+          </a:p>
+        </p:txBody>
+      </p:sp>
+      <p:sp>
+        <p:nvSpPr>
+          <p:cNvPr id="9" name="Rechteck 8"/>
+          <p:cNvSpPr/>
+          <p:nvPr/>
+        </p:nvSpPr>
+        <p:spPr>
+          <a:xfrm>
+            <a:off x="9571839" y="6629399"/>
+            <a:ext cx="1560352" cy="192947"/>
+          </a:xfrm>
+          <a:prstGeom prst="rect">
+            <a:avLst/>
+          </a:prstGeom>
+        </p:spPr>
+        <p:style>
+          <a:lnRef idx="2">
+            <a:schemeClr val="dk1"/>
+          </a:lnRef>
+          <a:fillRef idx="1">
+            <a:schemeClr val="lt1"/>
+          </a:fillRef>
+          <a:effectRef idx="0">
+            <a:schemeClr val="dk1"/>
+          </a:effectRef>
+          <a:fontRef idx="minor">
+            <a:schemeClr val="dk1"/>
+          </a:fontRef>
+        </p:style>
+        <p:txBody>
+          <a:bodyPr rtlCol="0" anchor="ctr"/>
+          <a:lstStyle/>
+          <a:p>
+            <a:pPr algn="ctr"/>
+            <a:r>
+              <a:rPr lang="de-DE" dirty="0"/>
+              <a:t>Kontakt/Ticket</a:t>
+            </a:r>
+          </a:p>
+        </p:txBody>
+      </p:sp>
+      <p:sp>
+        <p:nvSpPr>
+          <p:cNvPr id="23" name="Rechteck 22"/>
+          <p:cNvSpPr/>
+          <p:nvPr/>
+        </p:nvSpPr>
+        <p:spPr>
+          <a:xfrm>
+            <a:off x="134224" y="6629399"/>
+            <a:ext cx="1498023" cy="192947"/>
+          </a:xfrm>
+          <a:prstGeom prst="rect">
+            <a:avLst/>
+          </a:prstGeom>
+        </p:spPr>
+        <p:style>
+          <a:lnRef idx="2">
+            <a:schemeClr val="dk1"/>
+          </a:lnRef>
+          <a:fillRef idx="1">
+            <a:schemeClr val="lt1"/>
+          </a:fillRef>
+          <a:effectRef idx="0">
+            <a:schemeClr val="dk1"/>
+          </a:effectRef>
+          <a:fontRef idx="minor">
+            <a:schemeClr val="dk1"/>
+          </a:fontRef>
+        </p:style>
+        <p:txBody>
+          <a:bodyPr rtlCol="0" anchor="ctr"/>
+          <a:lstStyle/>
+          <a:p>
+            <a:pPr algn="ctr"/>
+            <a:r>
+              <a:rPr lang="de-DE" sz="1400" dirty="0">
+                <a:solidFill>
+                  <a:schemeClr val="tx1"/>
+                </a:solidFill>
+              </a:rPr>
+              <a:t>Link zur Schul-HP</a:t>
+            </a:r>
+          </a:p>
+        </p:txBody>
+      </p:sp>
+      <p:sp>
+        <p:nvSpPr>
+          <p:cNvPr id="24" name="Rechteck 23"/>
+          <p:cNvSpPr/>
+          <p:nvPr/>
+        </p:nvSpPr>
+        <p:spPr>
+          <a:xfrm>
+            <a:off x="20282" y="1461834"/>
+            <a:ext cx="1213658" cy="523220"/>
+          </a:xfrm>
+          <a:prstGeom prst="rect">
+            <a:avLst/>
+          </a:prstGeom>
+          <a:noFill/>
+        </p:spPr>
+        <p:txBody>
+          <a:bodyPr wrap="square" lIns="91440" tIns="45720" rIns="91440" bIns="45720">
+            <a:spAutoFit/>
+          </a:bodyPr>
+          <a:lstStyle/>
+          <a:p>
+            <a:pPr algn="ctr"/>
+            <a:r>
+              <a:rPr lang="de-DE" sz="1400" dirty="0">
+                <a:ln w="0"/>
+                <a:effectLst>
+                  <a:outerShdw blurRad="38100" dist="19050" dir="2700000" algn="tl" rotWithShape="0">
+                    <a:schemeClr val="dk1">
+                      <a:alpha val="40000"/>
+                    </a:schemeClr>
+                  </a:outerShdw>
+                </a:effectLst>
+              </a:rPr>
+              <a:t>Benutzer hinzufügen</a:t>
+            </a:r>
+            <a:endParaRPr lang="de-DE" sz="1400" b="0" cap="none" spc="0" dirty="0">
+              <a:ln w="0"/>
+              <a:solidFill>
+                <a:schemeClr val="tx1"/>
+              </a:solidFill>
+              <a:effectLst>
+                <a:outerShdw blurRad="38100" dist="19050" dir="2700000" algn="tl" rotWithShape="0">
+                  <a:schemeClr val="dk1">
+                    <a:alpha val="40000"/>
+                  </a:schemeClr>
+                </a:outerShdw>
+              </a:effectLst>
+            </a:endParaRPr>
+          </a:p>
+        </p:txBody>
+      </p:sp>
+      <p:sp>
+        <p:nvSpPr>
+          <p:cNvPr id="27" name="Rechteck 26"/>
+          <p:cNvSpPr/>
+          <p:nvPr/>
+        </p:nvSpPr>
+        <p:spPr>
+          <a:xfrm>
+            <a:off x="-118088" y="2141304"/>
+            <a:ext cx="1490398" cy="523220"/>
+          </a:xfrm>
+          <a:prstGeom prst="rect">
+            <a:avLst/>
+          </a:prstGeom>
+          <a:noFill/>
+        </p:spPr>
+        <p:txBody>
+          <a:bodyPr wrap="square" lIns="91440" tIns="45720" rIns="91440" bIns="45720">
+            <a:spAutoFit/>
+          </a:bodyPr>
+          <a:lstStyle/>
+          <a:p>
+            <a:pPr algn="ctr"/>
+            <a:r>
+              <a:rPr lang="de-DE" sz="1400" b="0" cap="none" spc="0" dirty="0">
+                <a:ln w="0"/>
+                <a:solidFill>
+                  <a:schemeClr val="tx1"/>
+                </a:solidFill>
+                <a:effectLst>
+                  <a:outerShdw blurRad="38100" dist="19050" dir="2700000" algn="tl" rotWithShape="0">
+                    <a:schemeClr val="dk1">
+                      <a:alpha val="40000"/>
+                    </a:schemeClr>
+                  </a:outerShdw>
+                </a:effectLst>
+              </a:rPr>
+              <a:t>Benutzerdaten ändern</a:t>
+            </a:r>
+          </a:p>
+        </p:txBody>
+      </p:sp>
+      <p:pic>
+        <p:nvPicPr>
+          <p:cNvPr id="30" name="Grafik 29"/>
+          <p:cNvPicPr>
+            <a:picLocks noChangeAspect="1"/>
+          </p:cNvPicPr>
+          <p:nvPr/>
+        </p:nvPicPr>
+        <p:blipFill>
+          <a:blip r:embed="rId2">
+            <a:extLst>
+              <a:ext uri="{28A0092B-C50C-407E-A947-70E740481C1C}">
+                <a14:useLocalDpi xmlns:a14="http://schemas.microsoft.com/office/drawing/2010/main" val="0"/>
+              </a:ext>
+            </a:extLst>
+          </a:blip>
+          <a:stretch>
+            <a:fillRect/>
+          </a:stretch>
+        </p:blipFill>
+        <p:spPr>
+          <a:xfrm>
+            <a:off x="210281" y="63397"/>
+            <a:ext cx="1130694" cy="493394"/>
+          </a:xfrm>
+          <a:prstGeom prst="rect">
+            <a:avLst/>
+          </a:prstGeom>
+        </p:spPr>
+      </p:pic>
+      <p:sp>
+        <p:nvSpPr>
+          <p:cNvPr id="31" name="Rechteck 30"/>
+          <p:cNvSpPr/>
+          <p:nvPr/>
+        </p:nvSpPr>
+        <p:spPr>
+          <a:xfrm>
+            <a:off x="1484244" y="0"/>
+            <a:ext cx="10707756" cy="620785"/>
+          </a:xfrm>
+          <a:prstGeom prst="rect">
+            <a:avLst/>
+          </a:prstGeom>
+          <a:solidFill>
+            <a:srgbClr val="9ABEDF"/>
+          </a:solidFill>
+          <a:ln>
+            <a:solidFill>
+              <a:srgbClr val="9ABEDF"/>
+            </a:solidFill>
+          </a:ln>
+        </p:spPr>
+        <p:style>
+          <a:lnRef idx="2">
+            <a:schemeClr val="accent3"/>
+          </a:lnRef>
+          <a:fillRef idx="1">
+            <a:schemeClr val="lt1"/>
+          </a:fillRef>
+          <a:effectRef idx="0">
+            <a:schemeClr val="accent3"/>
+          </a:effectRef>
+          <a:fontRef idx="minor">
+            <a:schemeClr val="dk1"/>
+          </a:fontRef>
+        </p:style>
+        <p:txBody>
+          <a:bodyPr rtlCol="0" anchor="ctr"/>
+          <a:lstStyle/>
+          <a:p>
+            <a:pPr algn="ctr"/>
+            <a:endParaRPr lang="de-DE"/>
+          </a:p>
+        </p:txBody>
+      </p:sp>
+      <p:sp>
+        <p:nvSpPr>
+          <p:cNvPr id="32" name="Rechteck 31"/>
+          <p:cNvSpPr/>
+          <p:nvPr/>
+        </p:nvSpPr>
+        <p:spPr>
+          <a:xfrm>
+            <a:off x="20282" y="782364"/>
+            <a:ext cx="1213658" cy="523220"/>
+          </a:xfrm>
+          <a:prstGeom prst="rect">
+            <a:avLst/>
+          </a:prstGeom>
+          <a:noFill/>
+        </p:spPr>
+        <p:txBody>
+          <a:bodyPr wrap="square" lIns="91440" tIns="45720" rIns="91440" bIns="45720">
+            <a:spAutoFit/>
+          </a:bodyPr>
+          <a:lstStyle/>
+          <a:p>
+            <a:pPr algn="ctr"/>
+            <a:r>
+              <a:rPr lang="de-DE" sz="1400" dirty="0">
+                <a:ln w="0"/>
+                <a:effectLst>
+                  <a:outerShdw blurRad="38100" dist="19050" dir="2700000" algn="tl" rotWithShape="0">
+                    <a:schemeClr val="dk1">
+                      <a:alpha val="40000"/>
+                    </a:schemeClr>
+                  </a:outerShdw>
+                </a:effectLst>
+              </a:rPr>
+              <a:t>Benutzer-</a:t>
+            </a:r>
+          </a:p>
+          <a:p>
+            <a:pPr algn="ctr"/>
+            <a:r>
+              <a:rPr lang="de-DE" sz="1400" b="0" cap="none" spc="0" dirty="0">
+                <a:ln w="0"/>
+                <a:solidFill>
+                  <a:schemeClr val="tx1"/>
+                </a:solidFill>
+                <a:effectLst>
+                  <a:outerShdw blurRad="38100" dist="19050" dir="2700000" algn="tl" rotWithShape="0">
+                    <a:schemeClr val="dk1">
+                      <a:alpha val="40000"/>
+                    </a:schemeClr>
+                  </a:outerShdw>
+                </a:effectLst>
+              </a:rPr>
+              <a:t>Liste</a:t>
+            </a:r>
+          </a:p>
+        </p:txBody>
+      </p:sp>
+      <p:sp>
+        <p:nvSpPr>
+          <p:cNvPr id="15" name="Rechteck 14"/>
+          <p:cNvSpPr/>
+          <p:nvPr/>
+        </p:nvSpPr>
+        <p:spPr>
+          <a:xfrm>
+            <a:off x="3061252" y="3134365"/>
+            <a:ext cx="4055165" cy="357809"/>
+          </a:xfrm>
+          <a:prstGeom prst="rect">
+            <a:avLst/>
+          </a:prstGeom>
+          <a:ln>
+            <a:solidFill>
+              <a:schemeClr val="tx1"/>
+            </a:solidFill>
+          </a:ln>
+        </p:spPr>
+        <p:style>
+          <a:lnRef idx="2">
+            <a:schemeClr val="accent6"/>
+          </a:lnRef>
+          <a:fillRef idx="1">
+            <a:schemeClr val="lt1"/>
+          </a:fillRef>
+          <a:effectRef idx="0">
+            <a:schemeClr val="accent6"/>
+          </a:effectRef>
+          <a:fontRef idx="minor">
+            <a:schemeClr val="dk1"/>
+          </a:fontRef>
+        </p:style>
+        <p:txBody>
+          <a:bodyPr rtlCol="0" anchor="ctr"/>
+          <a:lstStyle/>
+          <a:p>
+            <a:pPr algn="ctr"/>
+            <a:endParaRPr lang="de-DE"/>
+          </a:p>
+        </p:txBody>
+      </p:sp>
+      <p:sp>
+        <p:nvSpPr>
+          <p:cNvPr id="18" name="Rechteck 17"/>
+          <p:cNvSpPr/>
+          <p:nvPr/>
+        </p:nvSpPr>
+        <p:spPr>
+          <a:xfrm>
+            <a:off x="3061252" y="2584054"/>
+            <a:ext cx="3358955" cy="523220"/>
+          </a:xfrm>
+          <a:prstGeom prst="rect">
+            <a:avLst/>
+          </a:prstGeom>
+          <a:noFill/>
+        </p:spPr>
+        <p:txBody>
+          <a:bodyPr wrap="square" lIns="91440" tIns="45720" rIns="91440" bIns="45720">
+            <a:spAutoFit/>
+          </a:bodyPr>
+          <a:lstStyle/>
+          <a:p>
+            <a:r>
+              <a:rPr lang="de-DE" sz="2800" dirty="0">
+                <a:ln w="0"/>
+                <a:effectLst>
+                  <a:outerShdw blurRad="38100" dist="19050" dir="2700000" algn="tl" rotWithShape="0">
+                    <a:schemeClr val="dk1">
+                      <a:alpha val="40000"/>
+                    </a:schemeClr>
+                  </a:outerShdw>
+                </a:effectLst>
+              </a:rPr>
+              <a:t>Benutzername</a:t>
+            </a:r>
+            <a:endParaRPr lang="de-DE" sz="2800" b="0" cap="none" spc="0" dirty="0">
+              <a:ln w="0"/>
+              <a:solidFill>
+                <a:schemeClr val="tx1"/>
+              </a:solidFill>
+              <a:effectLst>
+                <a:outerShdw blurRad="38100" dist="19050" dir="2700000" algn="tl" rotWithShape="0">
+                  <a:schemeClr val="dk1">
+                    <a:alpha val="40000"/>
+                  </a:schemeClr>
+                </a:outerShdw>
+              </a:effectLst>
+            </a:endParaRPr>
+          </a:p>
+        </p:txBody>
+      </p:sp>
+      <p:sp>
+        <p:nvSpPr>
+          <p:cNvPr id="26" name="Rechteck 25"/>
+          <p:cNvSpPr/>
+          <p:nvPr/>
+        </p:nvSpPr>
+        <p:spPr>
+          <a:xfrm>
+            <a:off x="5499654" y="3879988"/>
+            <a:ext cx="1338468" cy="371061"/>
+          </a:xfrm>
+          <a:prstGeom prst="rect">
+            <a:avLst/>
+          </a:prstGeom>
+          <a:solidFill>
+            <a:srgbClr val="9ABEDF"/>
+          </a:solidFill>
+        </p:spPr>
+        <p:style>
+          <a:lnRef idx="2">
+            <a:schemeClr val="accent1">
+              <a:shade val="50000"/>
+            </a:schemeClr>
+          </a:lnRef>
+          <a:fillRef idx="1">
+            <a:schemeClr val="accent1"/>
+          </a:fillRef>
+          <a:effectRef idx="0">
+            <a:schemeClr val="accent1"/>
+          </a:effectRef>
+          <a:fontRef idx="minor">
+            <a:schemeClr val="lt1"/>
+          </a:fontRef>
+        </p:style>
+        <p:txBody>
+          <a:bodyPr rtlCol="0" anchor="ctr"/>
+          <a:lstStyle/>
+          <a:p>
+            <a:pPr algn="ctr"/>
+            <a:r>
+              <a:rPr lang="de-DE" dirty="0">
+                <a:solidFill>
+                  <a:schemeClr val="tx1"/>
+                </a:solidFill>
+              </a:rPr>
+              <a:t>Löschen</a:t>
+            </a:r>
+          </a:p>
+        </p:txBody>
+      </p:sp>
+      <p:sp>
+        <p:nvSpPr>
+          <p:cNvPr id="28" name="Rechteck 27"/>
+          <p:cNvSpPr/>
+          <p:nvPr/>
+        </p:nvSpPr>
+        <p:spPr>
+          <a:xfrm>
+            <a:off x="3061252" y="3879988"/>
+            <a:ext cx="1470992" cy="371061"/>
+          </a:xfrm>
+          <a:prstGeom prst="rect">
+            <a:avLst/>
+          </a:prstGeom>
+          <a:solidFill>
+            <a:srgbClr val="9ABEDF"/>
+          </a:solidFill>
+        </p:spPr>
+        <p:style>
+          <a:lnRef idx="2">
+            <a:schemeClr val="accent1">
+              <a:shade val="50000"/>
+            </a:schemeClr>
+          </a:lnRef>
+          <a:fillRef idx="1">
+            <a:schemeClr val="accent1"/>
+          </a:fillRef>
+          <a:effectRef idx="0">
+            <a:schemeClr val="accent1"/>
+          </a:effectRef>
+          <a:fontRef idx="minor">
+            <a:schemeClr val="lt1"/>
+          </a:fontRef>
+        </p:style>
+        <p:txBody>
+          <a:bodyPr rtlCol="0" anchor="ctr"/>
+          <a:lstStyle/>
+          <a:p>
+            <a:pPr algn="ctr"/>
+            <a:r>
+              <a:rPr lang="de-DE" dirty="0">
+                <a:solidFill>
+                  <a:schemeClr val="tx1"/>
+                </a:solidFill>
+              </a:rPr>
+              <a:t>Zurücksetzen</a:t>
+            </a:r>
+          </a:p>
+        </p:txBody>
+      </p:sp>
+      <p:sp>
+        <p:nvSpPr>
+          <p:cNvPr id="29" name="Rechteck 28"/>
+          <p:cNvSpPr/>
+          <p:nvPr/>
+        </p:nvSpPr>
+        <p:spPr>
+          <a:xfrm>
+            <a:off x="1632247" y="718144"/>
+            <a:ext cx="4028190" cy="646331"/>
+          </a:xfrm>
+          <a:prstGeom prst="rect">
+            <a:avLst/>
+          </a:prstGeom>
+          <a:noFill/>
+        </p:spPr>
+        <p:txBody>
+          <a:bodyPr wrap="square" lIns="91440" tIns="45720" rIns="91440" bIns="45720">
+            <a:spAutoFit/>
+          </a:bodyPr>
+          <a:lstStyle/>
+          <a:p>
+            <a:r>
+              <a:rPr lang="de-DE" sz="3600" b="0" cap="none" spc="0" dirty="0">
+                <a:ln w="0"/>
+                <a:solidFill>
+                  <a:schemeClr val="tx1"/>
+                </a:solidFill>
+                <a:effectLst>
+                  <a:outerShdw blurRad="38100" dist="19050" dir="2700000" algn="tl" rotWithShape="0">
+                    <a:schemeClr val="dk1">
+                      <a:alpha val="40000"/>
+                    </a:schemeClr>
+                  </a:outerShdw>
+                </a:effectLst>
+              </a:rPr>
+              <a:t>Benutzer</a:t>
+            </a:r>
+            <a:r>
+              <a:rPr lang="de-DE" sz="3600" dirty="0">
+                <a:ln w="0"/>
+                <a:effectLst>
+                  <a:outerShdw blurRad="38100" dist="19050" dir="2700000" algn="tl" rotWithShape="0">
+                    <a:schemeClr val="dk1">
+                      <a:alpha val="40000"/>
+                    </a:schemeClr>
+                  </a:outerShdw>
+                </a:effectLst>
+              </a:rPr>
+              <a:t>verwaltung</a:t>
+            </a:r>
+            <a:endParaRPr lang="de-DE" sz="3600" b="0" cap="none" spc="0" dirty="0">
+              <a:ln w="0"/>
+              <a:solidFill>
+                <a:schemeClr val="tx1"/>
+              </a:solidFill>
+              <a:effectLst>
+                <a:outerShdw blurRad="38100" dist="19050" dir="2700000" algn="tl" rotWithShape="0">
+                  <a:schemeClr val="dk1">
+                    <a:alpha val="40000"/>
+                  </a:schemeClr>
+                </a:outerShdw>
+              </a:effectLst>
+            </a:endParaRPr>
+          </a:p>
+        </p:txBody>
+      </p:sp>
+      <p:sp>
+        <p:nvSpPr>
+          <p:cNvPr id="33" name="Rechteck 32"/>
+          <p:cNvSpPr/>
+          <p:nvPr/>
+        </p:nvSpPr>
+        <p:spPr>
+          <a:xfrm>
+            <a:off x="1906271" y="1255654"/>
+            <a:ext cx="2082633" cy="400110"/>
+          </a:xfrm>
+          <a:prstGeom prst="rect">
+            <a:avLst/>
+          </a:prstGeom>
+          <a:noFill/>
+        </p:spPr>
+        <p:txBody>
+          <a:bodyPr wrap="square" lIns="91440" tIns="45720" rIns="91440" bIns="45720">
+            <a:spAutoFit/>
+          </a:bodyPr>
+          <a:lstStyle/>
+          <a:p>
+            <a:r>
+              <a:rPr lang="de-DE" sz="2000" dirty="0">
+                <a:ln w="0"/>
+                <a:effectLst>
+                  <a:outerShdw blurRad="38100" dist="19050" dir="2700000" algn="tl" rotWithShape="0">
+                    <a:schemeClr val="dk1">
+                      <a:alpha val="40000"/>
+                    </a:schemeClr>
+                  </a:outerShdw>
+                </a:effectLst>
+              </a:rPr>
+              <a:t>Benutzer löschen</a:t>
+            </a:r>
+            <a:endParaRPr lang="de-DE" sz="2000" b="0" cap="none" spc="0" dirty="0">
+              <a:ln w="0"/>
+              <a:solidFill>
+                <a:schemeClr val="tx1"/>
+              </a:solidFill>
+              <a:effectLst>
+                <a:outerShdw blurRad="38100" dist="19050" dir="2700000" algn="tl" rotWithShape="0">
+                  <a:schemeClr val="dk1">
+                    <a:alpha val="40000"/>
+                  </a:schemeClr>
+                </a:outerShdw>
+              </a:effectLst>
+            </a:endParaRPr>
+          </a:p>
+        </p:txBody>
+      </p:sp>
+      <p:sp>
+        <p:nvSpPr>
+          <p:cNvPr id="34" name="Rechteck 33"/>
+          <p:cNvSpPr/>
+          <p:nvPr/>
+        </p:nvSpPr>
+        <p:spPr>
+          <a:xfrm>
+            <a:off x="-118088" y="2822436"/>
+            <a:ext cx="1490398" cy="523220"/>
+          </a:xfrm>
+          <a:prstGeom prst="rect">
+            <a:avLst/>
+          </a:prstGeom>
+          <a:noFill/>
+        </p:spPr>
+        <p:txBody>
+          <a:bodyPr wrap="square" lIns="91440" tIns="45720" rIns="91440" bIns="45720">
+            <a:spAutoFit/>
+          </a:bodyPr>
+          <a:lstStyle/>
+          <a:p>
+            <a:pPr algn="ctr"/>
+            <a:r>
+              <a:rPr lang="de-DE" sz="1400" b="0" cap="none" spc="0" dirty="0">
+                <a:ln w="0"/>
+                <a:solidFill>
+                  <a:schemeClr val="tx1"/>
+                </a:solidFill>
+                <a:effectLst>
+                  <a:outerShdw blurRad="38100" dist="19050" dir="2700000" algn="tl" rotWithShape="0">
+                    <a:schemeClr val="dk1">
+                      <a:alpha val="40000"/>
+                    </a:schemeClr>
+                  </a:outerShdw>
+                </a:effectLst>
+              </a:rPr>
+              <a:t>Benutzer </a:t>
+            </a:r>
+          </a:p>
+          <a:p>
+            <a:pPr algn="ctr"/>
+            <a:r>
+              <a:rPr lang="de-DE" sz="1400" dirty="0">
+                <a:ln w="0"/>
+                <a:effectLst>
+                  <a:outerShdw blurRad="38100" dist="19050" dir="2700000" algn="tl" rotWithShape="0">
+                    <a:schemeClr val="dk1">
+                      <a:alpha val="40000"/>
+                    </a:schemeClr>
+                  </a:outerShdw>
+                </a:effectLst>
+              </a:rPr>
+              <a:t>löschen</a:t>
+            </a:r>
+            <a:endParaRPr lang="de-DE" sz="1400" b="0" cap="none" spc="0" dirty="0">
+              <a:ln w="0"/>
+              <a:solidFill>
+                <a:schemeClr val="tx1"/>
+              </a:solidFill>
+              <a:effectLst>
+                <a:outerShdw blurRad="38100" dist="19050" dir="2700000" algn="tl" rotWithShape="0">
+                  <a:schemeClr val="dk1">
+                    <a:alpha val="40000"/>
+                  </a:schemeClr>
+                </a:outerShdw>
+              </a:effectLst>
+            </a:endParaRPr>
+          </a:p>
+        </p:txBody>
+      </p:sp>
+    </p:spTree>
+    <p:extLst>
+      <p:ext uri="{BB962C8B-B14F-4D97-AF65-F5344CB8AC3E}">
+        <p14:creationId xmlns:p14="http://schemas.microsoft.com/office/powerpoint/2010/main" val="3721881940"/>
+      </p:ext>
+    </p:extLst>
+  </p:cSld>
+  <p:clrMapOvr>
+    <a:masterClrMapping/>
+  </p:clrMapOvr>
+</p:sld>
+</file>
+
+<file path=ppt/slides/slide7.xml><?xml version="1.0" encoding="utf-8"?>
+<p:sld xmlns:a="http://schemas.openxmlformats.org/drawingml/2006/main" xmlns:r="http://schemas.openxmlformats.org/officeDocument/2006/relationships" xmlns:p="http://schemas.openxmlformats.org/presentationml/2006/main">
+  <p:cSld>
+    <p:spTree>
+      <p:nvGrpSpPr>
+        <p:cNvPr id="1" name=""/>
+        <p:cNvGrpSpPr/>
+        <p:nvPr/>
+      </p:nvGrpSpPr>
+      <p:grpSpPr>
+        <a:xfrm>
+          <a:off x="0" y="0"/>
+          <a:ext cx="0" cy="0"/>
+          <a:chOff x="0" y="0"/>
+          <a:chExt cx="0" cy="0"/>
+        </a:xfrm>
+      </p:grpSpPr>
+      <p:sp>
+        <p:nvSpPr>
+          <p:cNvPr id="14" name="Rechteck 13"/>
+          <p:cNvSpPr/>
+          <p:nvPr/>
+        </p:nvSpPr>
+        <p:spPr>
+          <a:xfrm>
+            <a:off x="0" y="620785"/>
+            <a:ext cx="1262543" cy="5972962"/>
+          </a:xfrm>
+          <a:prstGeom prst="rect">
+            <a:avLst/>
+          </a:prstGeom>
+          <a:solidFill>
+            <a:srgbClr val="9ABEDF"/>
+          </a:solidFill>
+          <a:ln>
+            <a:solidFill>
+              <a:srgbClr val="9ABEDF"/>
+            </a:solidFill>
+          </a:ln>
+        </p:spPr>
+        <p:style>
+          <a:lnRef idx="2">
+            <a:schemeClr val="accent1">
+              <a:shade val="50000"/>
+            </a:schemeClr>
+          </a:lnRef>
+          <a:fillRef idx="1">
+            <a:schemeClr val="accent1"/>
+          </a:fillRef>
+          <a:effectRef idx="0">
+            <a:schemeClr val="accent1"/>
+          </a:effectRef>
+          <a:fontRef idx="minor">
+            <a:schemeClr val="lt1"/>
+          </a:fontRef>
+        </p:style>
+        <p:txBody>
+          <a:bodyPr rtlCol="0" anchor="ctr"/>
+          <a:lstStyle/>
+          <a:p>
+            <a:pPr algn="ctr"/>
+            <a:endParaRPr lang="de-DE"/>
+          </a:p>
+        </p:txBody>
+      </p:sp>
+      <p:sp>
+        <p:nvSpPr>
+          <p:cNvPr id="5" name="Rechteck 4"/>
+          <p:cNvSpPr/>
+          <p:nvPr/>
+        </p:nvSpPr>
+        <p:spPr>
+          <a:xfrm>
+            <a:off x="0" y="6593747"/>
+            <a:ext cx="12192000" cy="264253"/>
+          </a:xfrm>
+          <a:prstGeom prst="rect">
+            <a:avLst/>
+          </a:prstGeom>
+          <a:solidFill>
+            <a:srgbClr val="9ABEDF"/>
+          </a:solidFill>
+          <a:ln>
+            <a:solidFill>
+              <a:srgbClr val="9ABEDF"/>
+            </a:solidFill>
+          </a:ln>
+        </p:spPr>
+        <p:style>
+          <a:lnRef idx="2">
+            <a:schemeClr val="accent1">
+              <a:shade val="50000"/>
+            </a:schemeClr>
+          </a:lnRef>
+          <a:fillRef idx="1">
+            <a:schemeClr val="accent1"/>
+          </a:fillRef>
+          <a:effectRef idx="0">
+            <a:schemeClr val="accent1"/>
+          </a:effectRef>
+          <a:fontRef idx="minor">
+            <a:schemeClr val="lt1"/>
+          </a:fontRef>
+        </p:style>
+        <p:txBody>
+          <a:bodyPr rtlCol="0" anchor="ctr"/>
+          <a:lstStyle/>
+          <a:p>
+            <a:pPr algn="ctr"/>
+            <a:endParaRPr lang="de-DE"/>
+          </a:p>
+        </p:txBody>
+      </p:sp>
+      <p:sp>
+        <p:nvSpPr>
+          <p:cNvPr id="8" name="Rechteck 7"/>
+          <p:cNvSpPr/>
+          <p:nvPr/>
+        </p:nvSpPr>
+        <p:spPr>
+          <a:xfrm>
+            <a:off x="11232859" y="6629399"/>
+            <a:ext cx="864066" cy="192947"/>
+          </a:xfrm>
+          <a:prstGeom prst="rect">
+            <a:avLst/>
+          </a:prstGeom>
+        </p:spPr>
+        <p:style>
+          <a:lnRef idx="2">
+            <a:schemeClr val="dk1"/>
+          </a:lnRef>
+          <a:fillRef idx="1">
+            <a:schemeClr val="lt1"/>
+          </a:fillRef>
+          <a:effectRef idx="0">
+            <a:schemeClr val="dk1"/>
+          </a:effectRef>
+          <a:fontRef idx="minor">
+            <a:schemeClr val="dk1"/>
+          </a:fontRef>
+        </p:style>
+        <p:txBody>
+          <a:bodyPr rtlCol="0" anchor="ctr"/>
+          <a:lstStyle/>
+          <a:p>
+            <a:pPr algn="ctr"/>
+            <a:r>
+              <a:rPr lang="de-DE" dirty="0"/>
+              <a:t>Hilfe</a:t>
+            </a:r>
+          </a:p>
+        </p:txBody>
+      </p:sp>
+      <p:sp>
+        <p:nvSpPr>
+          <p:cNvPr id="9" name="Rechteck 8"/>
+          <p:cNvSpPr/>
+          <p:nvPr/>
+        </p:nvSpPr>
+        <p:spPr>
+          <a:xfrm>
+            <a:off x="9571839" y="6629399"/>
+            <a:ext cx="1560352" cy="192947"/>
+          </a:xfrm>
+          <a:prstGeom prst="rect">
+            <a:avLst/>
+          </a:prstGeom>
+        </p:spPr>
+        <p:style>
+          <a:lnRef idx="2">
+            <a:schemeClr val="dk1"/>
+          </a:lnRef>
+          <a:fillRef idx="1">
+            <a:schemeClr val="lt1"/>
+          </a:fillRef>
+          <a:effectRef idx="0">
+            <a:schemeClr val="dk1"/>
+          </a:effectRef>
+          <a:fontRef idx="minor">
+            <a:schemeClr val="dk1"/>
+          </a:fontRef>
+        </p:style>
+        <p:txBody>
+          <a:bodyPr rtlCol="0" anchor="ctr"/>
+          <a:lstStyle/>
+          <a:p>
+            <a:pPr algn="ctr"/>
+            <a:r>
+              <a:rPr lang="de-DE" dirty="0"/>
+              <a:t>Kontakt/Ticket</a:t>
+            </a:r>
+          </a:p>
+        </p:txBody>
+      </p:sp>
+      <p:sp>
+        <p:nvSpPr>
+          <p:cNvPr id="23" name="Rechteck 22"/>
+          <p:cNvSpPr/>
+          <p:nvPr/>
+        </p:nvSpPr>
+        <p:spPr>
+          <a:xfrm>
+            <a:off x="134224" y="6629399"/>
+            <a:ext cx="1498023" cy="192947"/>
+          </a:xfrm>
+          <a:prstGeom prst="rect">
+            <a:avLst/>
+          </a:prstGeom>
+        </p:spPr>
+        <p:style>
+          <a:lnRef idx="2">
+            <a:schemeClr val="dk1"/>
+          </a:lnRef>
+          <a:fillRef idx="1">
+            <a:schemeClr val="lt1"/>
+          </a:fillRef>
+          <a:effectRef idx="0">
+            <a:schemeClr val="dk1"/>
+          </a:effectRef>
+          <a:fontRef idx="minor">
+            <a:schemeClr val="dk1"/>
+          </a:fontRef>
+        </p:style>
+        <p:txBody>
+          <a:bodyPr rtlCol="0" anchor="ctr"/>
+          <a:lstStyle/>
+          <a:p>
+            <a:pPr algn="ctr"/>
+            <a:r>
+              <a:rPr lang="de-DE" sz="1400" dirty="0">
+                <a:solidFill>
+                  <a:schemeClr val="tx1"/>
+                </a:solidFill>
+              </a:rPr>
+              <a:t>Link zur Schul-HP</a:t>
+            </a:r>
+          </a:p>
+        </p:txBody>
+      </p:sp>
+      <p:sp>
+        <p:nvSpPr>
+          <p:cNvPr id="3" name="Rechteck 2"/>
+          <p:cNvSpPr/>
+          <p:nvPr/>
+        </p:nvSpPr>
+        <p:spPr>
+          <a:xfrm>
+            <a:off x="1632247" y="718144"/>
+            <a:ext cx="4028190" cy="646331"/>
+          </a:xfrm>
+          <a:prstGeom prst="rect">
+            <a:avLst/>
+          </a:prstGeom>
+          <a:noFill/>
+        </p:spPr>
+        <p:txBody>
+          <a:bodyPr wrap="square" lIns="91440" tIns="45720" rIns="91440" bIns="45720">
+            <a:spAutoFit/>
+          </a:bodyPr>
+          <a:lstStyle/>
+          <a:p>
+            <a:r>
+              <a:rPr lang="de-DE" sz="3600" b="0" cap="none" spc="0" dirty="0">
+                <a:ln w="0"/>
+                <a:solidFill>
+                  <a:schemeClr val="tx1"/>
+                </a:solidFill>
+                <a:effectLst>
+                  <a:outerShdw blurRad="38100" dist="19050" dir="2700000" algn="tl" rotWithShape="0">
+                    <a:schemeClr val="dk1">
+                      <a:alpha val="40000"/>
+                    </a:schemeClr>
+                  </a:outerShdw>
+                </a:effectLst>
+              </a:rPr>
+              <a:t>Geräteverwaltung</a:t>
+            </a:r>
+          </a:p>
+        </p:txBody>
+      </p:sp>
+      <p:sp>
+        <p:nvSpPr>
+          <p:cNvPr id="24" name="Rechteck 23"/>
+          <p:cNvSpPr/>
+          <p:nvPr/>
+        </p:nvSpPr>
+        <p:spPr>
+          <a:xfrm>
+            <a:off x="20282" y="1461834"/>
+            <a:ext cx="1213658" cy="523220"/>
+          </a:xfrm>
+          <a:prstGeom prst="rect">
+            <a:avLst/>
+          </a:prstGeom>
+          <a:noFill/>
+        </p:spPr>
+        <p:txBody>
+          <a:bodyPr wrap="square" lIns="91440" tIns="45720" rIns="91440" bIns="45720">
+            <a:spAutoFit/>
+          </a:bodyPr>
+          <a:lstStyle/>
+          <a:p>
+            <a:pPr algn="ctr"/>
+            <a:r>
+              <a:rPr lang="de-DE" sz="1400" dirty="0">
+                <a:ln w="0"/>
+                <a:effectLst>
+                  <a:outerShdw blurRad="38100" dist="19050" dir="2700000" algn="tl" rotWithShape="0">
+                    <a:schemeClr val="dk1">
+                      <a:alpha val="40000"/>
+                    </a:schemeClr>
+                  </a:outerShdw>
+                </a:effectLst>
+              </a:rPr>
+              <a:t>Gerät hinzufügen</a:t>
+            </a:r>
+            <a:endParaRPr lang="de-DE" sz="1400" b="0" cap="none" spc="0" dirty="0">
+              <a:ln w="0"/>
+              <a:solidFill>
+                <a:schemeClr val="tx1"/>
+              </a:solidFill>
+              <a:effectLst>
+                <a:outerShdw blurRad="38100" dist="19050" dir="2700000" algn="tl" rotWithShape="0">
+                  <a:schemeClr val="dk1">
+                    <a:alpha val="40000"/>
+                  </a:schemeClr>
+                </a:outerShdw>
+              </a:effectLst>
+            </a:endParaRPr>
+          </a:p>
+        </p:txBody>
+      </p:sp>
+      <p:pic>
+        <p:nvPicPr>
+          <p:cNvPr id="30" name="Grafik 29"/>
+          <p:cNvPicPr>
+            <a:picLocks noChangeAspect="1"/>
+          </p:cNvPicPr>
+          <p:nvPr/>
+        </p:nvPicPr>
+        <p:blipFill>
+          <a:blip r:embed="rId2">
+            <a:extLst>
+              <a:ext uri="{28A0092B-C50C-407E-A947-70E740481C1C}">
+                <a14:useLocalDpi xmlns:a14="http://schemas.microsoft.com/office/drawing/2010/main" val="0"/>
+              </a:ext>
+            </a:extLst>
+          </a:blip>
+          <a:stretch>
+            <a:fillRect/>
+          </a:stretch>
+        </p:blipFill>
+        <p:spPr>
+          <a:xfrm>
+            <a:off x="210281" y="63397"/>
+            <a:ext cx="1130694" cy="493394"/>
+          </a:xfrm>
+          <a:prstGeom prst="rect">
+            <a:avLst/>
+          </a:prstGeom>
+        </p:spPr>
+      </p:pic>
+      <p:sp>
+        <p:nvSpPr>
+          <p:cNvPr id="31" name="Rechteck 30"/>
+          <p:cNvSpPr/>
+          <p:nvPr/>
+        </p:nvSpPr>
+        <p:spPr>
+          <a:xfrm>
+            <a:off x="1484244" y="0"/>
+            <a:ext cx="10707756" cy="620785"/>
+          </a:xfrm>
+          <a:prstGeom prst="rect">
+            <a:avLst/>
+          </a:prstGeom>
+          <a:solidFill>
+            <a:srgbClr val="9ABEDF"/>
+          </a:solidFill>
+          <a:ln>
+            <a:solidFill>
+              <a:srgbClr val="9ABEDF"/>
+            </a:solidFill>
+          </a:ln>
+        </p:spPr>
+        <p:style>
+          <a:lnRef idx="2">
+            <a:schemeClr val="accent3"/>
+          </a:lnRef>
+          <a:fillRef idx="1">
+            <a:schemeClr val="lt1"/>
+          </a:fillRef>
+          <a:effectRef idx="0">
+            <a:schemeClr val="accent3"/>
+          </a:effectRef>
+          <a:fontRef idx="minor">
+            <a:schemeClr val="dk1"/>
+          </a:fontRef>
+        </p:style>
+        <p:txBody>
+          <a:bodyPr rtlCol="0" anchor="ctr"/>
+          <a:lstStyle/>
+          <a:p>
+            <a:pPr algn="ctr"/>
+            <a:endParaRPr lang="de-DE"/>
+          </a:p>
+        </p:txBody>
+      </p:sp>
+      <p:sp>
+        <p:nvSpPr>
+          <p:cNvPr id="16" name="Rechteck 15"/>
+          <p:cNvSpPr/>
+          <p:nvPr/>
+        </p:nvSpPr>
+        <p:spPr>
+          <a:xfrm>
+            <a:off x="1906271" y="1255654"/>
+            <a:ext cx="1733533" cy="400110"/>
+          </a:xfrm>
+          <a:prstGeom prst="rect">
+            <a:avLst/>
+          </a:prstGeom>
+          <a:noFill/>
+        </p:spPr>
+        <p:txBody>
+          <a:bodyPr wrap="square" lIns="91440" tIns="45720" rIns="91440" bIns="45720">
+            <a:spAutoFit/>
+          </a:bodyPr>
+          <a:lstStyle/>
+          <a:p>
+            <a:r>
+              <a:rPr lang="de-DE" sz="2000" dirty="0">
+                <a:ln w="0"/>
+                <a:effectLst>
+                  <a:outerShdw blurRad="38100" dist="19050" dir="2700000" algn="tl" rotWithShape="0">
+                    <a:schemeClr val="dk1">
+                      <a:alpha val="40000"/>
+                    </a:schemeClr>
+                  </a:outerShdw>
+                </a:effectLst>
+              </a:rPr>
+              <a:t>Geräte-Liste</a:t>
+            </a:r>
+            <a:endParaRPr lang="de-DE" sz="2000" b="0" cap="none" spc="0" dirty="0">
+              <a:ln w="0"/>
+              <a:solidFill>
+                <a:schemeClr val="tx1"/>
+              </a:solidFill>
+              <a:effectLst>
+                <a:outerShdw blurRad="38100" dist="19050" dir="2700000" algn="tl" rotWithShape="0">
+                  <a:schemeClr val="dk1">
+                    <a:alpha val="40000"/>
+                  </a:schemeClr>
+                </a:outerShdw>
+              </a:effectLst>
+            </a:endParaRPr>
+          </a:p>
+        </p:txBody>
+      </p:sp>
+      <p:sp>
+        <p:nvSpPr>
+          <p:cNvPr id="32" name="Rechteck 31"/>
+          <p:cNvSpPr/>
+          <p:nvPr/>
+        </p:nvSpPr>
+        <p:spPr>
+          <a:xfrm>
+            <a:off x="20282" y="782364"/>
+            <a:ext cx="1213658" cy="523220"/>
+          </a:xfrm>
+          <a:prstGeom prst="rect">
+            <a:avLst/>
+          </a:prstGeom>
+          <a:noFill/>
+        </p:spPr>
+        <p:txBody>
+          <a:bodyPr wrap="square" lIns="91440" tIns="45720" rIns="91440" bIns="45720">
+            <a:spAutoFit/>
+          </a:bodyPr>
+          <a:lstStyle/>
+          <a:p>
+            <a:pPr algn="ctr"/>
+            <a:r>
+              <a:rPr lang="de-DE" sz="1400" dirty="0">
+                <a:ln w="0"/>
+                <a:effectLst>
+                  <a:outerShdw blurRad="38100" dist="19050" dir="2700000" algn="tl" rotWithShape="0">
+                    <a:schemeClr val="dk1">
+                      <a:alpha val="40000"/>
+                    </a:schemeClr>
+                  </a:outerShdw>
+                </a:effectLst>
+              </a:rPr>
+              <a:t>Geräte-</a:t>
+            </a:r>
+          </a:p>
+          <a:p>
+            <a:pPr algn="ctr"/>
+            <a:r>
+              <a:rPr lang="de-DE" sz="1400" b="0" cap="none" spc="0" dirty="0">
+                <a:ln w="0"/>
+                <a:solidFill>
+                  <a:schemeClr val="tx1"/>
+                </a:solidFill>
+                <a:effectLst>
+                  <a:outerShdw blurRad="38100" dist="19050" dir="2700000" algn="tl" rotWithShape="0">
+                    <a:schemeClr val="dk1">
+                      <a:alpha val="40000"/>
+                    </a:schemeClr>
+                  </a:outerShdw>
+                </a:effectLst>
+              </a:rPr>
+              <a:t>Liste</a:t>
+            </a:r>
+          </a:p>
+        </p:txBody>
+      </p:sp>
+      <p:graphicFrame>
+        <p:nvGraphicFramePr>
+          <p:cNvPr id="4" name="Tabelle 3"/>
+          <p:cNvGraphicFramePr>
+            <a:graphicFrameLocks noGrp="1"/>
+          </p:cNvGraphicFramePr>
+          <p:nvPr/>
+        </p:nvGraphicFramePr>
+        <p:xfrm>
+          <a:off x="2773038" y="2333421"/>
+          <a:ext cx="8128001" cy="1483360"/>
+        </p:xfrm>
+        <a:graphic>
+          <a:graphicData uri="http://schemas.openxmlformats.org/drawingml/2006/table">
+            <a:tbl>
+              <a:tblPr firstRow="1" bandRow="1">
+                <a:tableStyleId>{5C22544A-7EE6-4342-B048-85BDC9FD1C3A}</a:tableStyleId>
+              </a:tblPr>
+              <a:tblGrid>
+                <a:gridCol w="1161143">
+                  <a:extLst>
+                    <a:ext uri="{9D8B030D-6E8A-4147-A177-3AD203B41FA5}">
+                      <a16:colId xmlns:a16="http://schemas.microsoft.com/office/drawing/2014/main" val="1973645712"/>
+                    </a:ext>
+                  </a:extLst>
+                </a:gridCol>
+                <a:gridCol w="1161143">
+                  <a:extLst>
+                    <a:ext uri="{9D8B030D-6E8A-4147-A177-3AD203B41FA5}">
+                      <a16:colId xmlns:a16="http://schemas.microsoft.com/office/drawing/2014/main" val="725524563"/>
+                    </a:ext>
+                  </a:extLst>
+                </a:gridCol>
+                <a:gridCol w="1161143">
+                  <a:extLst>
+                    <a:ext uri="{9D8B030D-6E8A-4147-A177-3AD203B41FA5}">
+                      <a16:colId xmlns:a16="http://schemas.microsoft.com/office/drawing/2014/main" val="1928714447"/>
+                    </a:ext>
+                  </a:extLst>
+                </a:gridCol>
+                <a:gridCol w="1161143">
+                  <a:extLst>
+                    <a:ext uri="{9D8B030D-6E8A-4147-A177-3AD203B41FA5}">
+                      <a16:colId xmlns:a16="http://schemas.microsoft.com/office/drawing/2014/main" val="2172086988"/>
+                    </a:ext>
+                  </a:extLst>
+                </a:gridCol>
+                <a:gridCol w="1161143">
+                  <a:extLst>
+                    <a:ext uri="{9D8B030D-6E8A-4147-A177-3AD203B41FA5}">
+                      <a16:colId xmlns:a16="http://schemas.microsoft.com/office/drawing/2014/main" val="3235168416"/>
+                    </a:ext>
+                  </a:extLst>
+                </a:gridCol>
+                <a:gridCol w="1161143">
+                  <a:extLst>
+                    <a:ext uri="{9D8B030D-6E8A-4147-A177-3AD203B41FA5}">
+                      <a16:colId xmlns:a16="http://schemas.microsoft.com/office/drawing/2014/main" val="6555399"/>
+                    </a:ext>
+                  </a:extLst>
+                </a:gridCol>
+                <a:gridCol w="1161143">
+                  <a:extLst>
+                    <a:ext uri="{9D8B030D-6E8A-4147-A177-3AD203B41FA5}">
+                      <a16:colId xmlns:a16="http://schemas.microsoft.com/office/drawing/2014/main" val="1634155767"/>
+                    </a:ext>
+                  </a:extLst>
+                </a:gridCol>
+              </a:tblGrid>
+              <a:tr h="370840">
+                <a:tc>
+                  <a:txBody>
+                    <a:bodyPr/>
+                    <a:lstStyle/>
+                    <a:p>
+                      <a:r>
+                        <a:rPr lang="de-DE" dirty="0"/>
+                        <a:t>Name</a:t>
+                      </a:r>
+                    </a:p>
+                  </a:txBody>
+                  <a:tcPr/>
+                </a:tc>
+                <a:tc>
+                  <a:txBody>
+                    <a:bodyPr/>
+                    <a:lstStyle/>
+                    <a:p>
+                      <a:r>
+                        <a:rPr lang="de-DE" dirty="0"/>
+                        <a:t>…</a:t>
+                      </a:r>
+                    </a:p>
+                  </a:txBody>
+                  <a:tcPr/>
+                </a:tc>
+                <a:tc>
+                  <a:txBody>
+                    <a:bodyPr/>
+                    <a:lstStyle/>
+                    <a:p>
+                      <a:r>
+                        <a:rPr lang="de-DE" dirty="0"/>
+                        <a:t>…</a:t>
+                      </a:r>
+                    </a:p>
+                  </a:txBody>
+                  <a:tcPr/>
+                </a:tc>
+                <a:tc>
+                  <a:txBody>
+                    <a:bodyPr/>
+                    <a:lstStyle/>
+                    <a:p>
+                      <a:r>
+                        <a:rPr lang="de-DE" dirty="0"/>
+                        <a:t>…</a:t>
+                      </a:r>
+                    </a:p>
+                  </a:txBody>
+                  <a:tcPr/>
+                </a:tc>
+                <a:tc>
+                  <a:txBody>
+                    <a:bodyPr/>
+                    <a:lstStyle/>
+                    <a:p>
+                      <a:r>
+                        <a:rPr lang="de-DE" dirty="0"/>
+                        <a:t>…</a:t>
+                      </a:r>
+                    </a:p>
+                  </a:txBody>
+                  <a:tcPr/>
+                </a:tc>
+                <a:tc>
+                  <a:txBody>
+                    <a:bodyPr/>
+                    <a:lstStyle/>
+                    <a:p>
+                      <a:r>
+                        <a:rPr lang="de-DE" dirty="0"/>
+                        <a:t>…</a:t>
+                      </a:r>
+                    </a:p>
+                  </a:txBody>
+                  <a:tcPr/>
+                </a:tc>
+                <a:tc>
+                  <a:txBody>
+                    <a:bodyPr/>
+                    <a:lstStyle/>
+                    <a:p>
+                      <a:r>
+                        <a:rPr lang="de-DE" dirty="0"/>
+                        <a:t>…</a:t>
+                      </a:r>
+                    </a:p>
+                  </a:txBody>
+                  <a:tcPr/>
+                </a:tc>
+                <a:extLst>
+                  <a:ext uri="{0D108BD9-81ED-4DB2-BD59-A6C34878D82A}">
+                    <a16:rowId xmlns:a16="http://schemas.microsoft.com/office/drawing/2014/main" val="1387327695"/>
+                  </a:ext>
+                </a:extLst>
+              </a:tr>
+              <a:tr h="370840">
+                <a:tc>
+                  <a:txBody>
+                    <a:bodyPr/>
+                    <a:lstStyle/>
+                    <a:p>
+                      <a:endParaRPr lang="de-DE"/>
+                    </a:p>
+                  </a:txBody>
+                  <a:tcPr/>
+                </a:tc>
+                <a:tc>
+                  <a:txBody>
+                    <a:bodyPr/>
+                    <a:lstStyle/>
+                    <a:p>
+                      <a:endParaRPr lang="de-DE"/>
+                    </a:p>
+                  </a:txBody>
+                  <a:tcPr/>
+                </a:tc>
+                <a:tc>
+                  <a:txBody>
+                    <a:bodyPr/>
+                    <a:lstStyle/>
+                    <a:p>
+                      <a:endParaRPr lang="de-DE"/>
+                    </a:p>
+                  </a:txBody>
+                  <a:tcPr/>
+                </a:tc>
+                <a:tc>
+                  <a:txBody>
+                    <a:bodyPr/>
+                    <a:lstStyle/>
+                    <a:p>
+                      <a:endParaRPr lang="de-DE"/>
+                    </a:p>
+                  </a:txBody>
+                  <a:tcPr/>
+                </a:tc>
+                <a:tc>
+                  <a:txBody>
+                    <a:bodyPr/>
+                    <a:lstStyle/>
+                    <a:p>
+                      <a:endParaRPr lang="de-DE"/>
+                    </a:p>
+                  </a:txBody>
+                  <a:tcPr/>
+                </a:tc>
+                <a:tc>
+                  <a:txBody>
+                    <a:bodyPr/>
+                    <a:lstStyle/>
+                    <a:p>
+                      <a:endParaRPr lang="de-DE"/>
+                    </a:p>
+                  </a:txBody>
+                  <a:tcPr/>
+                </a:tc>
+                <a:tc>
+                  <a:txBody>
+                    <a:bodyPr/>
+                    <a:lstStyle/>
+                    <a:p>
+                      <a:endParaRPr lang="de-DE"/>
+                    </a:p>
+                  </a:txBody>
+                  <a:tcPr/>
+                </a:tc>
+                <a:extLst>
+                  <a:ext uri="{0D108BD9-81ED-4DB2-BD59-A6C34878D82A}">
+                    <a16:rowId xmlns:a16="http://schemas.microsoft.com/office/drawing/2014/main" val="1014381066"/>
+                  </a:ext>
+                </a:extLst>
+              </a:tr>
+              <a:tr h="370840">
+                <a:tc>
+                  <a:txBody>
+                    <a:bodyPr/>
+                    <a:lstStyle/>
+                    <a:p>
+                      <a:endParaRPr lang="de-DE"/>
+                    </a:p>
+                  </a:txBody>
+                  <a:tcPr/>
+                </a:tc>
+                <a:tc>
+                  <a:txBody>
+                    <a:bodyPr/>
+                    <a:lstStyle/>
+                    <a:p>
+                      <a:endParaRPr lang="de-DE" dirty="0"/>
+                    </a:p>
+                  </a:txBody>
+                  <a:tcPr/>
+                </a:tc>
+                <a:tc>
+                  <a:txBody>
+                    <a:bodyPr/>
+                    <a:lstStyle/>
+                    <a:p>
+                      <a:endParaRPr lang="de-DE"/>
+                    </a:p>
+                  </a:txBody>
+                  <a:tcPr/>
+                </a:tc>
+                <a:tc>
+                  <a:txBody>
+                    <a:bodyPr/>
+                    <a:lstStyle/>
+                    <a:p>
+                      <a:endParaRPr lang="de-DE"/>
+                    </a:p>
+                  </a:txBody>
+                  <a:tcPr/>
+                </a:tc>
+                <a:tc>
+                  <a:txBody>
+                    <a:bodyPr/>
+                    <a:lstStyle/>
+                    <a:p>
+                      <a:endParaRPr lang="de-DE"/>
+                    </a:p>
+                  </a:txBody>
+                  <a:tcPr/>
+                </a:tc>
+                <a:tc>
+                  <a:txBody>
+                    <a:bodyPr/>
+                    <a:lstStyle/>
+                    <a:p>
+                      <a:endParaRPr lang="de-DE"/>
+                    </a:p>
+                  </a:txBody>
+                  <a:tcPr/>
+                </a:tc>
+                <a:tc>
+                  <a:txBody>
+                    <a:bodyPr/>
+                    <a:lstStyle/>
+                    <a:p>
+                      <a:endParaRPr lang="de-DE"/>
+                    </a:p>
+                  </a:txBody>
+                  <a:tcPr/>
+                </a:tc>
+                <a:extLst>
+                  <a:ext uri="{0D108BD9-81ED-4DB2-BD59-A6C34878D82A}">
+                    <a16:rowId xmlns:a16="http://schemas.microsoft.com/office/drawing/2014/main" val="1863009190"/>
+                  </a:ext>
+                </a:extLst>
+              </a:tr>
+              <a:tr h="370840">
+                <a:tc>
+                  <a:txBody>
+                    <a:bodyPr/>
+                    <a:lstStyle/>
+                    <a:p>
+                      <a:endParaRPr lang="de-DE"/>
+                    </a:p>
+                  </a:txBody>
+                  <a:tcPr/>
+                </a:tc>
+                <a:tc>
+                  <a:txBody>
+                    <a:bodyPr/>
+                    <a:lstStyle/>
+                    <a:p>
+                      <a:endParaRPr lang="de-DE"/>
+                    </a:p>
+                  </a:txBody>
+                  <a:tcPr/>
+                </a:tc>
+                <a:tc>
+                  <a:txBody>
+                    <a:bodyPr/>
+                    <a:lstStyle/>
+                    <a:p>
+                      <a:endParaRPr lang="de-DE"/>
+                    </a:p>
+                  </a:txBody>
+                  <a:tcPr/>
+                </a:tc>
+                <a:tc>
+                  <a:txBody>
+                    <a:bodyPr/>
+                    <a:lstStyle/>
+                    <a:p>
+                      <a:endParaRPr lang="de-DE" dirty="0"/>
+                    </a:p>
+                  </a:txBody>
+                  <a:tcPr/>
+                </a:tc>
+                <a:tc>
+                  <a:txBody>
+                    <a:bodyPr/>
+                    <a:lstStyle/>
+                    <a:p>
+                      <a:endParaRPr lang="de-DE"/>
+                    </a:p>
+                  </a:txBody>
+                  <a:tcPr/>
+                </a:tc>
+                <a:tc>
+                  <a:txBody>
+                    <a:bodyPr/>
+                    <a:lstStyle/>
+                    <a:p>
+                      <a:endParaRPr lang="de-DE"/>
+                    </a:p>
+                  </a:txBody>
+                  <a:tcPr/>
+                </a:tc>
+                <a:tc>
+                  <a:txBody>
+                    <a:bodyPr/>
+                    <a:lstStyle/>
+                    <a:p>
+                      <a:endParaRPr lang="de-DE" dirty="0"/>
+                    </a:p>
+                  </a:txBody>
+                  <a:tcPr/>
+                </a:tc>
+                <a:extLst>
+                  <a:ext uri="{0D108BD9-81ED-4DB2-BD59-A6C34878D82A}">
+                    <a16:rowId xmlns:a16="http://schemas.microsoft.com/office/drawing/2014/main" val="2881324689"/>
+                  </a:ext>
+                </a:extLst>
+              </a:tr>
+            </a:tbl>
+          </a:graphicData>
+        </a:graphic>
+      </p:graphicFrame>
+    </p:spTree>
+    <p:extLst>
+      <p:ext uri="{BB962C8B-B14F-4D97-AF65-F5344CB8AC3E}">
+        <p14:creationId xmlns:p14="http://schemas.microsoft.com/office/powerpoint/2010/main" val="3764349498"/>
+      </p:ext>
+    </p:extLst>
+  </p:cSld>
+  <p:clrMapOvr>
+    <a:masterClrMapping/>
+  </p:clrMapOvr>
+</p:sld>
+</file>
+
+<file path=ppt/slides/slide8.xml><?xml version="1.0" encoding="utf-8"?>
+<p:sld xmlns:a="http://schemas.openxmlformats.org/drawingml/2006/main" xmlns:r="http://schemas.openxmlformats.org/officeDocument/2006/relationships" xmlns:p="http://schemas.openxmlformats.org/presentationml/2006/main">
+  <p:cSld>
+    <p:spTree>
+      <p:nvGrpSpPr>
+        <p:cNvPr id="1" name=""/>
+        <p:cNvGrpSpPr/>
+        <p:nvPr/>
+      </p:nvGrpSpPr>
+      <p:grpSpPr>
+        <a:xfrm>
+          <a:off x="0" y="0"/>
+          <a:ext cx="0" cy="0"/>
+          <a:chOff x="0" y="0"/>
+          <a:chExt cx="0" cy="0"/>
+        </a:xfrm>
+      </p:grpSpPr>
+      <p:sp>
+        <p:nvSpPr>
+          <p:cNvPr id="14" name="Rechteck 13"/>
+          <p:cNvSpPr/>
+          <p:nvPr/>
+        </p:nvSpPr>
+        <p:spPr>
+          <a:xfrm>
+            <a:off x="0" y="620785"/>
+            <a:ext cx="1262543" cy="5972962"/>
+          </a:xfrm>
+          <a:prstGeom prst="rect">
+            <a:avLst/>
+          </a:prstGeom>
+          <a:solidFill>
+            <a:srgbClr val="9ABEDF"/>
+          </a:solidFill>
+          <a:ln>
+            <a:solidFill>
+              <a:srgbClr val="9ABEDF"/>
+            </a:solidFill>
+          </a:ln>
+        </p:spPr>
+        <p:style>
+          <a:lnRef idx="2">
+            <a:schemeClr val="accent1">
+              <a:shade val="50000"/>
+            </a:schemeClr>
+          </a:lnRef>
+          <a:fillRef idx="1">
+            <a:schemeClr val="accent1"/>
+          </a:fillRef>
+          <a:effectRef idx="0">
+            <a:schemeClr val="accent1"/>
+          </a:effectRef>
+          <a:fontRef idx="minor">
+            <a:schemeClr val="lt1"/>
+          </a:fontRef>
+        </p:style>
+        <p:txBody>
+          <a:bodyPr rtlCol="0" anchor="ctr"/>
+          <a:lstStyle/>
+          <a:p>
+            <a:pPr algn="ctr"/>
+            <a:endParaRPr lang="de-DE"/>
+          </a:p>
+        </p:txBody>
+      </p:sp>
+      <p:sp>
+        <p:nvSpPr>
+          <p:cNvPr id="5" name="Rechteck 4"/>
+          <p:cNvSpPr/>
+          <p:nvPr/>
+        </p:nvSpPr>
+        <p:spPr>
+          <a:xfrm>
+            <a:off x="0" y="6593747"/>
+            <a:ext cx="12192000" cy="264253"/>
+          </a:xfrm>
+          <a:prstGeom prst="rect">
+            <a:avLst/>
+          </a:prstGeom>
+          <a:solidFill>
+            <a:srgbClr val="9ABEDF"/>
+          </a:solidFill>
+          <a:ln>
+            <a:solidFill>
+              <a:srgbClr val="9ABEDF"/>
+            </a:solidFill>
+          </a:ln>
+        </p:spPr>
+        <p:style>
+          <a:lnRef idx="2">
+            <a:schemeClr val="accent1">
+              <a:shade val="50000"/>
+            </a:schemeClr>
+          </a:lnRef>
+          <a:fillRef idx="1">
+            <a:schemeClr val="accent1"/>
+          </a:fillRef>
+          <a:effectRef idx="0">
+            <a:schemeClr val="accent1"/>
+          </a:effectRef>
+          <a:fontRef idx="minor">
+            <a:schemeClr val="lt1"/>
+          </a:fontRef>
+        </p:style>
+        <p:txBody>
+          <a:bodyPr rtlCol="0" anchor="ctr"/>
+          <a:lstStyle/>
+          <a:p>
+            <a:pPr algn="ctr"/>
+            <a:endParaRPr lang="de-DE"/>
+          </a:p>
+        </p:txBody>
+      </p:sp>
+      <p:sp>
+        <p:nvSpPr>
+          <p:cNvPr id="8" name="Rechteck 7"/>
+          <p:cNvSpPr/>
+          <p:nvPr/>
+        </p:nvSpPr>
+        <p:spPr>
+          <a:xfrm>
+            <a:off x="11232859" y="6629399"/>
+            <a:ext cx="864066" cy="192947"/>
+          </a:xfrm>
+          <a:prstGeom prst="rect">
+            <a:avLst/>
+          </a:prstGeom>
+        </p:spPr>
+        <p:style>
+          <a:lnRef idx="2">
+            <a:schemeClr val="dk1"/>
+          </a:lnRef>
+          <a:fillRef idx="1">
+            <a:schemeClr val="lt1"/>
+          </a:fillRef>
+          <a:effectRef idx="0">
+            <a:schemeClr val="dk1"/>
+          </a:effectRef>
+          <a:fontRef idx="minor">
+            <a:schemeClr val="dk1"/>
+          </a:fontRef>
+        </p:style>
+        <p:txBody>
+          <a:bodyPr rtlCol="0" anchor="ctr"/>
+          <a:lstStyle/>
+          <a:p>
+            <a:pPr algn="ctr"/>
+            <a:r>
+              <a:rPr lang="de-DE" dirty="0"/>
+              <a:t>Hilfe</a:t>
+            </a:r>
+          </a:p>
+        </p:txBody>
+      </p:sp>
+      <p:sp>
+        <p:nvSpPr>
+          <p:cNvPr id="9" name="Rechteck 8"/>
+          <p:cNvSpPr/>
+          <p:nvPr/>
+        </p:nvSpPr>
+        <p:spPr>
+          <a:xfrm>
+            <a:off x="9571839" y="6629399"/>
+            <a:ext cx="1560352" cy="192947"/>
+          </a:xfrm>
+          <a:prstGeom prst="rect">
+            <a:avLst/>
+          </a:prstGeom>
+        </p:spPr>
+        <p:style>
+          <a:lnRef idx="2">
+            <a:schemeClr val="dk1"/>
+          </a:lnRef>
+          <a:fillRef idx="1">
+            <a:schemeClr val="lt1"/>
+          </a:fillRef>
+          <a:effectRef idx="0">
+            <a:schemeClr val="dk1"/>
+          </a:effectRef>
+          <a:fontRef idx="minor">
+            <a:schemeClr val="dk1"/>
+          </a:fontRef>
+        </p:style>
+        <p:txBody>
+          <a:bodyPr rtlCol="0" anchor="ctr"/>
+          <a:lstStyle/>
+          <a:p>
+            <a:pPr algn="ctr"/>
+            <a:r>
+              <a:rPr lang="de-DE" dirty="0"/>
+              <a:t>Kontakt/Ticket</a:t>
+            </a:r>
+          </a:p>
+        </p:txBody>
+      </p:sp>
+      <p:sp>
+        <p:nvSpPr>
+          <p:cNvPr id="23" name="Rechteck 22"/>
+          <p:cNvSpPr/>
+          <p:nvPr/>
+        </p:nvSpPr>
+        <p:spPr>
+          <a:xfrm>
+            <a:off x="134224" y="6629399"/>
+            <a:ext cx="1498023" cy="192947"/>
+          </a:xfrm>
+          <a:prstGeom prst="rect">
+            <a:avLst/>
+          </a:prstGeom>
+        </p:spPr>
+        <p:style>
+          <a:lnRef idx="2">
+            <a:schemeClr val="dk1"/>
+          </a:lnRef>
+          <a:fillRef idx="1">
+            <a:schemeClr val="lt1"/>
+          </a:fillRef>
+          <a:effectRef idx="0">
+            <a:schemeClr val="dk1"/>
+          </a:effectRef>
+          <a:fontRef idx="minor">
+            <a:schemeClr val="dk1"/>
+          </a:fontRef>
+        </p:style>
+        <p:txBody>
+          <a:bodyPr rtlCol="0" anchor="ctr"/>
+          <a:lstStyle/>
+          <a:p>
+            <a:pPr algn="ctr"/>
+            <a:r>
+              <a:rPr lang="de-DE" sz="1400" dirty="0">
+                <a:solidFill>
+                  <a:schemeClr val="tx1"/>
+                </a:solidFill>
+              </a:rPr>
+              <a:t>Link zur Schul-HP</a:t>
+            </a:r>
+          </a:p>
+        </p:txBody>
+      </p:sp>
+      <p:sp>
+        <p:nvSpPr>
+          <p:cNvPr id="3" name="Rechteck 2"/>
+          <p:cNvSpPr/>
+          <p:nvPr/>
+        </p:nvSpPr>
+        <p:spPr>
+          <a:xfrm>
+            <a:off x="1632247" y="718144"/>
+            <a:ext cx="4028190" cy="646331"/>
+          </a:xfrm>
+          <a:prstGeom prst="rect">
+            <a:avLst/>
+          </a:prstGeom>
+          <a:noFill/>
+        </p:spPr>
+        <p:txBody>
+          <a:bodyPr wrap="square" lIns="91440" tIns="45720" rIns="91440" bIns="45720">
+            <a:spAutoFit/>
+          </a:bodyPr>
+          <a:lstStyle/>
+          <a:p>
+            <a:r>
+              <a:rPr lang="de-DE" sz="3600" b="0" cap="none" spc="0" dirty="0">
+                <a:ln w="0"/>
+                <a:solidFill>
+                  <a:schemeClr val="tx1"/>
+                </a:solidFill>
+                <a:effectLst>
+                  <a:outerShdw blurRad="38100" dist="19050" dir="2700000" algn="tl" rotWithShape="0">
+                    <a:schemeClr val="dk1">
+                      <a:alpha val="40000"/>
+                    </a:schemeClr>
+                  </a:outerShdw>
+                </a:effectLst>
+              </a:rPr>
+              <a:t>Geräteverwaltung</a:t>
+            </a:r>
+          </a:p>
+        </p:txBody>
+      </p:sp>
+      <p:sp>
+        <p:nvSpPr>
+          <p:cNvPr id="24" name="Rechteck 23"/>
+          <p:cNvSpPr/>
+          <p:nvPr/>
+        </p:nvSpPr>
+        <p:spPr>
+          <a:xfrm>
+            <a:off x="20282" y="1461834"/>
+            <a:ext cx="1213658" cy="523220"/>
+          </a:xfrm>
+          <a:prstGeom prst="rect">
+            <a:avLst/>
+          </a:prstGeom>
+          <a:noFill/>
+        </p:spPr>
+        <p:txBody>
+          <a:bodyPr wrap="square" lIns="91440" tIns="45720" rIns="91440" bIns="45720">
+            <a:spAutoFit/>
+          </a:bodyPr>
+          <a:lstStyle/>
+          <a:p>
+            <a:pPr algn="ctr"/>
+            <a:r>
+              <a:rPr lang="de-DE" sz="1400" dirty="0">
+                <a:ln w="0"/>
+                <a:effectLst>
+                  <a:outerShdw blurRad="38100" dist="19050" dir="2700000" algn="tl" rotWithShape="0">
+                    <a:schemeClr val="dk1">
+                      <a:alpha val="40000"/>
+                    </a:schemeClr>
+                  </a:outerShdw>
+                </a:effectLst>
+              </a:rPr>
+              <a:t>Gerät hinzufügen</a:t>
+            </a:r>
+            <a:endParaRPr lang="de-DE" sz="1400" b="0" cap="none" spc="0" dirty="0">
+              <a:ln w="0"/>
+              <a:solidFill>
+                <a:schemeClr val="tx1"/>
+              </a:solidFill>
+              <a:effectLst>
+                <a:outerShdw blurRad="38100" dist="19050" dir="2700000" algn="tl" rotWithShape="0">
+                  <a:schemeClr val="dk1">
+                    <a:alpha val="40000"/>
+                  </a:schemeClr>
+                </a:outerShdw>
+              </a:effectLst>
+            </a:endParaRPr>
+          </a:p>
+        </p:txBody>
+      </p:sp>
+      <p:pic>
+        <p:nvPicPr>
+          <p:cNvPr id="30" name="Grafik 29"/>
+          <p:cNvPicPr>
+            <a:picLocks noChangeAspect="1"/>
+          </p:cNvPicPr>
+          <p:nvPr/>
+        </p:nvPicPr>
+        <p:blipFill>
+          <a:blip r:embed="rId2">
+            <a:extLst>
+              <a:ext uri="{28A0092B-C50C-407E-A947-70E740481C1C}">
+                <a14:useLocalDpi xmlns:a14="http://schemas.microsoft.com/office/drawing/2010/main" val="0"/>
+              </a:ext>
+            </a:extLst>
+          </a:blip>
+          <a:stretch>
+            <a:fillRect/>
+          </a:stretch>
+        </p:blipFill>
+        <p:spPr>
+          <a:xfrm>
+            <a:off x="210281" y="63397"/>
+            <a:ext cx="1130694" cy="493394"/>
+          </a:xfrm>
+          <a:prstGeom prst="rect">
+            <a:avLst/>
+          </a:prstGeom>
+        </p:spPr>
+      </p:pic>
+      <p:sp>
+        <p:nvSpPr>
+          <p:cNvPr id="31" name="Rechteck 30"/>
+          <p:cNvSpPr/>
+          <p:nvPr/>
+        </p:nvSpPr>
+        <p:spPr>
+          <a:xfrm>
+            <a:off x="1484244" y="0"/>
+            <a:ext cx="10707756" cy="620785"/>
+          </a:xfrm>
+          <a:prstGeom prst="rect">
+            <a:avLst/>
+          </a:prstGeom>
+          <a:solidFill>
+            <a:srgbClr val="9ABEDF"/>
+          </a:solidFill>
+          <a:ln>
+            <a:solidFill>
+              <a:srgbClr val="9ABEDF"/>
+            </a:solidFill>
+          </a:ln>
+        </p:spPr>
+        <p:style>
+          <a:lnRef idx="2">
+            <a:schemeClr val="accent3"/>
+          </a:lnRef>
+          <a:fillRef idx="1">
+            <a:schemeClr val="lt1"/>
+          </a:fillRef>
+          <a:effectRef idx="0">
+            <a:schemeClr val="accent3"/>
+          </a:effectRef>
+          <a:fontRef idx="minor">
+            <a:schemeClr val="dk1"/>
+          </a:fontRef>
+        </p:style>
+        <p:txBody>
+          <a:bodyPr rtlCol="0" anchor="ctr"/>
+          <a:lstStyle/>
+          <a:p>
+            <a:pPr algn="ctr"/>
+            <a:endParaRPr lang="de-DE"/>
+          </a:p>
+        </p:txBody>
+      </p:sp>
+      <p:sp>
+        <p:nvSpPr>
+          <p:cNvPr id="16" name="Rechteck 15"/>
+          <p:cNvSpPr/>
+          <p:nvPr/>
+        </p:nvSpPr>
+        <p:spPr>
+          <a:xfrm>
+            <a:off x="1906271" y="1255654"/>
+            <a:ext cx="1733533" cy="400110"/>
+          </a:xfrm>
+          <a:prstGeom prst="rect">
+            <a:avLst/>
+          </a:prstGeom>
+          <a:noFill/>
+        </p:spPr>
+        <p:txBody>
+          <a:bodyPr wrap="square" lIns="91440" tIns="45720" rIns="91440" bIns="45720">
+            <a:spAutoFit/>
+          </a:bodyPr>
+          <a:lstStyle/>
+          <a:p>
+            <a:r>
+              <a:rPr lang="de-DE" sz="2000" dirty="0">
+                <a:ln w="0"/>
+                <a:effectLst>
+                  <a:outerShdw blurRad="38100" dist="19050" dir="2700000" algn="tl" rotWithShape="0">
+                    <a:schemeClr val="dk1">
+                      <a:alpha val="40000"/>
+                    </a:schemeClr>
+                  </a:outerShdw>
+                </a:effectLst>
+              </a:rPr>
+              <a:t>Detailseite</a:t>
+            </a:r>
+            <a:endParaRPr lang="de-DE" sz="2000" b="0" cap="none" spc="0" dirty="0">
+              <a:ln w="0"/>
+              <a:solidFill>
+                <a:schemeClr val="tx1"/>
+              </a:solidFill>
+              <a:effectLst>
+                <a:outerShdw blurRad="38100" dist="19050" dir="2700000" algn="tl" rotWithShape="0">
+                  <a:schemeClr val="dk1">
+                    <a:alpha val="40000"/>
+                  </a:schemeClr>
+                </a:outerShdw>
+              </a:effectLst>
+            </a:endParaRPr>
+          </a:p>
+        </p:txBody>
+      </p:sp>
+      <p:sp>
+        <p:nvSpPr>
+          <p:cNvPr id="32" name="Rechteck 31"/>
+          <p:cNvSpPr/>
+          <p:nvPr/>
+        </p:nvSpPr>
+        <p:spPr>
+          <a:xfrm>
+            <a:off x="20282" y="782364"/>
+            <a:ext cx="1213658" cy="523220"/>
+          </a:xfrm>
+          <a:prstGeom prst="rect">
+            <a:avLst/>
+          </a:prstGeom>
+          <a:noFill/>
+        </p:spPr>
+        <p:txBody>
+          <a:bodyPr wrap="square" lIns="91440" tIns="45720" rIns="91440" bIns="45720">
+            <a:spAutoFit/>
+          </a:bodyPr>
+          <a:lstStyle/>
+          <a:p>
+            <a:pPr algn="ctr"/>
+            <a:r>
+              <a:rPr lang="de-DE" sz="1400" dirty="0">
+                <a:ln w="0"/>
+                <a:effectLst>
+                  <a:outerShdw blurRad="38100" dist="19050" dir="2700000" algn="tl" rotWithShape="0">
+                    <a:schemeClr val="dk1">
+                      <a:alpha val="40000"/>
+                    </a:schemeClr>
+                  </a:outerShdw>
+                </a:effectLst>
+              </a:rPr>
+              <a:t>Geräte-</a:t>
+            </a:r>
+          </a:p>
+          <a:p>
+            <a:pPr algn="ctr"/>
+            <a:r>
+              <a:rPr lang="de-DE" sz="1400" b="0" cap="none" spc="0" dirty="0">
+                <a:ln w="0"/>
+                <a:solidFill>
+                  <a:schemeClr val="tx1"/>
+                </a:solidFill>
+                <a:effectLst>
+                  <a:outerShdw blurRad="38100" dist="19050" dir="2700000" algn="tl" rotWithShape="0">
+                    <a:schemeClr val="dk1">
+                      <a:alpha val="40000"/>
+                    </a:schemeClr>
+                  </a:outerShdw>
+                </a:effectLst>
+              </a:rPr>
+              <a:t>Liste</a:t>
+            </a:r>
+          </a:p>
+        </p:txBody>
+      </p:sp>
+      <p:sp>
+        <p:nvSpPr>
+          <p:cNvPr id="6" name="Rechteck 5"/>
+          <p:cNvSpPr/>
+          <p:nvPr/>
+        </p:nvSpPr>
+        <p:spPr>
+          <a:xfrm>
+            <a:off x="2390193" y="2967335"/>
+            <a:ext cx="7411644" cy="1323439"/>
+          </a:xfrm>
+          <a:prstGeom prst="rect">
+            <a:avLst/>
+          </a:prstGeom>
+          <a:noFill/>
+        </p:spPr>
+        <p:txBody>
+          <a:bodyPr wrap="none" lIns="91440" tIns="45720" rIns="91440" bIns="45720">
+            <a:spAutoFit/>
+          </a:bodyPr>
+          <a:lstStyle/>
+          <a:p>
+            <a:pPr algn="ctr"/>
+            <a:r>
+              <a:rPr lang="de-DE" sz="2000" b="0" cap="none" spc="0" dirty="0">
+                <a:ln w="0"/>
+                <a:solidFill>
+                  <a:schemeClr val="tx1"/>
+                </a:solidFill>
+                <a:effectLst>
+                  <a:outerShdw blurRad="38100" dist="19050" dir="2700000" algn="tl" rotWithShape="0">
+                    <a:schemeClr val="dk1">
+                      <a:alpha val="40000"/>
+                    </a:schemeClr>
+                  </a:outerShdw>
+                </a:effectLst>
+              </a:rPr>
+              <a:t>Nicht editierbare Infos über das einzelne Gerät, </a:t>
+            </a:r>
+          </a:p>
+          <a:p>
+            <a:pPr algn="ctr"/>
+            <a:r>
+              <a:rPr lang="de-DE" sz="2000" b="0" cap="none" spc="0" dirty="0">
+                <a:ln w="0"/>
+                <a:solidFill>
+                  <a:schemeClr val="tx1"/>
+                </a:solidFill>
+                <a:effectLst>
+                  <a:outerShdw blurRad="38100" dist="19050" dir="2700000" algn="tl" rotWithShape="0">
+                    <a:schemeClr val="dk1">
+                      <a:alpha val="40000"/>
+                    </a:schemeClr>
+                  </a:outerShdw>
+                </a:effectLst>
+              </a:rPr>
+              <a:t>mit Lösch- und Bearbeitungsbutton.</a:t>
+            </a:r>
+          </a:p>
+          <a:p>
+            <a:pPr marL="342900" indent="-342900" algn="ctr">
+              <a:buFontTx/>
+              <a:buChar char="-"/>
+            </a:pPr>
+            <a:r>
+              <a:rPr lang="de-DE" sz="2000" b="0" cap="none" spc="0" dirty="0">
+                <a:ln w="0"/>
+                <a:solidFill>
+                  <a:schemeClr val="tx1"/>
+                </a:solidFill>
+                <a:effectLst>
+                  <a:outerShdw blurRad="38100" dist="19050" dir="2700000" algn="tl" rotWithShape="0">
+                    <a:schemeClr val="dk1">
+                      <a:alpha val="40000"/>
+                    </a:schemeClr>
+                  </a:outerShdw>
+                </a:effectLst>
+              </a:rPr>
+              <a:t>Bearbeitungsbutton -&gt; Felder werden auf editierbar gesetzt</a:t>
+            </a:r>
+          </a:p>
+          <a:p>
+            <a:pPr marL="342900" indent="-342900" algn="ctr">
+              <a:buFontTx/>
+              <a:buChar char="-"/>
+            </a:pPr>
+            <a:r>
+              <a:rPr lang="de-DE" sz="2000" b="0" cap="none" spc="0" dirty="0">
+                <a:ln w="0"/>
+                <a:solidFill>
+                  <a:schemeClr val="tx1"/>
+                </a:solidFill>
+                <a:effectLst>
+                  <a:outerShdw blurRad="38100" dist="19050" dir="2700000" algn="tl" rotWithShape="0">
+                    <a:schemeClr val="dk1">
+                      <a:alpha val="40000"/>
+                    </a:schemeClr>
+                  </a:outerShdw>
+                </a:effectLst>
+              </a:rPr>
+              <a:t>Beim Löschen -&gt; automatische Weiterleitung auf Gerät-Liste-Seite</a:t>
+            </a:r>
+          </a:p>
+        </p:txBody>
+      </p:sp>
+    </p:spTree>
+    <p:extLst>
+      <p:ext uri="{BB962C8B-B14F-4D97-AF65-F5344CB8AC3E}">
+        <p14:creationId xmlns:p14="http://schemas.microsoft.com/office/powerpoint/2010/main" val="2557222725"/>
+      </p:ext>
+    </p:extLst>
+  </p:cSld>
+  <p:clrMapOvr>
+    <a:masterClrMapping/>
+  </p:clrMapOvr>
+</p:sld>
+</file>
+
+<file path=ppt/slides/slide9.xml><?xml version="1.0" encoding="utf-8"?>
+<p:sld xmlns:a="http://schemas.openxmlformats.org/drawingml/2006/main" xmlns:r="http://schemas.openxmlformats.org/officeDocument/2006/relationships" xmlns:p="http://schemas.openxmlformats.org/presentationml/2006/main">
+  <p:cSld>
+    <p:spTree>
+      <p:nvGrpSpPr>
+        <p:cNvPr id="1" name=""/>
+        <p:cNvGrpSpPr/>
+        <p:nvPr/>
+      </p:nvGrpSpPr>
+      <p:grpSpPr>
+        <a:xfrm>
+          <a:off x="0" y="0"/>
+          <a:ext cx="0" cy="0"/>
+          <a:chOff x="0" y="0"/>
+          <a:chExt cx="0" cy="0"/>
+        </a:xfrm>
+      </p:grpSpPr>
+      <p:sp>
+        <p:nvSpPr>
+          <p:cNvPr id="14" name="Rechteck 13"/>
+          <p:cNvSpPr/>
+          <p:nvPr/>
+        </p:nvSpPr>
+        <p:spPr>
+          <a:xfrm>
+            <a:off x="0" y="620785"/>
+            <a:ext cx="1262543" cy="5972962"/>
+          </a:xfrm>
+          <a:prstGeom prst="rect">
+            <a:avLst/>
+          </a:prstGeom>
+          <a:solidFill>
+            <a:srgbClr val="9ABEDF"/>
+          </a:solidFill>
+          <a:ln>
+            <a:solidFill>
+              <a:srgbClr val="9ABEDF"/>
+            </a:solidFill>
+          </a:ln>
+        </p:spPr>
+        <p:style>
+          <a:lnRef idx="2">
+            <a:schemeClr val="accent1">
+              <a:shade val="50000"/>
+            </a:schemeClr>
+          </a:lnRef>
+          <a:fillRef idx="1">
+            <a:schemeClr val="accent1"/>
+          </a:fillRef>
+          <a:effectRef idx="0">
+            <a:schemeClr val="accent1"/>
+          </a:effectRef>
+          <a:fontRef idx="minor">
+            <a:schemeClr val="lt1"/>
+          </a:fontRef>
+        </p:style>
+        <p:txBody>
+          <a:bodyPr rtlCol="0" anchor="ctr"/>
+          <a:lstStyle/>
+          <a:p>
+            <a:pPr algn="ctr"/>
+            <a:endParaRPr lang="de-DE"/>
+          </a:p>
+        </p:txBody>
+      </p:sp>
+      <p:sp>
+        <p:nvSpPr>
+          <p:cNvPr id="5" name="Rechteck 4"/>
+          <p:cNvSpPr/>
+          <p:nvPr/>
+        </p:nvSpPr>
+        <p:spPr>
+          <a:xfrm>
+            <a:off x="0" y="6593747"/>
+            <a:ext cx="12192000" cy="264253"/>
+          </a:xfrm>
+          <a:prstGeom prst="rect">
+            <a:avLst/>
+          </a:prstGeom>
+          <a:solidFill>
+            <a:srgbClr val="9ABEDF"/>
+          </a:solidFill>
+          <a:ln>
+            <a:solidFill>
+              <a:srgbClr val="9ABEDF"/>
+            </a:solidFill>
+          </a:ln>
+        </p:spPr>
+        <p:style>
+          <a:lnRef idx="2">
+            <a:schemeClr val="accent1">
+              <a:shade val="50000"/>
+            </a:schemeClr>
+          </a:lnRef>
+          <a:fillRef idx="1">
+            <a:schemeClr val="accent1"/>
+          </a:fillRef>
+          <a:effectRef idx="0">
+            <a:schemeClr val="accent1"/>
+          </a:effectRef>
+          <a:fontRef idx="minor">
+            <a:schemeClr val="lt1"/>
+          </a:fontRef>
+        </p:style>
+        <p:txBody>
+          <a:bodyPr rtlCol="0" anchor="ctr"/>
+          <a:lstStyle/>
+          <a:p>
+            <a:pPr algn="ctr"/>
+            <a:endParaRPr lang="de-DE"/>
+          </a:p>
+        </p:txBody>
+      </p:sp>
+      <p:sp>
+        <p:nvSpPr>
+          <p:cNvPr id="8" name="Rechteck 7"/>
+          <p:cNvSpPr/>
+          <p:nvPr/>
+        </p:nvSpPr>
+        <p:spPr>
+          <a:xfrm>
+            <a:off x="11232859" y="6629399"/>
+            <a:ext cx="864066" cy="192947"/>
+          </a:xfrm>
+          <a:prstGeom prst="rect">
+            <a:avLst/>
+          </a:prstGeom>
+        </p:spPr>
+        <p:style>
+          <a:lnRef idx="2">
+            <a:schemeClr val="dk1"/>
+          </a:lnRef>
+          <a:fillRef idx="1">
+            <a:schemeClr val="lt1"/>
+          </a:fillRef>
+          <a:effectRef idx="0">
+            <a:schemeClr val="dk1"/>
+          </a:effectRef>
+          <a:fontRef idx="minor">
+            <a:schemeClr val="dk1"/>
+          </a:fontRef>
+        </p:style>
+        <p:txBody>
+          <a:bodyPr rtlCol="0" anchor="ctr"/>
+          <a:lstStyle/>
+          <a:p>
+            <a:pPr algn="ctr"/>
+            <a:r>
+              <a:rPr lang="de-DE" dirty="0"/>
+              <a:t>Hilfe</a:t>
+            </a:r>
+          </a:p>
+        </p:txBody>
+      </p:sp>
+      <p:sp>
+        <p:nvSpPr>
+          <p:cNvPr id="9" name="Rechteck 8"/>
+          <p:cNvSpPr/>
+          <p:nvPr/>
+        </p:nvSpPr>
+        <p:spPr>
+          <a:xfrm>
+            <a:off x="9571839" y="6629399"/>
+            <a:ext cx="1560352" cy="192947"/>
+          </a:xfrm>
+          <a:prstGeom prst="rect">
+            <a:avLst/>
+          </a:prstGeom>
+        </p:spPr>
+        <p:style>
+          <a:lnRef idx="2">
+            <a:schemeClr val="dk1"/>
+          </a:lnRef>
+          <a:fillRef idx="1">
+            <a:schemeClr val="lt1"/>
+          </a:fillRef>
+          <a:effectRef idx="0">
+            <a:schemeClr val="dk1"/>
+          </a:effectRef>
+          <a:fontRef idx="minor">
+            <a:schemeClr val="dk1"/>
+          </a:fontRef>
+        </p:style>
+        <p:txBody>
+          <a:bodyPr rtlCol="0" anchor="ctr"/>
+          <a:lstStyle/>
+          <a:p>
+            <a:pPr algn="ctr"/>
+            <a:r>
+              <a:rPr lang="de-DE" dirty="0"/>
+              <a:t>Kontakt/Ticket</a:t>
+            </a:r>
+          </a:p>
+        </p:txBody>
+      </p:sp>
+      <p:sp>
+        <p:nvSpPr>
+          <p:cNvPr id="23" name="Rechteck 22"/>
+          <p:cNvSpPr/>
+          <p:nvPr/>
+        </p:nvSpPr>
+        <p:spPr>
+          <a:xfrm>
+            <a:off x="134224" y="6629399"/>
+            <a:ext cx="1498023" cy="192947"/>
+          </a:xfrm>
+          <a:prstGeom prst="rect">
+            <a:avLst/>
+          </a:prstGeom>
+        </p:spPr>
+        <p:style>
+          <a:lnRef idx="2">
+            <a:schemeClr val="dk1"/>
+          </a:lnRef>
+          <a:fillRef idx="1">
+            <a:schemeClr val="lt1"/>
+          </a:fillRef>
+          <a:effectRef idx="0">
+            <a:schemeClr val="dk1"/>
+          </a:effectRef>
+          <a:fontRef idx="minor">
+            <a:schemeClr val="dk1"/>
+          </a:fontRef>
+        </p:style>
+        <p:txBody>
+          <a:bodyPr rtlCol="0" anchor="ctr"/>
+          <a:lstStyle/>
+          <a:p>
+            <a:pPr algn="ctr"/>
+            <a:r>
+              <a:rPr lang="de-DE" sz="1400" dirty="0">
+                <a:solidFill>
+                  <a:schemeClr val="tx1"/>
+                </a:solidFill>
+              </a:rPr>
+              <a:t>Link zur Schul-HP</a:t>
+            </a:r>
+          </a:p>
+        </p:txBody>
+      </p:sp>
+      <p:pic>
+        <p:nvPicPr>
+          <p:cNvPr id="30" name="Grafik 29"/>
+          <p:cNvPicPr>
+            <a:picLocks noChangeAspect="1"/>
+          </p:cNvPicPr>
+          <p:nvPr/>
+        </p:nvPicPr>
+        <p:blipFill>
+          <a:blip r:embed="rId2">
+            <a:extLst>
+              <a:ext uri="{28A0092B-C50C-407E-A947-70E740481C1C}">
+                <a14:useLocalDpi xmlns:a14="http://schemas.microsoft.com/office/drawing/2010/main" val="0"/>
+              </a:ext>
+            </a:extLst>
+          </a:blip>
+          <a:stretch>
+            <a:fillRect/>
+          </a:stretch>
+        </p:blipFill>
+        <p:spPr>
+          <a:xfrm>
+            <a:off x="210281" y="63397"/>
+            <a:ext cx="1130694" cy="493394"/>
+          </a:xfrm>
+          <a:prstGeom prst="rect">
+            <a:avLst/>
+          </a:prstGeom>
+        </p:spPr>
+      </p:pic>
+      <p:sp>
+        <p:nvSpPr>
+          <p:cNvPr id="31" name="Rechteck 30"/>
+          <p:cNvSpPr/>
+          <p:nvPr/>
+        </p:nvSpPr>
+        <p:spPr>
+          <a:xfrm>
+            <a:off x="1484244" y="0"/>
+            <a:ext cx="10707756" cy="620785"/>
+          </a:xfrm>
+          <a:prstGeom prst="rect">
+            <a:avLst/>
+          </a:prstGeom>
+          <a:solidFill>
+            <a:srgbClr val="9ABEDF"/>
+          </a:solidFill>
+          <a:ln>
+            <a:solidFill>
+              <a:srgbClr val="9ABEDF"/>
+            </a:solidFill>
+          </a:ln>
+        </p:spPr>
+        <p:style>
+          <a:lnRef idx="2">
+            <a:schemeClr val="accent3"/>
+          </a:lnRef>
+          <a:fillRef idx="1">
+            <a:schemeClr val="lt1"/>
+          </a:fillRef>
+          <a:effectRef idx="0">
+            <a:schemeClr val="accent3"/>
+          </a:effectRef>
+          <a:fontRef idx="minor">
+            <a:schemeClr val="dk1"/>
+          </a:fontRef>
+        </p:style>
+        <p:txBody>
+          <a:bodyPr rtlCol="0" anchor="ctr"/>
+          <a:lstStyle/>
+          <a:p>
+            <a:pPr algn="ctr"/>
+            <a:endParaRPr lang="de-DE"/>
+          </a:p>
+        </p:txBody>
+      </p:sp>
+      <p:sp>
+        <p:nvSpPr>
+          <p:cNvPr id="36" name="Rechteck 35"/>
+          <p:cNvSpPr/>
+          <p:nvPr/>
+        </p:nvSpPr>
+        <p:spPr>
+          <a:xfrm>
+            <a:off x="3061252" y="2317415"/>
+            <a:ext cx="4055165" cy="357809"/>
+          </a:xfrm>
+          <a:prstGeom prst="rect">
+            <a:avLst/>
+          </a:prstGeom>
+          <a:ln>
+            <a:solidFill>
+              <a:schemeClr val="tx1"/>
+            </a:solidFill>
+          </a:ln>
+        </p:spPr>
+        <p:style>
+          <a:lnRef idx="2">
+            <a:schemeClr val="accent6"/>
+          </a:lnRef>
+          <a:fillRef idx="1">
+            <a:schemeClr val="lt1"/>
+          </a:fillRef>
+          <a:effectRef idx="0">
+            <a:schemeClr val="accent6"/>
+          </a:effectRef>
+          <a:fontRef idx="minor">
+            <a:schemeClr val="dk1"/>
+          </a:fontRef>
+        </p:style>
+        <p:txBody>
+          <a:bodyPr rtlCol="0" anchor="ctr"/>
+          <a:lstStyle/>
+          <a:p>
+            <a:pPr algn="ctr"/>
+            <a:endParaRPr lang="de-DE"/>
+          </a:p>
+        </p:txBody>
+      </p:sp>
+      <p:sp>
+        <p:nvSpPr>
+          <p:cNvPr id="37" name="Rechteck 36"/>
+          <p:cNvSpPr/>
+          <p:nvPr/>
+        </p:nvSpPr>
+        <p:spPr>
+          <a:xfrm>
+            <a:off x="3061252" y="3300751"/>
+            <a:ext cx="4055165" cy="357809"/>
+          </a:xfrm>
+          <a:prstGeom prst="rect">
+            <a:avLst/>
+          </a:prstGeom>
+          <a:ln>
+            <a:solidFill>
+              <a:schemeClr val="tx1"/>
+            </a:solidFill>
+          </a:ln>
+        </p:spPr>
+        <p:style>
+          <a:lnRef idx="2">
+            <a:schemeClr val="accent6"/>
+          </a:lnRef>
+          <a:fillRef idx="1">
+            <a:schemeClr val="lt1"/>
+          </a:fillRef>
+          <a:effectRef idx="0">
+            <a:schemeClr val="accent6"/>
+          </a:effectRef>
+          <a:fontRef idx="minor">
+            <a:schemeClr val="dk1"/>
+          </a:fontRef>
+        </p:style>
+        <p:txBody>
+          <a:bodyPr rtlCol="0" anchor="ctr"/>
+          <a:lstStyle/>
+          <a:p>
+            <a:pPr algn="ctr"/>
+            <a:endParaRPr lang="de-DE" dirty="0"/>
+          </a:p>
+        </p:txBody>
+      </p:sp>
+      <p:sp>
+        <p:nvSpPr>
+          <p:cNvPr id="38" name="Rechteck 37"/>
+          <p:cNvSpPr/>
+          <p:nvPr/>
+        </p:nvSpPr>
+        <p:spPr>
+          <a:xfrm>
+            <a:off x="3061252" y="1767104"/>
+            <a:ext cx="3358955" cy="523220"/>
+          </a:xfrm>
+          <a:prstGeom prst="rect">
+            <a:avLst/>
+          </a:prstGeom>
+          <a:noFill/>
+        </p:spPr>
+        <p:txBody>
+          <a:bodyPr wrap="square" lIns="91440" tIns="45720" rIns="91440" bIns="45720">
+            <a:spAutoFit/>
+          </a:bodyPr>
+          <a:lstStyle/>
+          <a:p>
+            <a:r>
+              <a:rPr lang="de-DE" sz="2800" dirty="0">
+                <a:ln w="0"/>
+                <a:effectLst>
+                  <a:outerShdw blurRad="38100" dist="19050" dir="2700000" algn="tl" rotWithShape="0">
+                    <a:schemeClr val="dk1">
+                      <a:alpha val="40000"/>
+                    </a:schemeClr>
+                  </a:outerShdw>
+                </a:effectLst>
+              </a:rPr>
+              <a:t>Gerätebezeichnung</a:t>
+            </a:r>
+            <a:endParaRPr lang="de-DE" sz="2800" b="0" cap="none" spc="0" dirty="0">
+              <a:ln w="0"/>
+              <a:solidFill>
+                <a:schemeClr val="tx1"/>
+              </a:solidFill>
+              <a:effectLst>
+                <a:outerShdw blurRad="38100" dist="19050" dir="2700000" algn="tl" rotWithShape="0">
+                  <a:schemeClr val="dk1">
+                    <a:alpha val="40000"/>
+                  </a:schemeClr>
+                </a:outerShdw>
+              </a:effectLst>
+            </a:endParaRPr>
+          </a:p>
+        </p:txBody>
+      </p:sp>
+      <p:sp>
+        <p:nvSpPr>
+          <p:cNvPr id="39" name="Rechteck 38"/>
+          <p:cNvSpPr/>
+          <p:nvPr/>
+        </p:nvSpPr>
+        <p:spPr>
+          <a:xfrm>
+            <a:off x="3061251" y="2772077"/>
+            <a:ext cx="3358955" cy="523220"/>
+          </a:xfrm>
+          <a:prstGeom prst="rect">
+            <a:avLst/>
+          </a:prstGeom>
+          <a:noFill/>
+        </p:spPr>
+        <p:txBody>
+          <a:bodyPr wrap="square" lIns="91440" tIns="45720" rIns="91440" bIns="45720">
+            <a:spAutoFit/>
+          </a:bodyPr>
+          <a:lstStyle/>
+          <a:p>
+            <a:r>
+              <a:rPr lang="de-DE" sz="2800" dirty="0">
+                <a:ln w="0"/>
+                <a:effectLst>
+                  <a:outerShdw blurRad="38100" dist="19050" dir="2700000" algn="tl" rotWithShape="0">
+                    <a:schemeClr val="dk1">
+                      <a:alpha val="40000"/>
+                    </a:schemeClr>
+                  </a:outerShdw>
+                </a:effectLst>
+              </a:rPr>
+              <a:t>Hersteller</a:t>
+            </a:r>
+            <a:endParaRPr lang="de-DE" sz="2800" b="0" cap="none" spc="0" dirty="0">
+              <a:ln w="0"/>
+              <a:solidFill>
+                <a:schemeClr val="tx1"/>
+              </a:solidFill>
+              <a:effectLst>
+                <a:outerShdw blurRad="38100" dist="19050" dir="2700000" algn="tl" rotWithShape="0">
+                  <a:schemeClr val="dk1">
+                    <a:alpha val="40000"/>
+                  </a:schemeClr>
+                </a:outerShdw>
+              </a:effectLst>
+            </a:endParaRPr>
+          </a:p>
+        </p:txBody>
+      </p:sp>
+      <p:sp>
+        <p:nvSpPr>
+          <p:cNvPr id="40" name="Rechteck 39"/>
+          <p:cNvSpPr/>
+          <p:nvPr/>
+        </p:nvSpPr>
+        <p:spPr>
+          <a:xfrm>
+            <a:off x="3061252" y="4320560"/>
+            <a:ext cx="4055165" cy="357809"/>
+          </a:xfrm>
+          <a:prstGeom prst="rect">
+            <a:avLst/>
+          </a:prstGeom>
+          <a:ln>
+            <a:solidFill>
+              <a:schemeClr val="tx1"/>
+            </a:solidFill>
+          </a:ln>
+        </p:spPr>
+        <p:style>
+          <a:lnRef idx="2">
+            <a:schemeClr val="accent6"/>
+          </a:lnRef>
+          <a:fillRef idx="1">
+            <a:schemeClr val="lt1"/>
+          </a:fillRef>
+          <a:effectRef idx="0">
+            <a:schemeClr val="accent6"/>
+          </a:effectRef>
+          <a:fontRef idx="minor">
+            <a:schemeClr val="dk1"/>
+          </a:fontRef>
+        </p:style>
+        <p:txBody>
+          <a:bodyPr rtlCol="0" anchor="ctr"/>
+          <a:lstStyle/>
+          <a:p>
+            <a:pPr algn="ctr"/>
+            <a:endParaRPr lang="de-DE"/>
+          </a:p>
+        </p:txBody>
+      </p:sp>
+      <p:sp>
+        <p:nvSpPr>
+          <p:cNvPr id="41" name="Rechteck 40"/>
+          <p:cNvSpPr/>
+          <p:nvPr/>
+        </p:nvSpPr>
+        <p:spPr>
+          <a:xfrm>
+            <a:off x="3061252" y="5303896"/>
+            <a:ext cx="4055165" cy="357809"/>
+          </a:xfrm>
+          <a:prstGeom prst="rect">
+            <a:avLst/>
+          </a:prstGeom>
+          <a:ln>
+            <a:solidFill>
+              <a:schemeClr val="tx1"/>
+            </a:solidFill>
+          </a:ln>
+        </p:spPr>
+        <p:style>
+          <a:lnRef idx="2">
+            <a:schemeClr val="accent6"/>
+          </a:lnRef>
+          <a:fillRef idx="1">
+            <a:schemeClr val="lt1"/>
+          </a:fillRef>
+          <a:effectRef idx="0">
+            <a:schemeClr val="accent6"/>
+          </a:effectRef>
+          <a:fontRef idx="minor">
+            <a:schemeClr val="dk1"/>
+          </a:fontRef>
+        </p:style>
+        <p:txBody>
+          <a:bodyPr rtlCol="0" anchor="ctr"/>
+          <a:lstStyle/>
+          <a:p>
+            <a:pPr algn="ctr"/>
+            <a:endParaRPr lang="de-DE" dirty="0"/>
+          </a:p>
+        </p:txBody>
+      </p:sp>
+      <p:sp>
+        <p:nvSpPr>
+          <p:cNvPr id="42" name="Rechteck 41"/>
+          <p:cNvSpPr/>
+          <p:nvPr/>
+        </p:nvSpPr>
+        <p:spPr>
+          <a:xfrm>
+            <a:off x="3061250" y="3822987"/>
+            <a:ext cx="3358955" cy="523220"/>
+          </a:xfrm>
+          <a:prstGeom prst="rect">
+            <a:avLst/>
+          </a:prstGeom>
+          <a:noFill/>
+        </p:spPr>
+        <p:txBody>
+          <a:bodyPr wrap="square" lIns="91440" tIns="45720" rIns="91440" bIns="45720">
+            <a:spAutoFit/>
+          </a:bodyPr>
+          <a:lstStyle/>
+          <a:p>
+            <a:r>
+              <a:rPr lang="de-DE" sz="2800" dirty="0">
+                <a:ln w="0"/>
+                <a:effectLst>
+                  <a:outerShdw blurRad="38100" dist="19050" dir="2700000" algn="tl" rotWithShape="0">
+                    <a:schemeClr val="dk1">
+                      <a:alpha val="40000"/>
+                    </a:schemeClr>
+                  </a:outerShdw>
+                </a:effectLst>
+              </a:rPr>
+              <a:t>Raum</a:t>
+            </a:r>
+            <a:endParaRPr lang="de-DE" sz="2800" b="0" cap="none" spc="0" dirty="0">
+              <a:ln w="0"/>
+              <a:solidFill>
+                <a:schemeClr val="tx1"/>
+              </a:solidFill>
+              <a:effectLst>
+                <a:outerShdw blurRad="38100" dist="19050" dir="2700000" algn="tl" rotWithShape="0">
+                  <a:schemeClr val="dk1">
+                    <a:alpha val="40000"/>
+                  </a:schemeClr>
+                </a:outerShdw>
+              </a:effectLst>
+            </a:endParaRPr>
+          </a:p>
+        </p:txBody>
+      </p:sp>
+      <p:sp>
+        <p:nvSpPr>
+          <p:cNvPr id="43" name="Rechteck 42"/>
+          <p:cNvSpPr/>
+          <p:nvPr/>
+        </p:nvSpPr>
+        <p:spPr>
+          <a:xfrm>
+            <a:off x="3061249" y="4770478"/>
+            <a:ext cx="3358955" cy="523220"/>
+          </a:xfrm>
+          <a:prstGeom prst="rect">
+            <a:avLst/>
+          </a:prstGeom>
+          <a:noFill/>
+        </p:spPr>
+        <p:txBody>
+          <a:bodyPr wrap="square" lIns="91440" tIns="45720" rIns="91440" bIns="45720">
+            <a:spAutoFit/>
+          </a:bodyPr>
+          <a:lstStyle/>
+          <a:p>
+            <a:r>
+              <a:rPr lang="de-DE" sz="2800" dirty="0">
+                <a:ln w="0"/>
+                <a:effectLst>
+                  <a:outerShdw blurRad="38100" dist="19050" dir="2700000" algn="tl" rotWithShape="0">
+                    <a:schemeClr val="dk1">
+                      <a:alpha val="40000"/>
+                    </a:schemeClr>
+                  </a:outerShdw>
+                </a:effectLst>
+              </a:rPr>
+              <a:t>Etc.</a:t>
+            </a:r>
+            <a:endParaRPr lang="de-DE" sz="2800" b="0" cap="none" spc="0" dirty="0">
+              <a:ln w="0"/>
+              <a:solidFill>
+                <a:schemeClr val="tx1"/>
+              </a:solidFill>
+              <a:effectLst>
+                <a:outerShdw blurRad="38100" dist="19050" dir="2700000" algn="tl" rotWithShape="0">
+                  <a:schemeClr val="dk1">
+                    <a:alpha val="40000"/>
+                  </a:schemeClr>
+                </a:outerShdw>
+              </a:effectLst>
+            </a:endParaRPr>
+          </a:p>
+        </p:txBody>
+      </p:sp>
+      <p:sp>
+        <p:nvSpPr>
+          <p:cNvPr id="44" name="Rechteck 43"/>
+          <p:cNvSpPr/>
+          <p:nvPr/>
+        </p:nvSpPr>
+        <p:spPr>
+          <a:xfrm>
+            <a:off x="5777949" y="5978663"/>
+            <a:ext cx="1338468" cy="371061"/>
+          </a:xfrm>
+          <a:prstGeom prst="rect">
+            <a:avLst/>
+          </a:prstGeom>
+          <a:solidFill>
+            <a:srgbClr val="9ABEDF"/>
+          </a:solidFill>
+        </p:spPr>
+        <p:style>
+          <a:lnRef idx="2">
+            <a:schemeClr val="accent1">
+              <a:shade val="50000"/>
+            </a:schemeClr>
+          </a:lnRef>
+          <a:fillRef idx="1">
+            <a:schemeClr val="accent1"/>
+          </a:fillRef>
+          <a:effectRef idx="0">
+            <a:schemeClr val="accent1"/>
+          </a:effectRef>
+          <a:fontRef idx="minor">
+            <a:schemeClr val="lt1"/>
+          </a:fontRef>
+        </p:style>
+        <p:txBody>
+          <a:bodyPr rtlCol="0" anchor="ctr"/>
+          <a:lstStyle/>
+          <a:p>
+            <a:pPr algn="ctr"/>
+            <a:r>
+              <a:rPr lang="de-DE" dirty="0">
+                <a:solidFill>
+                  <a:schemeClr val="tx1"/>
+                </a:solidFill>
+              </a:rPr>
+              <a:t>Erstellen</a:t>
+            </a:r>
+          </a:p>
+        </p:txBody>
+      </p:sp>
+      <p:sp>
+        <p:nvSpPr>
+          <p:cNvPr id="45" name="Rechteck 44"/>
+          <p:cNvSpPr/>
+          <p:nvPr/>
+        </p:nvSpPr>
+        <p:spPr>
+          <a:xfrm>
+            <a:off x="3061252" y="5978664"/>
+            <a:ext cx="1470992" cy="371061"/>
+          </a:xfrm>
+          <a:prstGeom prst="rect">
+            <a:avLst/>
+          </a:prstGeom>
+          <a:solidFill>
+            <a:srgbClr val="9ABEDF"/>
+          </a:solidFill>
+        </p:spPr>
+        <p:style>
+          <a:lnRef idx="2">
+            <a:schemeClr val="accent1">
+              <a:shade val="50000"/>
+            </a:schemeClr>
+          </a:lnRef>
+          <a:fillRef idx="1">
+            <a:schemeClr val="accent1"/>
+          </a:fillRef>
+          <a:effectRef idx="0">
+            <a:schemeClr val="accent1"/>
+          </a:effectRef>
+          <a:fontRef idx="minor">
+            <a:schemeClr val="lt1"/>
+          </a:fontRef>
+        </p:style>
+        <p:txBody>
+          <a:bodyPr rtlCol="0" anchor="ctr"/>
+          <a:lstStyle/>
+          <a:p>
+            <a:pPr algn="ctr"/>
+            <a:r>
+              <a:rPr lang="de-DE" dirty="0">
+                <a:solidFill>
+                  <a:schemeClr val="tx1"/>
+                </a:solidFill>
+              </a:rPr>
+              <a:t>Zurücksetzen</a:t>
+            </a:r>
+          </a:p>
+        </p:txBody>
+      </p:sp>
+      <p:sp>
+        <p:nvSpPr>
+          <p:cNvPr id="25" name="Rechteck 24"/>
+          <p:cNvSpPr/>
+          <p:nvPr/>
+        </p:nvSpPr>
+        <p:spPr>
+          <a:xfrm>
+            <a:off x="20282" y="1461834"/>
+            <a:ext cx="1213658" cy="523220"/>
+          </a:xfrm>
+          <a:prstGeom prst="rect">
+            <a:avLst/>
+          </a:prstGeom>
+          <a:noFill/>
+        </p:spPr>
+        <p:txBody>
+          <a:bodyPr wrap="square" lIns="91440" tIns="45720" rIns="91440" bIns="45720">
+            <a:spAutoFit/>
+          </a:bodyPr>
+          <a:lstStyle/>
+          <a:p>
+            <a:pPr algn="ctr"/>
+            <a:r>
+              <a:rPr lang="de-DE" sz="1400" dirty="0">
+                <a:ln w="0"/>
+                <a:effectLst>
+                  <a:outerShdw blurRad="38100" dist="19050" dir="2700000" algn="tl" rotWithShape="0">
+                    <a:schemeClr val="dk1">
+                      <a:alpha val="40000"/>
+                    </a:schemeClr>
+                  </a:outerShdw>
+                </a:effectLst>
+              </a:rPr>
+              <a:t>Gerät hinzufügen</a:t>
+            </a:r>
+            <a:endParaRPr lang="de-DE" sz="1400" b="0" cap="none" spc="0" dirty="0">
+              <a:ln w="0"/>
+              <a:solidFill>
+                <a:schemeClr val="tx1"/>
+              </a:solidFill>
+              <a:effectLst>
+                <a:outerShdw blurRad="38100" dist="19050" dir="2700000" algn="tl" rotWithShape="0">
+                  <a:schemeClr val="dk1">
+                    <a:alpha val="40000"/>
+                  </a:schemeClr>
+                </a:outerShdw>
+              </a:effectLst>
+            </a:endParaRPr>
+          </a:p>
+        </p:txBody>
+      </p:sp>
+      <p:sp>
+        <p:nvSpPr>
+          <p:cNvPr id="28" name="Rechteck 27"/>
+          <p:cNvSpPr/>
+          <p:nvPr/>
+        </p:nvSpPr>
+        <p:spPr>
+          <a:xfrm>
+            <a:off x="20282" y="782364"/>
+            <a:ext cx="1213658" cy="523220"/>
+          </a:xfrm>
+          <a:prstGeom prst="rect">
+            <a:avLst/>
+          </a:prstGeom>
+          <a:noFill/>
+        </p:spPr>
+        <p:txBody>
+          <a:bodyPr wrap="square" lIns="91440" tIns="45720" rIns="91440" bIns="45720">
+            <a:spAutoFit/>
+          </a:bodyPr>
+          <a:lstStyle/>
+          <a:p>
+            <a:pPr algn="ctr"/>
+            <a:r>
+              <a:rPr lang="de-DE" sz="1400" dirty="0">
+                <a:ln w="0"/>
+                <a:effectLst>
+                  <a:outerShdw blurRad="38100" dist="19050" dir="2700000" algn="tl" rotWithShape="0">
+                    <a:schemeClr val="dk1">
+                      <a:alpha val="40000"/>
+                    </a:schemeClr>
+                  </a:outerShdw>
+                </a:effectLst>
+              </a:rPr>
+              <a:t>Geräte-</a:t>
+            </a:r>
+          </a:p>
+          <a:p>
+            <a:pPr algn="ctr"/>
+            <a:r>
+              <a:rPr lang="de-DE" sz="1400" b="0" cap="none" spc="0" dirty="0">
+                <a:ln w="0"/>
+                <a:solidFill>
+                  <a:schemeClr val="tx1"/>
+                </a:solidFill>
+                <a:effectLst>
+                  <a:outerShdw blurRad="38100" dist="19050" dir="2700000" algn="tl" rotWithShape="0">
+                    <a:schemeClr val="dk1">
+                      <a:alpha val="40000"/>
+                    </a:schemeClr>
+                  </a:outerShdw>
+                </a:effectLst>
+              </a:rPr>
+              <a:t>Liste</a:t>
+            </a:r>
+          </a:p>
+        </p:txBody>
+      </p:sp>
+      <p:sp>
+        <p:nvSpPr>
+          <p:cNvPr id="46" name="Rechteck 45"/>
+          <p:cNvSpPr/>
+          <p:nvPr/>
+        </p:nvSpPr>
+        <p:spPr>
+          <a:xfrm>
+            <a:off x="1632247" y="718144"/>
+            <a:ext cx="4028190" cy="646331"/>
+          </a:xfrm>
+          <a:prstGeom prst="rect">
+            <a:avLst/>
+          </a:prstGeom>
+          <a:noFill/>
+        </p:spPr>
+        <p:txBody>
+          <a:bodyPr wrap="square" lIns="91440" tIns="45720" rIns="91440" bIns="45720">
+            <a:spAutoFit/>
+          </a:bodyPr>
+          <a:lstStyle/>
+          <a:p>
+            <a:r>
+              <a:rPr lang="de-DE" sz="3600" b="0" cap="none" spc="0" dirty="0">
+                <a:ln w="0"/>
+                <a:solidFill>
+                  <a:schemeClr val="tx1"/>
+                </a:solidFill>
+                <a:effectLst>
+                  <a:outerShdw blurRad="38100" dist="19050" dir="2700000" algn="tl" rotWithShape="0">
+                    <a:schemeClr val="dk1">
+                      <a:alpha val="40000"/>
+                    </a:schemeClr>
+                  </a:outerShdw>
+                </a:effectLst>
+              </a:rPr>
+              <a:t>Geräteverwaltung</a:t>
+            </a:r>
+          </a:p>
+        </p:txBody>
+      </p:sp>
+      <p:sp>
+        <p:nvSpPr>
+          <p:cNvPr id="47" name="Rechteck 46"/>
+          <p:cNvSpPr/>
+          <p:nvPr/>
+        </p:nvSpPr>
+        <p:spPr>
+          <a:xfrm>
+            <a:off x="1906271" y="1255654"/>
+            <a:ext cx="2162146" cy="400110"/>
+          </a:xfrm>
+          <a:prstGeom prst="rect">
+            <a:avLst/>
+          </a:prstGeom>
+          <a:noFill/>
+        </p:spPr>
+        <p:txBody>
+          <a:bodyPr wrap="square" lIns="91440" tIns="45720" rIns="91440" bIns="45720">
+            <a:spAutoFit/>
+          </a:bodyPr>
+          <a:lstStyle/>
+          <a:p>
+            <a:r>
+              <a:rPr lang="de-DE" sz="2000" dirty="0">
+                <a:ln w="0"/>
+                <a:effectLst>
+                  <a:outerShdw blurRad="38100" dist="19050" dir="2700000" algn="tl" rotWithShape="0">
+                    <a:schemeClr val="dk1">
+                      <a:alpha val="40000"/>
+                    </a:schemeClr>
+                  </a:outerShdw>
+                </a:effectLst>
+              </a:rPr>
+              <a:t>Geräte hinzufügen</a:t>
+            </a:r>
+            <a:endParaRPr lang="de-DE" sz="2000" b="0" cap="none" spc="0" dirty="0">
+              <a:ln w="0"/>
+              <a:solidFill>
+                <a:schemeClr val="tx1"/>
+              </a:solidFill>
+              <a:effectLst>
+                <a:outerShdw blurRad="38100" dist="19050" dir="2700000" algn="tl" rotWithShape="0">
+                  <a:schemeClr val="dk1">
+                    <a:alpha val="40000"/>
+                  </a:schemeClr>
+                </a:outerShdw>
+              </a:effectLst>
+            </a:endParaRPr>
+          </a:p>
+        </p:txBody>
+      </p:sp>
+    </p:spTree>
+    <p:extLst>
+      <p:ext uri="{BB962C8B-B14F-4D97-AF65-F5344CB8AC3E}">
+        <p14:creationId xmlns:p14="http://schemas.microsoft.com/office/powerpoint/2010/main" val="3627104103"/>
       </p:ext>
     </p:extLst>
   </p:cSld>

--- a/Layout.pptx
+++ b/Layout.pptx
@@ -9623,7 +9623,222 @@
       </p:sp>
       <p:sp>
         <p:nvSpPr>
-          <p:cNvPr id="36" name="Rechteck 35"/>
+          <p:cNvPr id="47" name="Rechteck 46"/>
+          <p:cNvSpPr/>
+          <p:nvPr/>
+        </p:nvSpPr>
+        <p:spPr>
+          <a:xfrm>
+            <a:off x="1906270" y="1255654"/>
+            <a:ext cx="2625974" cy="400110"/>
+          </a:xfrm>
+          <a:prstGeom prst="rect">
+            <a:avLst/>
+          </a:prstGeom>
+          <a:noFill/>
+        </p:spPr>
+        <p:txBody>
+          <a:bodyPr wrap="square" lIns="91440" tIns="45720" rIns="91440" bIns="45720">
+            <a:spAutoFit/>
+          </a:bodyPr>
+          <a:lstStyle/>
+          <a:p>
+            <a:r>
+              <a:rPr lang="de-DE" sz="2000" dirty="0">
+                <a:ln w="0"/>
+                <a:effectLst>
+                  <a:outerShdw blurRad="38100" dist="19050" dir="2700000" algn="tl" rotWithShape="0">
+                    <a:schemeClr val="dk1">
+                      <a:alpha val="40000"/>
+                    </a:schemeClr>
+                  </a:outerShdw>
+                </a:effectLst>
+              </a:rPr>
+              <a:t>Lieferanten hinzufügen</a:t>
+            </a:r>
+            <a:endParaRPr lang="de-DE" sz="2000" b="0" cap="none" spc="0" dirty="0">
+              <a:ln w="0"/>
+              <a:solidFill>
+                <a:schemeClr val="tx1"/>
+              </a:solidFill>
+              <a:effectLst>
+                <a:outerShdw blurRad="38100" dist="19050" dir="2700000" algn="tl" rotWithShape="0">
+                  <a:schemeClr val="dk1">
+                    <a:alpha val="40000"/>
+                  </a:schemeClr>
+                </a:outerShdw>
+              </a:effectLst>
+            </a:endParaRPr>
+          </a:p>
+        </p:txBody>
+      </p:sp>
+      <p:sp>
+        <p:nvSpPr>
+          <p:cNvPr id="19" name="Rechteck 18"/>
+          <p:cNvSpPr/>
+          <p:nvPr/>
+        </p:nvSpPr>
+        <p:spPr>
+          <a:xfrm>
+            <a:off x="127317" y="1505494"/>
+            <a:ext cx="1213658" cy="523220"/>
+          </a:xfrm>
+          <a:prstGeom prst="rect">
+            <a:avLst/>
+          </a:prstGeom>
+          <a:noFill/>
+        </p:spPr>
+        <p:txBody>
+          <a:bodyPr wrap="square" lIns="91440" tIns="45720" rIns="91440" bIns="45720">
+            <a:spAutoFit/>
+          </a:bodyPr>
+          <a:lstStyle/>
+          <a:p>
+            <a:pPr algn="ctr"/>
+            <a:r>
+              <a:rPr lang="de-DE" sz="1400" dirty="0">
+                <a:ln w="0"/>
+                <a:effectLst>
+                  <a:outerShdw blurRad="38100" dist="19050" dir="2700000" algn="tl" rotWithShape="0">
+                    <a:schemeClr val="dk1">
+                      <a:alpha val="40000"/>
+                    </a:schemeClr>
+                  </a:outerShdw>
+                </a:effectLst>
+              </a:rPr>
+              <a:t>Lieferanten hinzufügen</a:t>
+            </a:r>
+            <a:endParaRPr lang="de-DE" sz="1400" b="0" cap="none" spc="0" dirty="0">
+              <a:ln w="0"/>
+              <a:solidFill>
+                <a:schemeClr val="tx1"/>
+              </a:solidFill>
+              <a:effectLst>
+                <a:outerShdw blurRad="38100" dist="19050" dir="2700000" algn="tl" rotWithShape="0">
+                  <a:schemeClr val="dk1">
+                    <a:alpha val="40000"/>
+                  </a:schemeClr>
+                </a:outerShdw>
+              </a:effectLst>
+            </a:endParaRPr>
+          </a:p>
+        </p:txBody>
+      </p:sp>
+      <p:sp>
+        <p:nvSpPr>
+          <p:cNvPr id="20" name="Rechteck 19"/>
+          <p:cNvSpPr/>
+          <p:nvPr/>
+        </p:nvSpPr>
+        <p:spPr>
+          <a:xfrm>
+            <a:off x="127317" y="777552"/>
+            <a:ext cx="1213658" cy="523220"/>
+          </a:xfrm>
+          <a:prstGeom prst="rect">
+            <a:avLst/>
+          </a:prstGeom>
+          <a:noFill/>
+        </p:spPr>
+        <p:txBody>
+          <a:bodyPr wrap="square" lIns="91440" tIns="45720" rIns="91440" bIns="45720">
+            <a:spAutoFit/>
+          </a:bodyPr>
+          <a:lstStyle/>
+          <a:p>
+            <a:pPr algn="ctr"/>
+            <a:r>
+              <a:rPr lang="de-DE" sz="1400" dirty="0">
+                <a:ln w="0"/>
+                <a:effectLst>
+                  <a:outerShdw blurRad="38100" dist="19050" dir="2700000" algn="tl" rotWithShape="0">
+                    <a:schemeClr val="dk1">
+                      <a:alpha val="40000"/>
+                    </a:schemeClr>
+                  </a:outerShdw>
+                </a:effectLst>
+              </a:rPr>
+              <a:t>Lieferanten-</a:t>
+            </a:r>
+          </a:p>
+          <a:p>
+            <a:pPr algn="ctr"/>
+            <a:r>
+              <a:rPr lang="de-DE" sz="1400" b="0" cap="none" spc="0" dirty="0">
+                <a:ln w="0"/>
+                <a:solidFill>
+                  <a:schemeClr val="tx1"/>
+                </a:solidFill>
+                <a:effectLst>
+                  <a:outerShdw blurRad="38100" dist="19050" dir="2700000" algn="tl" rotWithShape="0">
+                    <a:schemeClr val="dk1">
+                      <a:alpha val="40000"/>
+                    </a:schemeClr>
+                  </a:outerShdw>
+                </a:effectLst>
+              </a:rPr>
+              <a:t>Liste</a:t>
+            </a:r>
+          </a:p>
+        </p:txBody>
+      </p:sp>
+      <p:sp>
+        <p:nvSpPr>
+          <p:cNvPr id="21" name="Rechteck 20"/>
+          <p:cNvSpPr/>
+          <p:nvPr/>
+        </p:nvSpPr>
+        <p:spPr>
+          <a:xfrm>
+            <a:off x="1632246" y="718144"/>
+            <a:ext cx="4450501" cy="646331"/>
+          </a:xfrm>
+          <a:prstGeom prst="rect">
+            <a:avLst/>
+          </a:prstGeom>
+          <a:noFill/>
+        </p:spPr>
+        <p:txBody>
+          <a:bodyPr wrap="square" lIns="91440" tIns="45720" rIns="91440" bIns="45720">
+            <a:spAutoFit/>
+          </a:bodyPr>
+          <a:lstStyle/>
+          <a:p>
+            <a:r>
+              <a:rPr lang="de-DE" sz="3600" dirty="0">
+                <a:ln w="0"/>
+                <a:effectLst>
+                  <a:outerShdw blurRad="38100" dist="19050" dir="2700000" algn="tl" rotWithShape="0">
+                    <a:schemeClr val="dk1">
+                      <a:alpha val="40000"/>
+                    </a:schemeClr>
+                  </a:outerShdw>
+                </a:effectLst>
+              </a:rPr>
+              <a:t>Lieferanten</a:t>
+            </a:r>
+            <a:r>
+              <a:rPr lang="de-DE" sz="3600" b="0" cap="none" spc="0" dirty="0">
+                <a:ln w="0"/>
+                <a:solidFill>
+                  <a:schemeClr val="tx1"/>
+                </a:solidFill>
+                <a:effectLst>
+                  <a:outerShdw blurRad="38100" dist="19050" dir="2700000" algn="tl" rotWithShape="0">
+                    <a:schemeClr val="dk1">
+                      <a:alpha val="40000"/>
+                    </a:schemeClr>
+                  </a:outerShdw>
+                </a:effectLst>
+              </a:rPr>
+              <a:t>verwaltung</a:t>
+            </a:r>
+          </a:p>
+        </p:txBody>
+      </p:sp>
+      <p:sp>
+        <p:nvSpPr>
+          <p:cNvPr id="22" name="Rechteck 21"/>
           <p:cNvSpPr/>
           <p:nvPr/>
         </p:nvSpPr>
@@ -9666,14 +9881,14 @@
       </p:sp>
       <p:sp>
         <p:nvSpPr>
-          <p:cNvPr id="37" name="Rechteck 36"/>
-          <p:cNvSpPr/>
-          <p:nvPr/>
-        </p:nvSpPr>
-        <p:spPr>
-          <a:xfrm>
-            <a:off x="3061252" y="3340442"/>
-            <a:ext cx="4055165" cy="1293023"/>
+          <p:cNvPr id="24" name="Rechteck 23"/>
+          <p:cNvSpPr/>
+          <p:nvPr/>
+        </p:nvSpPr>
+        <p:spPr>
+          <a:xfrm>
+            <a:off x="3061252" y="3300751"/>
+            <a:ext cx="4055165" cy="357809"/>
           </a:xfrm>
           <a:prstGeom prst="rect">
             <a:avLst/>
@@ -9709,14 +9924,14 @@
       </p:sp>
       <p:sp>
         <p:nvSpPr>
-          <p:cNvPr id="38" name="Rechteck 37"/>
+          <p:cNvPr id="25" name="Rechteck 24"/>
           <p:cNvSpPr/>
           <p:nvPr/>
         </p:nvSpPr>
         <p:spPr>
           <a:xfrm>
             <a:off x="3061252" y="1767104"/>
-            <a:ext cx="3358955" cy="523220"/>
+            <a:ext cx="3776870" cy="523220"/>
           </a:xfrm>
           <a:prstGeom prst="rect">
             <a:avLst/>
@@ -9740,7 +9955,7 @@
                   </a:outerShdw>
                 </a:effectLst>
               </a:rPr>
-              <a:t>Raumnummer</a:t>
+              <a:t>Lieferantenbezeichnung</a:t>
             </a:r>
             <a:endParaRPr lang="de-DE" sz="2800" b="0" cap="none" spc="0" dirty="0">
               <a:ln w="0"/>
@@ -9760,13 +9975,13 @@
       </p:sp>
       <p:sp>
         <p:nvSpPr>
-          <p:cNvPr id="39" name="Rechteck 38"/>
-          <p:cNvSpPr/>
-          <p:nvPr/>
-        </p:nvSpPr>
-        <p:spPr>
-          <a:xfrm>
-            <a:off x="3061251" y="2828166"/>
+          <p:cNvPr id="26" name="Rechteck 25"/>
+          <p:cNvSpPr/>
+          <p:nvPr/>
+        </p:nvSpPr>
+        <p:spPr>
+          <a:xfrm>
+            <a:off x="3061251" y="2772077"/>
             <a:ext cx="3358955" cy="523220"/>
           </a:xfrm>
           <a:prstGeom prst="rect">
@@ -9791,7 +10006,7 @@
                   </a:outerShdw>
                 </a:effectLst>
               </a:rPr>
-              <a:t>Notiz</a:t>
+              <a:t>Adresse</a:t>
             </a:r>
             <a:endParaRPr lang="de-DE" sz="2800" b="0" cap="none" spc="0" dirty="0">
               <a:ln w="0"/>
@@ -9811,13 +10026,201 @@
       </p:sp>
       <p:sp>
         <p:nvSpPr>
-          <p:cNvPr id="44" name="Rechteck 43"/>
-          <p:cNvSpPr/>
-          <p:nvPr/>
-        </p:nvSpPr>
-        <p:spPr>
-          <a:xfrm>
-            <a:off x="5777949" y="4924208"/>
+          <p:cNvPr id="27" name="Rechteck 26"/>
+          <p:cNvSpPr/>
+          <p:nvPr/>
+        </p:nvSpPr>
+        <p:spPr>
+          <a:xfrm>
+            <a:off x="3061252" y="4320560"/>
+            <a:ext cx="4055165" cy="357809"/>
+          </a:xfrm>
+          <a:prstGeom prst="rect">
+            <a:avLst/>
+          </a:prstGeom>
+          <a:ln>
+            <a:solidFill>
+              <a:schemeClr val="tx1"/>
+            </a:solidFill>
+          </a:ln>
+        </p:spPr>
+        <p:style>
+          <a:lnRef idx="2">
+            <a:schemeClr val="accent6"/>
+          </a:lnRef>
+          <a:fillRef idx="1">
+            <a:schemeClr val="lt1"/>
+          </a:fillRef>
+          <a:effectRef idx="0">
+            <a:schemeClr val="accent6"/>
+          </a:effectRef>
+          <a:fontRef idx="minor">
+            <a:schemeClr val="dk1"/>
+          </a:fontRef>
+        </p:style>
+        <p:txBody>
+          <a:bodyPr rtlCol="0" anchor="ctr"/>
+          <a:lstStyle/>
+          <a:p>
+            <a:pPr algn="ctr"/>
+            <a:endParaRPr lang="de-DE"/>
+          </a:p>
+        </p:txBody>
+      </p:sp>
+      <p:sp>
+        <p:nvSpPr>
+          <p:cNvPr id="28" name="Rechteck 27"/>
+          <p:cNvSpPr/>
+          <p:nvPr/>
+        </p:nvSpPr>
+        <p:spPr>
+          <a:xfrm>
+            <a:off x="3061252" y="5303896"/>
+            <a:ext cx="4055165" cy="357809"/>
+          </a:xfrm>
+          <a:prstGeom prst="rect">
+            <a:avLst/>
+          </a:prstGeom>
+          <a:ln>
+            <a:solidFill>
+              <a:schemeClr val="tx1"/>
+            </a:solidFill>
+          </a:ln>
+        </p:spPr>
+        <p:style>
+          <a:lnRef idx="2">
+            <a:schemeClr val="accent6"/>
+          </a:lnRef>
+          <a:fillRef idx="1">
+            <a:schemeClr val="lt1"/>
+          </a:fillRef>
+          <a:effectRef idx="0">
+            <a:schemeClr val="accent6"/>
+          </a:effectRef>
+          <a:fontRef idx="minor">
+            <a:schemeClr val="dk1"/>
+          </a:fontRef>
+        </p:style>
+        <p:txBody>
+          <a:bodyPr rtlCol="0" anchor="ctr"/>
+          <a:lstStyle/>
+          <a:p>
+            <a:pPr algn="ctr"/>
+            <a:endParaRPr lang="de-DE" dirty="0"/>
+          </a:p>
+        </p:txBody>
+      </p:sp>
+      <p:sp>
+        <p:nvSpPr>
+          <p:cNvPr id="29" name="Rechteck 28"/>
+          <p:cNvSpPr/>
+          <p:nvPr/>
+        </p:nvSpPr>
+        <p:spPr>
+          <a:xfrm>
+            <a:off x="3061250" y="3822987"/>
+            <a:ext cx="3358955" cy="523220"/>
+          </a:xfrm>
+          <a:prstGeom prst="rect">
+            <a:avLst/>
+          </a:prstGeom>
+          <a:noFill/>
+        </p:spPr>
+        <p:txBody>
+          <a:bodyPr wrap="square" lIns="91440" tIns="45720" rIns="91440" bIns="45720">
+            <a:spAutoFit/>
+          </a:bodyPr>
+          <a:lstStyle/>
+          <a:p>
+            <a:r>
+              <a:rPr lang="de-DE" sz="2800" dirty="0">
+                <a:ln w="0"/>
+                <a:effectLst>
+                  <a:outerShdw blurRad="38100" dist="19050" dir="2700000" algn="tl" rotWithShape="0">
+                    <a:schemeClr val="dk1">
+                      <a:alpha val="40000"/>
+                    </a:schemeClr>
+                  </a:outerShdw>
+                </a:effectLst>
+              </a:rPr>
+              <a:t>Telefon</a:t>
+            </a:r>
+            <a:endParaRPr lang="de-DE" sz="2800" b="0" cap="none" spc="0" dirty="0">
+              <a:ln w="0"/>
+              <a:solidFill>
+                <a:schemeClr val="tx1"/>
+              </a:solidFill>
+              <a:effectLst>
+                <a:outerShdw blurRad="38100" dist="19050" dir="2700000" algn="tl" rotWithShape="0">
+                  <a:schemeClr val="dk1">
+                    <a:alpha val="40000"/>
+                  </a:schemeClr>
+                </a:outerShdw>
+              </a:effectLst>
+            </a:endParaRPr>
+          </a:p>
+        </p:txBody>
+      </p:sp>
+      <p:sp>
+        <p:nvSpPr>
+          <p:cNvPr id="32" name="Rechteck 31"/>
+          <p:cNvSpPr/>
+          <p:nvPr/>
+        </p:nvSpPr>
+        <p:spPr>
+          <a:xfrm>
+            <a:off x="3061249" y="4770478"/>
+            <a:ext cx="3358955" cy="523220"/>
+          </a:xfrm>
+          <a:prstGeom prst="rect">
+            <a:avLst/>
+          </a:prstGeom>
+          <a:noFill/>
+        </p:spPr>
+        <p:txBody>
+          <a:bodyPr wrap="square" lIns="91440" tIns="45720" rIns="91440" bIns="45720">
+            <a:spAutoFit/>
+          </a:bodyPr>
+          <a:lstStyle/>
+          <a:p>
+            <a:r>
+              <a:rPr lang="de-DE" sz="2800" dirty="0">
+                <a:ln w="0"/>
+                <a:effectLst>
+                  <a:outerShdw blurRad="38100" dist="19050" dir="2700000" algn="tl" rotWithShape="0">
+                    <a:schemeClr val="dk1">
+                      <a:alpha val="40000"/>
+                    </a:schemeClr>
+                  </a:outerShdw>
+                </a:effectLst>
+              </a:rPr>
+              <a:t>Etc.</a:t>
+            </a:r>
+            <a:endParaRPr lang="de-DE" sz="2800" b="0" cap="none" spc="0" dirty="0">
+              <a:ln w="0"/>
+              <a:solidFill>
+                <a:schemeClr val="tx1"/>
+              </a:solidFill>
+              <a:effectLst>
+                <a:outerShdw blurRad="38100" dist="19050" dir="2700000" algn="tl" rotWithShape="0">
+                  <a:schemeClr val="dk1">
+                    <a:alpha val="40000"/>
+                  </a:schemeClr>
+                </a:outerShdw>
+              </a:effectLst>
+            </a:endParaRPr>
+          </a:p>
+        </p:txBody>
+      </p:sp>
+      <p:sp>
+        <p:nvSpPr>
+          <p:cNvPr id="33" name="Rechteck 32"/>
+          <p:cNvSpPr/>
+          <p:nvPr/>
+        </p:nvSpPr>
+        <p:spPr>
+          <a:xfrm>
+            <a:off x="5777949" y="5978663"/>
             <a:ext cx="1338468" cy="371061"/>
           </a:xfrm>
           <a:prstGeom prst="rect">
@@ -9861,13 +10264,13 @@
       </p:sp>
       <p:sp>
         <p:nvSpPr>
-          <p:cNvPr id="45" name="Rechteck 44"/>
-          <p:cNvSpPr/>
-          <p:nvPr/>
-        </p:nvSpPr>
-        <p:spPr>
-          <a:xfrm>
-            <a:off x="3061252" y="4924209"/>
+          <p:cNvPr id="34" name="Rechteck 33"/>
+          <p:cNvSpPr/>
+          <p:nvPr/>
+        </p:nvSpPr>
+        <p:spPr>
+          <a:xfrm>
+            <a:off x="3061252" y="5978664"/>
             <a:ext cx="1470992" cy="371061"/>
           </a:xfrm>
           <a:prstGeom prst="rect">
@@ -9905,221 +10308,6 @@
                 </a:solidFill>
               </a:rPr>
               <a:t>Zurücksetzen</a:t>
-            </a:r>
-          </a:p>
-        </p:txBody>
-      </p:sp>
-      <p:sp>
-        <p:nvSpPr>
-          <p:cNvPr id="47" name="Rechteck 46"/>
-          <p:cNvSpPr/>
-          <p:nvPr/>
-        </p:nvSpPr>
-        <p:spPr>
-          <a:xfrm>
-            <a:off x="1906270" y="1255654"/>
-            <a:ext cx="2625974" cy="400110"/>
-          </a:xfrm>
-          <a:prstGeom prst="rect">
-            <a:avLst/>
-          </a:prstGeom>
-          <a:noFill/>
-        </p:spPr>
-        <p:txBody>
-          <a:bodyPr wrap="square" lIns="91440" tIns="45720" rIns="91440" bIns="45720">
-            <a:spAutoFit/>
-          </a:bodyPr>
-          <a:lstStyle/>
-          <a:p>
-            <a:r>
-              <a:rPr lang="de-DE" sz="2000" dirty="0">
-                <a:ln w="0"/>
-                <a:effectLst>
-                  <a:outerShdw blurRad="38100" dist="19050" dir="2700000" algn="tl" rotWithShape="0">
-                    <a:schemeClr val="dk1">
-                      <a:alpha val="40000"/>
-                    </a:schemeClr>
-                  </a:outerShdw>
-                </a:effectLst>
-              </a:rPr>
-              <a:t>Lieferanten hinzufügen</a:t>
-            </a:r>
-            <a:endParaRPr lang="de-DE" sz="2000" b="0" cap="none" spc="0" dirty="0">
-              <a:ln w="0"/>
-              <a:solidFill>
-                <a:schemeClr val="tx1"/>
-              </a:solidFill>
-              <a:effectLst>
-                <a:outerShdw blurRad="38100" dist="19050" dir="2700000" algn="tl" rotWithShape="0">
-                  <a:schemeClr val="dk1">
-                    <a:alpha val="40000"/>
-                  </a:schemeClr>
-                </a:outerShdw>
-              </a:effectLst>
-            </a:endParaRPr>
-          </a:p>
-        </p:txBody>
-      </p:sp>
-      <p:sp>
-        <p:nvSpPr>
-          <p:cNvPr id="19" name="Rechteck 18"/>
-          <p:cNvSpPr/>
-          <p:nvPr/>
-        </p:nvSpPr>
-        <p:spPr>
-          <a:xfrm>
-            <a:off x="127317" y="1505494"/>
-            <a:ext cx="1213658" cy="523220"/>
-          </a:xfrm>
-          <a:prstGeom prst="rect">
-            <a:avLst/>
-          </a:prstGeom>
-          <a:noFill/>
-        </p:spPr>
-        <p:txBody>
-          <a:bodyPr wrap="square" lIns="91440" tIns="45720" rIns="91440" bIns="45720">
-            <a:spAutoFit/>
-          </a:bodyPr>
-          <a:lstStyle/>
-          <a:p>
-            <a:pPr algn="ctr"/>
-            <a:r>
-              <a:rPr lang="de-DE" sz="1400" dirty="0">
-                <a:ln w="0"/>
-                <a:effectLst>
-                  <a:outerShdw blurRad="38100" dist="19050" dir="2700000" algn="tl" rotWithShape="0">
-                    <a:schemeClr val="dk1">
-                      <a:alpha val="40000"/>
-                    </a:schemeClr>
-                  </a:outerShdw>
-                </a:effectLst>
-              </a:rPr>
-              <a:t>Lieferanten hinzufügen</a:t>
-            </a:r>
-            <a:endParaRPr lang="de-DE" sz="1400" b="0" cap="none" spc="0" dirty="0">
-              <a:ln w="0"/>
-              <a:solidFill>
-                <a:schemeClr val="tx1"/>
-              </a:solidFill>
-              <a:effectLst>
-                <a:outerShdw blurRad="38100" dist="19050" dir="2700000" algn="tl" rotWithShape="0">
-                  <a:schemeClr val="dk1">
-                    <a:alpha val="40000"/>
-                  </a:schemeClr>
-                </a:outerShdw>
-              </a:effectLst>
-            </a:endParaRPr>
-          </a:p>
-        </p:txBody>
-      </p:sp>
-      <p:sp>
-        <p:nvSpPr>
-          <p:cNvPr id="20" name="Rechteck 19"/>
-          <p:cNvSpPr/>
-          <p:nvPr/>
-        </p:nvSpPr>
-        <p:spPr>
-          <a:xfrm>
-            <a:off x="127317" y="777552"/>
-            <a:ext cx="1213658" cy="523220"/>
-          </a:xfrm>
-          <a:prstGeom prst="rect">
-            <a:avLst/>
-          </a:prstGeom>
-          <a:noFill/>
-        </p:spPr>
-        <p:txBody>
-          <a:bodyPr wrap="square" lIns="91440" tIns="45720" rIns="91440" bIns="45720">
-            <a:spAutoFit/>
-          </a:bodyPr>
-          <a:lstStyle/>
-          <a:p>
-            <a:pPr algn="ctr"/>
-            <a:r>
-              <a:rPr lang="de-DE" sz="1400" dirty="0">
-                <a:ln w="0"/>
-                <a:effectLst>
-                  <a:outerShdw blurRad="38100" dist="19050" dir="2700000" algn="tl" rotWithShape="0">
-                    <a:schemeClr val="dk1">
-                      <a:alpha val="40000"/>
-                    </a:schemeClr>
-                  </a:outerShdw>
-                </a:effectLst>
-              </a:rPr>
-              <a:t>Lieferanten-</a:t>
-            </a:r>
-          </a:p>
-          <a:p>
-            <a:pPr algn="ctr"/>
-            <a:r>
-              <a:rPr lang="de-DE" sz="1400" b="0" cap="none" spc="0" dirty="0">
-                <a:ln w="0"/>
-                <a:solidFill>
-                  <a:schemeClr val="tx1"/>
-                </a:solidFill>
-                <a:effectLst>
-                  <a:outerShdw blurRad="38100" dist="19050" dir="2700000" algn="tl" rotWithShape="0">
-                    <a:schemeClr val="dk1">
-                      <a:alpha val="40000"/>
-                    </a:schemeClr>
-                  </a:outerShdw>
-                </a:effectLst>
-              </a:rPr>
-              <a:t>Liste</a:t>
-            </a:r>
-          </a:p>
-        </p:txBody>
-      </p:sp>
-      <p:sp>
-        <p:nvSpPr>
-          <p:cNvPr id="21" name="Rechteck 20"/>
-          <p:cNvSpPr/>
-          <p:nvPr/>
-        </p:nvSpPr>
-        <p:spPr>
-          <a:xfrm>
-            <a:off x="1632246" y="718144"/>
-            <a:ext cx="4450501" cy="646331"/>
-          </a:xfrm>
-          <a:prstGeom prst="rect">
-            <a:avLst/>
-          </a:prstGeom>
-          <a:noFill/>
-        </p:spPr>
-        <p:txBody>
-          <a:bodyPr wrap="square" lIns="91440" tIns="45720" rIns="91440" bIns="45720">
-            <a:spAutoFit/>
-          </a:bodyPr>
-          <a:lstStyle/>
-          <a:p>
-            <a:r>
-              <a:rPr lang="de-DE" sz="3600" dirty="0">
-                <a:ln w="0"/>
-                <a:effectLst>
-                  <a:outerShdw blurRad="38100" dist="19050" dir="2700000" algn="tl" rotWithShape="0">
-                    <a:schemeClr val="dk1">
-                      <a:alpha val="40000"/>
-                    </a:schemeClr>
-                  </a:outerShdw>
-                </a:effectLst>
-              </a:rPr>
-              <a:t>Lieferanten</a:t>
-            </a:r>
-            <a:r>
-              <a:rPr lang="de-DE" sz="3600" b="0" cap="none" spc="0" dirty="0">
-                <a:ln w="0"/>
-                <a:solidFill>
-                  <a:schemeClr val="tx1"/>
-                </a:solidFill>
-                <a:effectLst>
-                  <a:outerShdw blurRad="38100" dist="19050" dir="2700000" algn="tl" rotWithShape="0">
-                    <a:schemeClr val="dk1">
-                      <a:alpha val="40000"/>
-                    </a:schemeClr>
-                  </a:outerShdw>
-                </a:effectLst>
-              </a:rPr>
-              <a:t>verwaltung</a:t>
             </a:r>
           </a:p>
         </p:txBody>
@@ -15489,7 +15677,10 @@
           <a:lstStyle/>
           <a:p>
             <a:pPr algn="ctr"/>
-            <a:endParaRPr lang="de-DE"/>
+            <a:r>
+              <a:rPr lang="de-DE" dirty="0"/>
+              <a:t>001</a:t>
+            </a:r>
           </a:p>
         </p:txBody>
       </p:sp>
@@ -15987,6 +16178,82 @@
         <p:spPr>
           <a:xfrm>
             <a:off x="6685722" y="3369373"/>
+            <a:ext cx="304800" cy="253507"/>
+          </a:xfrm>
+          <a:prstGeom prst="downArrow">
+            <a:avLst/>
+          </a:prstGeom>
+        </p:spPr>
+        <p:style>
+          <a:lnRef idx="2">
+            <a:schemeClr val="dk1"/>
+          </a:lnRef>
+          <a:fillRef idx="1">
+            <a:schemeClr val="lt1"/>
+          </a:fillRef>
+          <a:effectRef idx="0">
+            <a:schemeClr val="dk1"/>
+          </a:effectRef>
+          <a:fontRef idx="minor">
+            <a:schemeClr val="dk1"/>
+          </a:fontRef>
+        </p:style>
+        <p:txBody>
+          <a:bodyPr rtlCol="0" anchor="ctr"/>
+          <a:lstStyle/>
+          <a:p>
+            <a:pPr algn="ctr"/>
+            <a:endParaRPr lang="de-DE"/>
+          </a:p>
+        </p:txBody>
+      </p:sp>
+      <p:sp>
+        <p:nvSpPr>
+          <p:cNvPr id="29" name="Rechteck 28"/>
+          <p:cNvSpPr/>
+          <p:nvPr/>
+        </p:nvSpPr>
+        <p:spPr>
+          <a:xfrm>
+            <a:off x="6685722" y="4353186"/>
+            <a:ext cx="304800" cy="280598"/>
+          </a:xfrm>
+          <a:prstGeom prst="rect">
+            <a:avLst/>
+          </a:prstGeom>
+        </p:spPr>
+        <p:style>
+          <a:lnRef idx="2">
+            <a:schemeClr val="dk1"/>
+          </a:lnRef>
+          <a:fillRef idx="1">
+            <a:schemeClr val="lt1"/>
+          </a:fillRef>
+          <a:effectRef idx="0">
+            <a:schemeClr val="dk1"/>
+          </a:effectRef>
+          <a:fontRef idx="minor">
+            <a:schemeClr val="dk1"/>
+          </a:fontRef>
+        </p:style>
+        <p:txBody>
+          <a:bodyPr rtlCol="0" anchor="ctr"/>
+          <a:lstStyle/>
+          <a:p>
+            <a:pPr algn="ctr"/>
+            <a:endParaRPr lang="de-DE"/>
+          </a:p>
+        </p:txBody>
+      </p:sp>
+      <p:sp>
+        <p:nvSpPr>
+          <p:cNvPr id="32" name="Pfeil: nach unten 31"/>
+          <p:cNvSpPr/>
+          <p:nvPr/>
+        </p:nvSpPr>
+        <p:spPr>
+          <a:xfrm>
+            <a:off x="6685722" y="4370771"/>
             <a:ext cx="304800" cy="253507"/>
           </a:xfrm>
           <a:prstGeom prst="downArrow">
